--- a/技术分享/跨平台屏幕适配原理.pptx
+++ b/技术分享/跨平台屏幕适配原理.pptx
@@ -6,7 +6,7 @@
     <p:sldMasterId id="2147483663" r:id="rId2"/>
   </p:sldMasterIdLst>
   <p:notesMasterIdLst>
-    <p:notesMasterId r:id="rId12"/>
+    <p:notesMasterId r:id="rId15"/>
   </p:notesMasterIdLst>
   <p:sldIdLst>
     <p:sldId id="320" r:id="rId3"/>
@@ -17,7 +17,10 @@
     <p:sldId id="336" r:id="rId8"/>
     <p:sldId id="337" r:id="rId9"/>
     <p:sldId id="338" r:id="rId10"/>
-    <p:sldId id="319" r:id="rId11"/>
+    <p:sldId id="339" r:id="rId11"/>
+    <p:sldId id="340" r:id="rId12"/>
+    <p:sldId id="341" r:id="rId13"/>
+    <p:sldId id="319" r:id="rId14"/>
   </p:sldIdLst>
   <p:sldSz cx="13004800" cy="9753600"/>
   <p:notesSz cx="6858000" cy="9144000"/>
@@ -321,7 +324,18 @@
   </p:defaultTextStyle>
   <p:extLst>
     <p:ext uri="{EFAFB233-063F-42B5-8137-9DF3F51BA10A}">
-      <p15:sldGuideLst xmlns:p15="http://schemas.microsoft.com/office/powerpoint/2012/main" xmlns=""/>
+      <p15:sldGuideLst xmlns:p15="http://schemas.microsoft.com/office/powerpoint/2012/main">
+        <p15:guide id="1" orient="horz" pos="3072">
+          <p15:clr>
+            <a:srgbClr val="A4A3A4"/>
+          </p15:clr>
+        </p15:guide>
+        <p15:guide id="2" pos="4096">
+          <p15:clr>
+            <a:srgbClr val="A4A3A4"/>
+          </p15:clr>
+        </p15:guide>
+      </p15:sldGuideLst>
     </p:ext>
   </p:extLst>
 </p:presentation>
@@ -406,7 +420,7 @@
     </p:spTree>
     <p:extLst>
       <p:ext uri="{BB962C8B-B14F-4D97-AF65-F5344CB8AC3E}">
-        <p14:creationId xmlns:p14="http://schemas.microsoft.com/office/powerpoint/2010/main" xmlns="" val="277936240"/>
+        <p14:creationId xmlns:p14="http://schemas.microsoft.com/office/powerpoint/2010/main" val="277936240"/>
       </p:ext>
     </p:extLst>
   </p:cSld>
@@ -603,7 +617,7 @@
     </p:spTree>
     <p:extLst>
       <p:ext uri="{BB962C8B-B14F-4D97-AF65-F5344CB8AC3E}">
-        <p14:creationId xmlns:p14="http://schemas.microsoft.com/office/powerpoint/2010/main" xmlns="" val="4288124623"/>
+        <p14:creationId xmlns:p14="http://schemas.microsoft.com/office/powerpoint/2010/main" val="4288124623"/>
       </p:ext>
     </p:extLst>
   </p:cSld>
@@ -664,7 +678,7 @@
     </p:spTree>
     <p:extLst>
       <p:ext uri="{BB962C8B-B14F-4D97-AF65-F5344CB8AC3E}">
-        <p14:creationId xmlns:p14="http://schemas.microsoft.com/office/powerpoint/2010/main" xmlns="" val="163468324"/>
+        <p14:creationId xmlns:p14="http://schemas.microsoft.com/office/powerpoint/2010/main" val="163468324"/>
       </p:ext>
     </p:extLst>
   </p:cSld>
@@ -675,6 +689,189 @@
 </file>
 
 <file path=ppt/notesSlides/notesSlide3.xml><?xml version="1.0" encoding="utf-8"?>
+<p:notes xmlns:a="http://schemas.openxmlformats.org/drawingml/2006/main" xmlns:r="http://schemas.openxmlformats.org/officeDocument/2006/relationships" xmlns:p="http://schemas.openxmlformats.org/presentationml/2006/main">
+  <p:cSld>
+    <p:spTree>
+      <p:nvGrpSpPr>
+        <p:cNvPr id="1" name=""/>
+        <p:cNvGrpSpPr/>
+        <p:nvPr/>
+      </p:nvGrpSpPr>
+      <p:grpSpPr>
+        <a:xfrm>
+          <a:off x="0" y="0"/>
+          <a:ext cx="0" cy="0"/>
+          <a:chOff x="0" y="0"/>
+          <a:chExt cx="0" cy="0"/>
+        </a:xfrm>
+      </p:grpSpPr>
+      <p:sp>
+        <p:nvSpPr>
+          <p:cNvPr id="2" name="幻灯片图像占位符 1"/>
+          <p:cNvSpPr>
+            <a:spLocks noGrp="1" noRot="1" noChangeAspect="1"/>
+          </p:cNvSpPr>
+          <p:nvPr>
+            <p:ph type="sldImg"/>
+          </p:nvPr>
+        </p:nvSpPr>
+        <p:spPr/>
+      </p:sp>
+      <p:sp>
+        <p:nvSpPr>
+          <p:cNvPr id="3" name="备注占位符 2"/>
+          <p:cNvSpPr>
+            <a:spLocks noGrp="1"/>
+          </p:cNvSpPr>
+          <p:nvPr>
+            <p:ph type="body" idx="1"/>
+          </p:nvPr>
+        </p:nvSpPr>
+        <p:spPr/>
+        <p:txBody>
+          <a:bodyPr/>
+          <a:lstStyle/>
+          <a:p>
+            <a:endParaRPr lang="zh-CN" altLang="en-US" dirty="0"/>
+          </a:p>
+        </p:txBody>
+      </p:sp>
+    </p:spTree>
+    <p:extLst>
+      <p:ext uri="{BB962C8B-B14F-4D97-AF65-F5344CB8AC3E}">
+        <p14:creationId xmlns:p14="http://schemas.microsoft.com/office/powerpoint/2010/main" val="2622602460"/>
+      </p:ext>
+    </p:extLst>
+  </p:cSld>
+  <p:clrMapOvr>
+    <a:masterClrMapping/>
+  </p:clrMapOvr>
+</p:notes>
+</file>
+
+<file path=ppt/notesSlides/notesSlide4.xml><?xml version="1.0" encoding="utf-8"?>
+<p:notes xmlns:a="http://schemas.openxmlformats.org/drawingml/2006/main" xmlns:r="http://schemas.openxmlformats.org/officeDocument/2006/relationships" xmlns:p="http://schemas.openxmlformats.org/presentationml/2006/main">
+  <p:cSld>
+    <p:spTree>
+      <p:nvGrpSpPr>
+        <p:cNvPr id="1" name=""/>
+        <p:cNvGrpSpPr/>
+        <p:nvPr/>
+      </p:nvGrpSpPr>
+      <p:grpSpPr>
+        <a:xfrm>
+          <a:off x="0" y="0"/>
+          <a:ext cx="0" cy="0"/>
+          <a:chOff x="0" y="0"/>
+          <a:chExt cx="0" cy="0"/>
+        </a:xfrm>
+      </p:grpSpPr>
+      <p:sp>
+        <p:nvSpPr>
+          <p:cNvPr id="2" name="幻灯片图像占位符 1"/>
+          <p:cNvSpPr>
+            <a:spLocks noGrp="1" noRot="1" noChangeAspect="1"/>
+          </p:cNvSpPr>
+          <p:nvPr>
+            <p:ph type="sldImg"/>
+          </p:nvPr>
+        </p:nvSpPr>
+        <p:spPr/>
+      </p:sp>
+      <p:sp>
+        <p:nvSpPr>
+          <p:cNvPr id="3" name="备注占位符 2"/>
+          <p:cNvSpPr>
+            <a:spLocks noGrp="1"/>
+          </p:cNvSpPr>
+          <p:nvPr>
+            <p:ph type="body" idx="1"/>
+          </p:nvPr>
+        </p:nvSpPr>
+        <p:spPr/>
+        <p:txBody>
+          <a:bodyPr/>
+          <a:lstStyle/>
+          <a:p>
+            <a:endParaRPr lang="zh-CN" altLang="en-US" dirty="0"/>
+          </a:p>
+        </p:txBody>
+      </p:sp>
+    </p:spTree>
+    <p:extLst>
+      <p:ext uri="{BB962C8B-B14F-4D97-AF65-F5344CB8AC3E}">
+        <p14:creationId xmlns:p14="http://schemas.microsoft.com/office/powerpoint/2010/main" val="2969063705"/>
+      </p:ext>
+    </p:extLst>
+  </p:cSld>
+  <p:clrMapOvr>
+    <a:masterClrMapping/>
+  </p:clrMapOvr>
+</p:notes>
+</file>
+
+<file path=ppt/notesSlides/notesSlide5.xml><?xml version="1.0" encoding="utf-8"?>
+<p:notes xmlns:a="http://schemas.openxmlformats.org/drawingml/2006/main" xmlns:r="http://schemas.openxmlformats.org/officeDocument/2006/relationships" xmlns:p="http://schemas.openxmlformats.org/presentationml/2006/main">
+  <p:cSld>
+    <p:spTree>
+      <p:nvGrpSpPr>
+        <p:cNvPr id="1" name=""/>
+        <p:cNvGrpSpPr/>
+        <p:nvPr/>
+      </p:nvGrpSpPr>
+      <p:grpSpPr>
+        <a:xfrm>
+          <a:off x="0" y="0"/>
+          <a:ext cx="0" cy="0"/>
+          <a:chOff x="0" y="0"/>
+          <a:chExt cx="0" cy="0"/>
+        </a:xfrm>
+      </p:grpSpPr>
+      <p:sp>
+        <p:nvSpPr>
+          <p:cNvPr id="2" name="幻灯片图像占位符 1"/>
+          <p:cNvSpPr>
+            <a:spLocks noGrp="1" noRot="1" noChangeAspect="1"/>
+          </p:cNvSpPr>
+          <p:nvPr>
+            <p:ph type="sldImg"/>
+          </p:nvPr>
+        </p:nvSpPr>
+        <p:spPr/>
+      </p:sp>
+      <p:sp>
+        <p:nvSpPr>
+          <p:cNvPr id="3" name="备注占位符 2"/>
+          <p:cNvSpPr>
+            <a:spLocks noGrp="1"/>
+          </p:cNvSpPr>
+          <p:nvPr>
+            <p:ph type="body" idx="1"/>
+          </p:nvPr>
+        </p:nvSpPr>
+        <p:spPr/>
+        <p:txBody>
+          <a:bodyPr/>
+          <a:lstStyle/>
+          <a:p>
+            <a:endParaRPr lang="zh-CN" altLang="en-US" dirty="0"/>
+          </a:p>
+        </p:txBody>
+      </p:sp>
+    </p:spTree>
+    <p:extLst>
+      <p:ext uri="{BB962C8B-B14F-4D97-AF65-F5344CB8AC3E}">
+        <p14:creationId xmlns:p14="http://schemas.microsoft.com/office/powerpoint/2010/main" val="4126790553"/>
+      </p:ext>
+    </p:extLst>
+  </p:cSld>
+  <p:clrMapOvr>
+    <a:masterClrMapping/>
+  </p:clrMapOvr>
+</p:notes>
+</file>
+
+<file path=ppt/notesSlides/notesSlide6.xml><?xml version="1.0" encoding="utf-8"?>
 <p:notes xmlns:a="http://schemas.openxmlformats.org/drawingml/2006/main" xmlns:r="http://schemas.openxmlformats.org/officeDocument/2006/relationships" xmlns:p="http://schemas.openxmlformats.org/presentationml/2006/main">
   <p:cSld>
     <p:spTree>
@@ -753,7 +950,7 @@
             <a:fld id="{36719E90-ECDA-4FD3-81A0-81B3352937B0}" type="slidenum">
               <a:rPr lang="zh-CN" altLang="en-US" smtClean="0"/>
               <a:pPr/>
-              <a:t>9</a:t>
+              <a:t>12</a:t>
             </a:fld>
             <a:endParaRPr lang="zh-CN" altLang="en-US"/>
           </a:p>
@@ -762,7 +959,7 @@
     </p:spTree>
     <p:extLst>
       <p:ext uri="{BB962C8B-B14F-4D97-AF65-F5344CB8AC3E}">
-        <p14:creationId xmlns:p14="http://schemas.microsoft.com/office/powerpoint/2010/main" xmlns="" val="30291408"/>
+        <p14:creationId xmlns:p14="http://schemas.microsoft.com/office/powerpoint/2010/main" val="30291408"/>
       </p:ext>
     </p:extLst>
   </p:cSld>
@@ -1130,7 +1327,7 @@
     </p:spTree>
     <p:extLst>
       <p:ext uri="{BB962C8B-B14F-4D97-AF65-F5344CB8AC3E}">
-        <p14:creationId xmlns:p14="http://schemas.microsoft.com/office/powerpoint/2010/main" xmlns="" val="3316485102"/>
+        <p14:creationId xmlns:p14="http://schemas.microsoft.com/office/powerpoint/2010/main" val="3316485102"/>
       </p:ext>
     </p:extLst>
   </p:cSld>
@@ -1278,7 +1475,7 @@
     </p:spTree>
     <p:extLst>
       <p:ext uri="{BB962C8B-B14F-4D97-AF65-F5344CB8AC3E}">
-        <p14:creationId xmlns:p14="http://schemas.microsoft.com/office/powerpoint/2010/main" xmlns="" val="3137951634"/>
+        <p14:creationId xmlns:p14="http://schemas.microsoft.com/office/powerpoint/2010/main" val="3137951634"/>
       </p:ext>
     </p:extLst>
   </p:cSld>
@@ -1440,7 +1637,7 @@
     </p:spTree>
     <p:extLst>
       <p:ext uri="{BB962C8B-B14F-4D97-AF65-F5344CB8AC3E}">
-        <p14:creationId xmlns:p14="http://schemas.microsoft.com/office/powerpoint/2010/main" xmlns="" val="1007209188"/>
+        <p14:creationId xmlns:p14="http://schemas.microsoft.com/office/powerpoint/2010/main" val="1007209188"/>
       </p:ext>
     </p:extLst>
   </p:cSld>
@@ -1835,7 +2032,7 @@
     </p:spTree>
     <p:extLst>
       <p:ext uri="{BB962C8B-B14F-4D97-AF65-F5344CB8AC3E}">
-        <p14:creationId xmlns:p14="http://schemas.microsoft.com/office/powerpoint/2010/main" xmlns="" val="2188742053"/>
+        <p14:creationId xmlns:p14="http://schemas.microsoft.com/office/powerpoint/2010/main" val="2188742053"/>
       </p:ext>
     </p:extLst>
   </p:cSld>
@@ -1927,7 +2124,7 @@
     </p:spTree>
     <p:extLst>
       <p:ext uri="{BB962C8B-B14F-4D97-AF65-F5344CB8AC3E}">
-        <p14:creationId xmlns:p14="http://schemas.microsoft.com/office/powerpoint/2010/main" xmlns="" val="2507043630"/>
+        <p14:creationId xmlns:p14="http://schemas.microsoft.com/office/powerpoint/2010/main" val="2507043630"/>
       </p:ext>
     </p:extLst>
   </p:cSld>
@@ -2019,7 +2216,7 @@
     </p:spTree>
     <p:extLst>
       <p:ext uri="{BB962C8B-B14F-4D97-AF65-F5344CB8AC3E}">
-        <p14:creationId xmlns:p14="http://schemas.microsoft.com/office/powerpoint/2010/main" xmlns="" val="120920598"/>
+        <p14:creationId xmlns:p14="http://schemas.microsoft.com/office/powerpoint/2010/main" val="120920598"/>
       </p:ext>
     </p:extLst>
   </p:cSld>
@@ -2055,10 +2252,10 @@
           <p:nvPr userDrawn="1"/>
         </p:nvPicPr>
         <p:blipFill>
-          <a:blip r:embed="rId5" cstate="print">
+          <a:blip r:embed="rId7" cstate="print">
             <a:extLst>
               <a:ext uri="{28A0092B-C50C-407E-A947-70E740481C1C}">
-                <a14:useLocalDpi xmlns:a14="http://schemas.microsoft.com/office/drawing/2010/main" xmlns="" val="0"/>
+                <a14:useLocalDpi xmlns:a14="http://schemas.microsoft.com/office/drawing/2010/main" val="0"/>
               </a:ext>
             </a:extLst>
           </a:blip>
@@ -2082,7 +2279,11 @@
           <p:cNvGraphicFramePr>
             <a:graphicFrameLocks noChangeAspect="1"/>
           </p:cNvGraphicFramePr>
-          <p:nvPr/>
+          <p:nvPr>
+            <p:custDataLst>
+              <p:tags r:id="rId2"/>
+            </p:custDataLst>
+          </p:nvPr>
         </p:nvGraphicFramePr>
         <p:xfrm>
           <a:off x="0" y="0"/>
@@ -2090,9 +2291,59 @@
         </p:xfrm>
         <a:graphic>
           <a:graphicData uri="http://schemas.openxmlformats.org/presentationml/2006/ole">
-            <p:oleObj spid="_x0000_s2274" name="think-cell Slide" r:id="rId6" imgW="0" imgH="0" progId="">
-              <p:embed/>
-            </p:oleObj>
+            <mc:AlternateContent xmlns:mc="http://schemas.openxmlformats.org/markup-compatibility/2006">
+              <mc:Choice xmlns:v="urn:schemas-microsoft-com:vml" Requires="v">
+                <p:oleObj spid="_x0000_s2298" name="think-cell Slide" r:id="rId8" imgW="0" imgH="0" progId="">
+                  <p:embed/>
+                </p:oleObj>
+              </mc:Choice>
+              <mc:Fallback>
+                <p:oleObj name="think-cell Slide" r:id="rId8" imgW="0" imgH="0" progId="">
+                  <p:embed/>
+                  <p:pic>
+                    <p:nvPicPr>
+                      <p:cNvPr id="0" name="AutoShape 226"/>
+                      <p:cNvPicPr>
+                        <a:picLocks noChangeAspect="1" noChangeArrowheads="1"/>
+                      </p:cNvPicPr>
+                      <p:nvPr/>
+                    </p:nvPicPr>
+                    <p:blipFill>
+                      <a:blip>
+                        <a:extLst>
+                          <a:ext uri="{28A0092B-C50C-407E-A947-70E740481C1C}">
+                            <a14:useLocalDpi xmlns:a14="http://schemas.microsoft.com/office/drawing/2010/main" val="0"/>
+                          </a:ext>
+                        </a:extLst>
+                      </a:blip>
+                      <a:srcRect/>
+                      <a:stretch>
+                        <a:fillRect/>
+                      </a:stretch>
+                    </p:blipFill>
+                    <p:spPr bwMode="auto">
+                      <a:xfrm>
+                        <a:off x="0" y="0"/>
+                        <a:ext cx="208410" cy="225778"/>
+                      </a:xfrm>
+                      <a:prstGeom prst="rect">
+                        <a:avLst/>
+                      </a:prstGeom>
+                      <a:noFill/>
+                      <a:extLst>
+                        <a:ext uri="{909E8E84-426E-40DD-AFC4-6F175D3DCCD1}">
+                          <a14:hiddenFill xmlns:a14="http://schemas.microsoft.com/office/drawing/2010/main">
+                            <a:solidFill>
+                              <a:srgbClr val="FFFFFF"/>
+                            </a:solidFill>
+                          </a14:hiddenFill>
+                        </a:ext>
+                      </a:extLst>
+                    </p:spPr>
+                  </p:pic>
+                </p:oleObj>
+              </mc:Fallback>
+            </mc:AlternateContent>
           </a:graphicData>
         </a:graphic>
       </p:graphicFrame>
@@ -2104,7 +2355,7 @@
           </p:cNvSpPr>
           <p:nvPr>
             <p:custDataLst>
-              <p:tags r:id="rId2"/>
+              <p:tags r:id="rId3"/>
             </p:custDataLst>
           </p:nvPr>
         </p:nvSpPr>
@@ -2167,7 +2418,7 @@
           </p:cNvSpPr>
           <p:nvPr>
             <p:custDataLst>
-              <p:tags r:id="rId3"/>
+              <p:tags r:id="rId4"/>
             </p:custDataLst>
           </p:nvPr>
         </p:nvSpPr>
@@ -2211,7 +2462,11 @@
           <p:cNvGraphicFramePr>
             <a:graphicFrameLocks noChangeAspect="1"/>
           </p:cNvGraphicFramePr>
-          <p:nvPr/>
+          <p:nvPr>
+            <p:custDataLst>
+              <p:tags r:id="rId5"/>
+            </p:custDataLst>
+          </p:nvPr>
         </p:nvGraphicFramePr>
         <p:xfrm>
           <a:off x="0" y="0"/>
@@ -2219,9 +2474,59 @@
         </p:xfrm>
         <a:graphic>
           <a:graphicData uri="http://schemas.openxmlformats.org/presentationml/2006/ole">
-            <p:oleObj spid="_x0000_s2275" r:id="rId7" imgW="0" imgH="0" progId="">
-              <p:embed/>
-            </p:oleObj>
+            <mc:AlternateContent xmlns:mc="http://schemas.openxmlformats.org/markup-compatibility/2006">
+              <mc:Choice xmlns:v="urn:schemas-microsoft-com:vml" Requires="v">
+                <p:oleObj spid="_x0000_s2299" r:id="rId9" imgW="0" imgH="0" progId="">
+                  <p:embed/>
+                </p:oleObj>
+              </mc:Choice>
+              <mc:Fallback>
+                <p:oleObj r:id="rId9" imgW="0" imgH="0" progId="">
+                  <p:embed/>
+                  <p:pic>
+                    <p:nvPicPr>
+                      <p:cNvPr id="0" name="AutoShape 227"/>
+                      <p:cNvPicPr>
+                        <a:picLocks noChangeAspect="1" noChangeArrowheads="1"/>
+                      </p:cNvPicPr>
+                      <p:nvPr/>
+                    </p:nvPicPr>
+                    <p:blipFill>
+                      <a:blip>
+                        <a:extLst>
+                          <a:ext uri="{28A0092B-C50C-407E-A947-70E740481C1C}">
+                            <a14:useLocalDpi xmlns:a14="http://schemas.microsoft.com/office/drawing/2010/main" val="0"/>
+                          </a:ext>
+                        </a:extLst>
+                      </a:blip>
+                      <a:srcRect/>
+                      <a:stretch>
+                        <a:fillRect/>
+                      </a:stretch>
+                    </p:blipFill>
+                    <p:spPr bwMode="auto">
+                      <a:xfrm>
+                        <a:off x="0" y="0"/>
+                        <a:ext cx="208410" cy="225778"/>
+                      </a:xfrm>
+                      <a:prstGeom prst="rect">
+                        <a:avLst/>
+                      </a:prstGeom>
+                      <a:noFill/>
+                      <a:extLst>
+                        <a:ext uri="{909E8E84-426E-40DD-AFC4-6F175D3DCCD1}">
+                          <a14:hiddenFill xmlns:a14="http://schemas.microsoft.com/office/drawing/2010/main">
+                            <a:solidFill>
+                              <a:srgbClr val="FFFFFF"/>
+                            </a:solidFill>
+                          </a14:hiddenFill>
+                        </a:ext>
+                      </a:extLst>
+                    </p:spPr>
+                  </p:pic>
+                </p:oleObj>
+              </mc:Fallback>
+            </mc:AlternateContent>
           </a:graphicData>
         </a:graphic>
       </p:graphicFrame>
@@ -2412,10 +2717,10 @@
           <p:nvPr userDrawn="1"/>
         </p:nvPicPr>
         <p:blipFill>
-          <a:blip r:embed="rId8" cstate="print">
+          <a:blip r:embed="rId10" cstate="print">
             <a:extLst>
               <a:ext uri="{28A0092B-C50C-407E-A947-70E740481C1C}">
-                <a14:useLocalDpi xmlns:a14="http://schemas.microsoft.com/office/drawing/2010/main" xmlns="" val="0"/>
+                <a14:useLocalDpi xmlns:a14="http://schemas.microsoft.com/office/drawing/2010/main" val="0"/>
               </a:ext>
             </a:extLst>
           </a:blip>
@@ -2435,7 +2740,7 @@
           <a:noFill/>
           <a:extLst>
             <a:ext uri="{909E8E84-426E-40DD-AFC4-6F175D3DCCD1}">
-              <a14:hiddenFill xmlns:a14="http://schemas.microsoft.com/office/drawing/2010/main" xmlns="">
+              <a14:hiddenFill xmlns:a14="http://schemas.microsoft.com/office/drawing/2010/main">
                 <a:solidFill>
                   <a:srgbClr val="FFFFFF"/>
                 </a:solidFill>
@@ -2447,7 +2752,7 @@
     </p:spTree>
     <p:extLst>
       <p:ext uri="{BB962C8B-B14F-4D97-AF65-F5344CB8AC3E}">
-        <p14:creationId xmlns:p14="http://schemas.microsoft.com/office/powerpoint/2010/main" xmlns="" val="2892463142"/>
+        <p14:creationId xmlns:p14="http://schemas.microsoft.com/office/powerpoint/2010/main" val="2892463142"/>
       </p:ext>
     </p:extLst>
   </p:cSld>
@@ -3433,10 +3738,10 @@
           <p:nvPr userDrawn="1"/>
         </p:nvPicPr>
         <p:blipFill>
-          <a:blip r:embed="rId5" cstate="print">
+          <a:blip r:embed="rId7" cstate="print">
             <a:extLst>
               <a:ext uri="{28A0092B-C50C-407E-A947-70E740481C1C}">
-                <a14:useLocalDpi xmlns:a14="http://schemas.microsoft.com/office/drawing/2010/main" xmlns="" val="0"/>
+                <a14:useLocalDpi xmlns:a14="http://schemas.microsoft.com/office/drawing/2010/main" val="0"/>
               </a:ext>
             </a:extLst>
           </a:blip>
@@ -3460,7 +3765,11 @@
           <p:cNvGraphicFramePr>
             <a:graphicFrameLocks noChangeAspect="1"/>
           </p:cNvGraphicFramePr>
-          <p:nvPr/>
+          <p:nvPr>
+            <p:custDataLst>
+              <p:tags r:id="rId2"/>
+            </p:custDataLst>
+          </p:nvPr>
         </p:nvGraphicFramePr>
         <p:xfrm>
           <a:off x="0" y="0"/>
@@ -3468,9 +3777,59 @@
         </p:xfrm>
         <a:graphic>
           <a:graphicData uri="http://schemas.openxmlformats.org/presentationml/2006/ole">
-            <p:oleObj spid="_x0000_s1168" name="think-cell Slide" r:id="rId6" imgW="0" imgH="0" progId="">
-              <p:embed/>
-            </p:oleObj>
+            <mc:AlternateContent xmlns:mc="http://schemas.openxmlformats.org/markup-compatibility/2006">
+              <mc:Choice xmlns:v="urn:schemas-microsoft-com:vml" Requires="v">
+                <p:oleObj spid="_x0000_s1192" name="think-cell Slide" r:id="rId8" imgW="0" imgH="0" progId="">
+                  <p:embed/>
+                </p:oleObj>
+              </mc:Choice>
+              <mc:Fallback>
+                <p:oleObj name="think-cell Slide" r:id="rId8" imgW="0" imgH="0" progId="">
+                  <p:embed/>
+                  <p:pic>
+                    <p:nvPicPr>
+                      <p:cNvPr id="0" name="AutoShape 144"/>
+                      <p:cNvPicPr>
+                        <a:picLocks noChangeAspect="1" noChangeArrowheads="1"/>
+                      </p:cNvPicPr>
+                      <p:nvPr/>
+                    </p:nvPicPr>
+                    <p:blipFill>
+                      <a:blip>
+                        <a:extLst>
+                          <a:ext uri="{28A0092B-C50C-407E-A947-70E740481C1C}">
+                            <a14:useLocalDpi xmlns:a14="http://schemas.microsoft.com/office/drawing/2010/main" val="0"/>
+                          </a:ext>
+                        </a:extLst>
+                      </a:blip>
+                      <a:srcRect/>
+                      <a:stretch>
+                        <a:fillRect/>
+                      </a:stretch>
+                    </p:blipFill>
+                    <p:spPr bwMode="auto">
+                      <a:xfrm>
+                        <a:off x="0" y="0"/>
+                        <a:ext cx="208410" cy="225778"/>
+                      </a:xfrm>
+                      <a:prstGeom prst="rect">
+                        <a:avLst/>
+                      </a:prstGeom>
+                      <a:noFill/>
+                      <a:extLst>
+                        <a:ext uri="{909E8E84-426E-40DD-AFC4-6F175D3DCCD1}">
+                          <a14:hiddenFill xmlns:a14="http://schemas.microsoft.com/office/drawing/2010/main">
+                            <a:solidFill>
+                              <a:srgbClr val="FFFFFF"/>
+                            </a:solidFill>
+                          </a14:hiddenFill>
+                        </a:ext>
+                      </a:extLst>
+                    </p:spPr>
+                  </p:pic>
+                </p:oleObj>
+              </mc:Fallback>
+            </mc:AlternateContent>
           </a:graphicData>
         </a:graphic>
       </p:graphicFrame>
@@ -3482,7 +3841,7 @@
           </p:cNvSpPr>
           <p:nvPr>
             <p:custDataLst>
-              <p:tags r:id="rId2"/>
+              <p:tags r:id="rId3"/>
             </p:custDataLst>
           </p:nvPr>
         </p:nvSpPr>
@@ -3545,7 +3904,7 @@
           </p:cNvSpPr>
           <p:nvPr>
             <p:custDataLst>
-              <p:tags r:id="rId3"/>
+              <p:tags r:id="rId4"/>
             </p:custDataLst>
           </p:nvPr>
         </p:nvSpPr>
@@ -3589,7 +3948,11 @@
           <p:cNvGraphicFramePr>
             <a:graphicFrameLocks noChangeAspect="1"/>
           </p:cNvGraphicFramePr>
-          <p:nvPr/>
+          <p:nvPr>
+            <p:custDataLst>
+              <p:tags r:id="rId5"/>
+            </p:custDataLst>
+          </p:nvPr>
         </p:nvGraphicFramePr>
         <p:xfrm>
           <a:off x="0" y="0"/>
@@ -3597,9 +3960,59 @@
         </p:xfrm>
         <a:graphic>
           <a:graphicData uri="http://schemas.openxmlformats.org/presentationml/2006/ole">
-            <p:oleObj spid="_x0000_s1169" r:id="rId7" imgW="0" imgH="0" progId="">
-              <p:embed/>
-            </p:oleObj>
+            <mc:AlternateContent xmlns:mc="http://schemas.openxmlformats.org/markup-compatibility/2006">
+              <mc:Choice xmlns:v="urn:schemas-microsoft-com:vml" Requires="v">
+                <p:oleObj spid="_x0000_s1193" r:id="rId9" imgW="0" imgH="0" progId="">
+                  <p:embed/>
+                </p:oleObj>
+              </mc:Choice>
+              <mc:Fallback>
+                <p:oleObj r:id="rId9" imgW="0" imgH="0" progId="">
+                  <p:embed/>
+                  <p:pic>
+                    <p:nvPicPr>
+                      <p:cNvPr id="0" name="AutoShape 145"/>
+                      <p:cNvPicPr>
+                        <a:picLocks noChangeAspect="1" noChangeArrowheads="1"/>
+                      </p:cNvPicPr>
+                      <p:nvPr/>
+                    </p:nvPicPr>
+                    <p:blipFill>
+                      <a:blip>
+                        <a:extLst>
+                          <a:ext uri="{28A0092B-C50C-407E-A947-70E740481C1C}">
+                            <a14:useLocalDpi xmlns:a14="http://schemas.microsoft.com/office/drawing/2010/main" val="0"/>
+                          </a:ext>
+                        </a:extLst>
+                      </a:blip>
+                      <a:srcRect/>
+                      <a:stretch>
+                        <a:fillRect/>
+                      </a:stretch>
+                    </p:blipFill>
+                    <p:spPr bwMode="auto">
+                      <a:xfrm>
+                        <a:off x="0" y="0"/>
+                        <a:ext cx="208410" cy="225778"/>
+                      </a:xfrm>
+                      <a:prstGeom prst="rect">
+                        <a:avLst/>
+                      </a:prstGeom>
+                      <a:noFill/>
+                      <a:extLst>
+                        <a:ext uri="{909E8E84-426E-40DD-AFC4-6F175D3DCCD1}">
+                          <a14:hiddenFill xmlns:a14="http://schemas.microsoft.com/office/drawing/2010/main">
+                            <a:solidFill>
+                              <a:srgbClr val="FFFFFF"/>
+                            </a:solidFill>
+                          </a14:hiddenFill>
+                        </a:ext>
+                      </a:extLst>
+                    </p:spPr>
+                  </p:pic>
+                </p:oleObj>
+              </mc:Fallback>
+            </mc:AlternateContent>
           </a:graphicData>
         </a:graphic>
       </p:graphicFrame>
@@ -3790,10 +4203,10 @@
           <p:nvPr userDrawn="1"/>
         </p:nvPicPr>
         <p:blipFill>
-          <a:blip r:embed="rId8" cstate="print">
+          <a:blip r:embed="rId10" cstate="print">
             <a:extLst>
               <a:ext uri="{28A0092B-C50C-407E-A947-70E740481C1C}">
-                <a14:useLocalDpi xmlns:a14="http://schemas.microsoft.com/office/drawing/2010/main" xmlns="" val="0"/>
+                <a14:useLocalDpi xmlns:a14="http://schemas.microsoft.com/office/drawing/2010/main" val="0"/>
               </a:ext>
             </a:extLst>
           </a:blip>
@@ -3813,7 +4226,7 @@
           <a:noFill/>
           <a:extLst>
             <a:ext uri="{909E8E84-426E-40DD-AFC4-6F175D3DCCD1}">
-              <a14:hiddenFill xmlns:a14="http://schemas.microsoft.com/office/drawing/2010/main" xmlns="">
+              <a14:hiddenFill xmlns:a14="http://schemas.microsoft.com/office/drawing/2010/main">
                 <a:solidFill>
                   <a:srgbClr val="FFFFFF"/>
                 </a:solidFill>
@@ -3825,7 +4238,7 @@
     </p:spTree>
     <p:extLst>
       <p:ext uri="{BB962C8B-B14F-4D97-AF65-F5344CB8AC3E}">
-        <p14:creationId xmlns:p14="http://schemas.microsoft.com/office/powerpoint/2010/main" xmlns="" val="4173704845"/>
+        <p14:creationId xmlns:p14="http://schemas.microsoft.com/office/powerpoint/2010/main" val="4173704845"/>
       </p:ext>
     </p:extLst>
   </p:cSld>
@@ -5061,7 +5474,7 @@
           <a:blip r:embed="rId9" cstate="print">
             <a:extLst>
               <a:ext uri="{28A0092B-C50C-407E-A947-70E740481C1C}">
-                <a14:useLocalDpi xmlns:a14="http://schemas.microsoft.com/office/drawing/2010/main" xmlns="" val="0"/>
+                <a14:useLocalDpi xmlns:a14="http://schemas.microsoft.com/office/drawing/2010/main" val="0"/>
               </a:ext>
             </a:extLst>
           </a:blip>
@@ -5081,7 +5494,7 @@
           <a:noFill/>
           <a:extLst>
             <a:ext uri="{909E8E84-426E-40DD-AFC4-6F175D3DCCD1}">
-              <a14:hiddenFill xmlns:a14="http://schemas.microsoft.com/office/drawing/2010/main" xmlns="">
+              <a14:hiddenFill xmlns:a14="http://schemas.microsoft.com/office/drawing/2010/main">
                 <a:solidFill>
                   <a:srgbClr val="FFFFFF"/>
                 </a:solidFill>
@@ -5093,7 +5506,7 @@
     </p:spTree>
     <p:extLst>
       <p:ext uri="{BB962C8B-B14F-4D97-AF65-F5344CB8AC3E}">
-        <p14:creationId xmlns:p14="http://schemas.microsoft.com/office/powerpoint/2010/main" xmlns="" val="344449526"/>
+        <p14:creationId xmlns:p14="http://schemas.microsoft.com/office/powerpoint/2010/main" val="344449526"/>
       </p:ext>
     </p:extLst>
   </p:cSld>
@@ -5592,15 +6005,7 @@
             <a:pPr algn="r"/>
             <a:r>
               <a:rPr lang="zh-CN" altLang="en-US" sz="6600" dirty="0" smtClean="0"/>
-              <a:t>移动端</a:t>
-            </a:r>
-            <a:r>
-              <a:rPr lang="zh-CN" altLang="en-US" sz="6600" dirty="0" smtClean="0"/>
-              <a:t>适</a:t>
-            </a:r>
-            <a:r>
-              <a:rPr lang="zh-CN" altLang="en-US" sz="6600" dirty="0" smtClean="0"/>
-              <a:t>配的前世今生</a:t>
+              <a:t>移动端适配的前世今生</a:t>
             </a:r>
             <a:r>
               <a:rPr lang="en-US" altLang="zh-CN" sz="6600" dirty="0"/>
@@ -5641,14 +6046,14 @@
           </a:ln>
           <a:extLst>
             <a:ext uri="{909E8E84-426E-40DD-AFC4-6F175D3DCCD1}">
-              <a14:hiddenFill xmlns:a14="http://schemas.microsoft.com/office/drawing/2010/main" xmlns="">
+              <a14:hiddenFill xmlns:a14="http://schemas.microsoft.com/office/drawing/2010/main">
                 <a:solidFill>
                   <a:srgbClr val="FFFFFF"/>
                 </a:solidFill>
               </a14:hiddenFill>
             </a:ext>
             <a:ext uri="{91240B29-F687-4F45-9708-019B960494DF}">
-              <a14:hiddenLine xmlns:a14="http://schemas.microsoft.com/office/drawing/2010/main" xmlns="" w="9525">
+              <a14:hiddenLine xmlns:a14="http://schemas.microsoft.com/office/drawing/2010/main" w="9525">
                 <a:solidFill>
                   <a:srgbClr val="000000"/>
                 </a:solidFill>
@@ -5888,7 +6293,7 @@
     </p:custDataLst>
     <p:extLst>
       <p:ext uri="{BB962C8B-B14F-4D97-AF65-F5344CB8AC3E}">
-        <p14:creationId xmlns:p14="http://schemas.microsoft.com/office/powerpoint/2010/main" xmlns="" val="3643795278"/>
+        <p14:creationId xmlns:p14="http://schemas.microsoft.com/office/powerpoint/2010/main" val="3643795278"/>
       </p:ext>
     </p:extLst>
   </p:cSld>
@@ -5898,6 +6303,628 @@
   <p:transition spd="slow">
     <p:pull/>
   </p:transition>
+  <p:timing>
+    <p:tnLst>
+      <p:par>
+        <p:cTn id="1" dur="indefinite" restart="never" nodeType="tmRoot"/>
+      </p:par>
+    </p:tnLst>
+  </p:timing>
+</p:sld>
+</file>
+
+<file path=ppt/slides/slide10.xml><?xml version="1.0" encoding="utf-8"?>
+<p:sld xmlns:a="http://schemas.openxmlformats.org/drawingml/2006/main" xmlns:r="http://schemas.openxmlformats.org/officeDocument/2006/relationships" xmlns:p="http://schemas.openxmlformats.org/presentationml/2006/main">
+  <p:cSld>
+    <p:spTree>
+      <p:nvGrpSpPr>
+        <p:cNvPr id="1" name=""/>
+        <p:cNvGrpSpPr/>
+        <p:nvPr/>
+      </p:nvGrpSpPr>
+      <p:grpSpPr>
+        <a:xfrm>
+          <a:off x="0" y="0"/>
+          <a:ext cx="0" cy="0"/>
+          <a:chOff x="0" y="0"/>
+          <a:chExt cx="0" cy="0"/>
+        </a:xfrm>
+      </p:grpSpPr>
+      <p:sp>
+        <p:nvSpPr>
+          <p:cNvPr id="2" name="标题 1"/>
+          <p:cNvSpPr>
+            <a:spLocks noGrp="1"/>
+          </p:cNvSpPr>
+          <p:nvPr>
+            <p:ph type="title"/>
+          </p:nvPr>
+        </p:nvSpPr>
+        <p:spPr/>
+        <p:txBody>
+          <a:bodyPr/>
+          <a:lstStyle/>
+          <a:p>
+            <a:r>
+              <a:rPr lang="zh-CN" altLang="en-US" dirty="0" smtClean="0"/>
+              <a:t>跨平台屏幕适配历史</a:t>
+            </a:r>
+            <a:r>
+              <a:rPr lang="en-US" altLang="zh-CN" dirty="0" smtClean="0"/>
+              <a:t>——</a:t>
+            </a:r>
+            <a:r>
+              <a:rPr lang="zh-CN" altLang="en-US" dirty="0" smtClean="0"/>
+              <a:t>基于</a:t>
+            </a:r>
+            <a:r>
+              <a:rPr lang="en-US" altLang="zh-CN" dirty="0" smtClean="0"/>
+              <a:t>viewport</a:t>
+            </a:r>
+            <a:r>
+              <a:rPr lang="zh-CN" altLang="en-US" dirty="0" smtClean="0"/>
+              <a:t>的几种适配方式</a:t>
+            </a:r>
+            <a:endParaRPr lang="zh-CN" altLang="en-US" dirty="0"/>
+          </a:p>
+        </p:txBody>
+      </p:sp>
+      <p:sp>
+        <p:nvSpPr>
+          <p:cNvPr id="3" name="灯片编号占位符 2"/>
+          <p:cNvSpPr>
+            <a:spLocks noGrp="1"/>
+          </p:cNvSpPr>
+          <p:nvPr>
+            <p:ph type="sldNum" sz="quarter" idx="10"/>
+          </p:nvPr>
+        </p:nvSpPr>
+        <p:spPr/>
+        <p:txBody>
+          <a:bodyPr/>
+          <a:lstStyle/>
+          <a:p>
+            <a:fld id="{3A0D4AB8-71D5-49A6-A47D-7EBF93BD0B58}" type="slidenum">
+              <a:rPr lang="zh-CN" altLang="en-US" smtClean="0">
+                <a:solidFill>
+                  <a:srgbClr val="000000"/>
+                </a:solidFill>
+              </a:rPr>
+              <a:pPr/>
+              <a:t>10</a:t>
+            </a:fld>
+            <a:endParaRPr lang="zh-CN" altLang="en-US">
+              <a:solidFill>
+                <a:srgbClr val="000000"/>
+              </a:solidFill>
+            </a:endParaRPr>
+          </a:p>
+        </p:txBody>
+      </p:sp>
+      <p:sp>
+        <p:nvSpPr>
+          <p:cNvPr id="5" name="文本框 3"/>
+          <p:cNvSpPr txBox="1"/>
+          <p:nvPr/>
+        </p:nvSpPr>
+        <p:spPr>
+          <a:xfrm>
+            <a:off x="1330333" y="2381250"/>
+            <a:ext cx="10344150" cy="5016758"/>
+          </a:xfrm>
+          <a:prstGeom prst="rect">
+            <a:avLst/>
+          </a:prstGeom>
+          <a:noFill/>
+        </p:spPr>
+        <p:txBody>
+          <a:bodyPr wrap="square" rtlCol="0">
+            <a:spAutoFit/>
+          </a:bodyPr>
+          <a:lstStyle/>
+          <a:p>
+            <a:pPr marL="742950" indent="-742950" algn="l">
+              <a:buAutoNum type="arabicPeriod"/>
+            </a:pPr>
+            <a:r>
+              <a:rPr lang="en-US" altLang="zh-CN" sz="4000" dirty="0" err="1" smtClean="0"/>
+              <a:t>px</a:t>
+            </a:r>
+            <a:r>
+              <a:rPr lang="zh-CN" altLang="en-US" sz="4000" dirty="0" smtClean="0"/>
+              <a:t>布局</a:t>
+            </a:r>
+            <a:endParaRPr lang="en-US" altLang="zh-CN" sz="4000" dirty="0" smtClean="0"/>
+          </a:p>
+          <a:p>
+            <a:pPr marL="742950" indent="-742950" algn="l">
+              <a:buAutoNum type="arabicPeriod"/>
+            </a:pPr>
+            <a:r>
+              <a:rPr lang="en-US" altLang="zh-CN" sz="4000" dirty="0" err="1"/>
+              <a:t>p</a:t>
+            </a:r>
+            <a:r>
+              <a:rPr lang="en-US" altLang="zh-CN" sz="4000" dirty="0" err="1" smtClean="0"/>
+              <a:t>x</a:t>
+            </a:r>
+            <a:r>
+              <a:rPr lang="en-US" altLang="zh-CN" sz="4000" dirty="0" smtClean="0"/>
+              <a:t>+</a:t>
+            </a:r>
+            <a:r>
+              <a:rPr lang="zh-CN" altLang="en-US" sz="4000" dirty="0"/>
+              <a:t>媒体查询</a:t>
+            </a:r>
+            <a:endParaRPr lang="en-US" altLang="zh-CN" sz="4000" dirty="0" smtClean="0"/>
+          </a:p>
+          <a:p>
+            <a:pPr marL="742950" indent="-742950" algn="l">
+              <a:buAutoNum type="arabicPeriod"/>
+            </a:pPr>
+            <a:r>
+              <a:rPr lang="en-US" altLang="zh-CN" sz="4000" dirty="0" err="1"/>
+              <a:t>p</a:t>
+            </a:r>
+            <a:r>
+              <a:rPr lang="en-US" altLang="zh-CN" sz="4000" dirty="0" err="1" smtClean="0"/>
+              <a:t>x+flex</a:t>
+            </a:r>
+            <a:r>
+              <a:rPr lang="zh-CN" altLang="en-US" sz="4000" dirty="0" smtClean="0"/>
+              <a:t>布局</a:t>
+            </a:r>
+            <a:endParaRPr lang="en-US" altLang="zh-CN" sz="4000" dirty="0" smtClean="0"/>
+          </a:p>
+          <a:p>
+            <a:pPr marL="742950" indent="-742950" algn="l">
+              <a:buAutoNum type="arabicPeriod"/>
+            </a:pPr>
+            <a:r>
+              <a:rPr lang="zh-CN" altLang="en-US" sz="4000" dirty="0" smtClean="0"/>
+              <a:t>百分比布局 </a:t>
+            </a:r>
+            <a:endParaRPr lang="en-US" altLang="zh-CN" sz="4000" dirty="0" smtClean="0"/>
+          </a:p>
+          <a:p>
+            <a:pPr marL="742950" indent="-742950" algn="l">
+              <a:buAutoNum type="arabicPeriod"/>
+            </a:pPr>
+            <a:r>
+              <a:rPr lang="en-US" altLang="zh-CN" sz="4000" dirty="0"/>
+              <a:t>r</a:t>
+            </a:r>
+            <a:r>
+              <a:rPr lang="en-US" altLang="zh-CN" sz="4000" dirty="0" smtClean="0"/>
+              <a:t>em</a:t>
+            </a:r>
+            <a:r>
+              <a:rPr lang="zh-CN" altLang="en-US" sz="4000" dirty="0" smtClean="0"/>
+              <a:t>布局（相对百分比）</a:t>
+            </a:r>
+            <a:endParaRPr lang="en-US" altLang="zh-CN" sz="4000" dirty="0" smtClean="0"/>
+          </a:p>
+          <a:p>
+            <a:pPr lvl="2" indent="0" algn="l"/>
+            <a:r>
+              <a:rPr lang="en-US" altLang="zh-CN" sz="4000" dirty="0"/>
+              <a:t>	</a:t>
+            </a:r>
+            <a:r>
+              <a:rPr lang="zh-CN" altLang="en-US" sz="4000" dirty="0" smtClean="0"/>
+              <a:t>（</a:t>
+            </a:r>
+            <a:r>
+              <a:rPr lang="en-US" altLang="zh-CN" sz="4000" dirty="0" smtClean="0"/>
+              <a:t>1</a:t>
+            </a:r>
+            <a:r>
+              <a:rPr lang="zh-CN" altLang="en-US" sz="4000" dirty="0" smtClean="0"/>
+              <a:t>）尺寸未知</a:t>
+            </a:r>
+            <a:endParaRPr lang="en-US" altLang="zh-CN" sz="4000" dirty="0" smtClean="0"/>
+          </a:p>
+          <a:p>
+            <a:pPr lvl="2" indent="0" algn="l"/>
+            <a:r>
+              <a:rPr lang="en-US" altLang="zh-CN" sz="4000" dirty="0"/>
+              <a:t>	</a:t>
+            </a:r>
+            <a:r>
+              <a:rPr lang="zh-CN" altLang="en-US" sz="4000" dirty="0" smtClean="0"/>
+              <a:t>（</a:t>
+            </a:r>
+            <a:r>
+              <a:rPr lang="en-US" altLang="zh-CN" sz="4000" dirty="0" smtClean="0"/>
+              <a:t>2</a:t>
+            </a:r>
+            <a:r>
+              <a:rPr lang="zh-CN" altLang="en-US" sz="4000" dirty="0" smtClean="0"/>
+              <a:t>）</a:t>
+            </a:r>
+            <a:r>
+              <a:rPr lang="en-US" altLang="zh-CN" sz="4000" dirty="0" smtClean="0"/>
+              <a:t>1</a:t>
+            </a:r>
+            <a:r>
+              <a:rPr lang="zh-CN" altLang="en-US" sz="4000" dirty="0" smtClean="0"/>
+              <a:t>像素问题</a:t>
+            </a:r>
+            <a:endParaRPr lang="en-US" altLang="zh-CN" sz="4000" dirty="0" smtClean="0"/>
+          </a:p>
+          <a:p>
+            <a:pPr lvl="2" indent="0" algn="l"/>
+            <a:r>
+              <a:rPr lang="en-US" altLang="zh-CN" sz="4000" dirty="0"/>
+              <a:t>	</a:t>
+            </a:r>
+            <a:r>
+              <a:rPr lang="zh-CN" altLang="en-US" sz="4000" dirty="0" smtClean="0"/>
+              <a:t>（</a:t>
+            </a:r>
+            <a:r>
+              <a:rPr lang="en-US" altLang="zh-CN" sz="4000" dirty="0" smtClean="0"/>
+              <a:t>3</a:t>
+            </a:r>
+            <a:r>
+              <a:rPr lang="zh-CN" altLang="en-US" sz="4000" dirty="0" smtClean="0"/>
+              <a:t>）字体大小处理</a:t>
+            </a:r>
+          </a:p>
+        </p:txBody>
+      </p:sp>
+    </p:spTree>
+    <p:extLst>
+      <p:ext uri="{BB962C8B-B14F-4D97-AF65-F5344CB8AC3E}">
+        <p14:creationId xmlns:p14="http://schemas.microsoft.com/office/powerpoint/2010/main" val="3067653696"/>
+      </p:ext>
+    </p:extLst>
+  </p:cSld>
+  <p:clrMapOvr>
+    <a:masterClrMapping/>
+  </p:clrMapOvr>
+  <p:timing>
+    <p:tnLst>
+      <p:par>
+        <p:cTn id="1" dur="indefinite" restart="never" nodeType="tmRoot"/>
+      </p:par>
+    </p:tnLst>
+  </p:timing>
+</p:sld>
+</file>
+
+<file path=ppt/slides/slide11.xml><?xml version="1.0" encoding="utf-8"?>
+<p:sld xmlns:a="http://schemas.openxmlformats.org/drawingml/2006/main" xmlns:r="http://schemas.openxmlformats.org/officeDocument/2006/relationships" xmlns:p="http://schemas.openxmlformats.org/presentationml/2006/main">
+  <p:cSld>
+    <p:spTree>
+      <p:nvGrpSpPr>
+        <p:cNvPr id="1" name=""/>
+        <p:cNvGrpSpPr/>
+        <p:nvPr/>
+      </p:nvGrpSpPr>
+      <p:grpSpPr>
+        <a:xfrm>
+          <a:off x="0" y="0"/>
+          <a:ext cx="0" cy="0"/>
+          <a:chOff x="0" y="0"/>
+          <a:chExt cx="0" cy="0"/>
+        </a:xfrm>
+      </p:grpSpPr>
+      <p:sp>
+        <p:nvSpPr>
+          <p:cNvPr id="2" name="标题 1"/>
+          <p:cNvSpPr>
+            <a:spLocks noGrp="1"/>
+          </p:cNvSpPr>
+          <p:nvPr>
+            <p:ph type="title"/>
+          </p:nvPr>
+        </p:nvSpPr>
+        <p:spPr/>
+        <p:txBody>
+          <a:bodyPr/>
+          <a:lstStyle/>
+          <a:p>
+            <a:r>
+              <a:rPr lang="zh-CN" altLang="en-US" dirty="0" smtClean="0"/>
+              <a:t>跨平台屏幕适配历史</a:t>
+            </a:r>
+            <a:r>
+              <a:rPr lang="en-US" altLang="zh-CN" dirty="0" smtClean="0"/>
+              <a:t>——</a:t>
+            </a:r>
+            <a:r>
+              <a:rPr lang="zh-CN" altLang="en-US" dirty="0"/>
+              <a:t>思考</a:t>
+            </a:r>
+          </a:p>
+        </p:txBody>
+      </p:sp>
+      <p:sp>
+        <p:nvSpPr>
+          <p:cNvPr id="3" name="灯片编号占位符 2"/>
+          <p:cNvSpPr>
+            <a:spLocks noGrp="1"/>
+          </p:cNvSpPr>
+          <p:nvPr>
+            <p:ph type="sldNum" sz="quarter" idx="10"/>
+          </p:nvPr>
+        </p:nvSpPr>
+        <p:spPr/>
+        <p:txBody>
+          <a:bodyPr/>
+          <a:lstStyle/>
+          <a:p>
+            <a:fld id="{3A0D4AB8-71D5-49A6-A47D-7EBF93BD0B58}" type="slidenum">
+              <a:rPr lang="zh-CN" altLang="en-US" smtClean="0">
+                <a:solidFill>
+                  <a:srgbClr val="000000"/>
+                </a:solidFill>
+              </a:rPr>
+              <a:pPr/>
+              <a:t>11</a:t>
+            </a:fld>
+            <a:endParaRPr lang="zh-CN" altLang="en-US">
+              <a:solidFill>
+                <a:srgbClr val="000000"/>
+              </a:solidFill>
+            </a:endParaRPr>
+          </a:p>
+        </p:txBody>
+      </p:sp>
+      <p:sp>
+        <p:nvSpPr>
+          <p:cNvPr id="5" name="文本框 3"/>
+          <p:cNvSpPr txBox="1"/>
+          <p:nvPr/>
+        </p:nvSpPr>
+        <p:spPr>
+          <a:xfrm>
+            <a:off x="1330333" y="2381250"/>
+            <a:ext cx="10344150" cy="5632311"/>
+          </a:xfrm>
+          <a:prstGeom prst="rect">
+            <a:avLst/>
+          </a:prstGeom>
+          <a:noFill/>
+        </p:spPr>
+        <p:txBody>
+          <a:bodyPr wrap="square" rtlCol="0">
+            <a:spAutoFit/>
+          </a:bodyPr>
+          <a:lstStyle/>
+          <a:p>
+            <a:pPr algn="l"/>
+            <a:r>
+              <a:rPr lang="en-US" altLang="zh-CN" sz="4000" dirty="0" smtClean="0"/>
+              <a:t>1.Viewport</a:t>
+            </a:r>
+            <a:r>
+              <a:rPr lang="zh-CN" altLang="en-US" sz="4000" dirty="0" smtClean="0"/>
+              <a:t>诞生的原因：统一布局视口</a:t>
+            </a:r>
+            <a:endParaRPr lang="en-US" altLang="zh-CN" sz="4000" dirty="0" smtClean="0"/>
+          </a:p>
+          <a:p>
+            <a:pPr algn="l"/>
+            <a:r>
+              <a:rPr lang="en-US" altLang="zh-CN" sz="4000" dirty="0" smtClean="0"/>
+              <a:t>2.</a:t>
+            </a:r>
+            <a:r>
+              <a:rPr lang="zh-CN" altLang="en-US" sz="4000" dirty="0" smtClean="0"/>
+              <a:t>高分屏出现后</a:t>
+            </a:r>
+            <a:r>
+              <a:rPr lang="en-US" altLang="zh-CN" sz="4000" dirty="0" smtClean="0"/>
+              <a:t>320</a:t>
+            </a:r>
+            <a:r>
+              <a:rPr lang="zh-CN" altLang="en-US" sz="4000" dirty="0" smtClean="0"/>
+              <a:t>开始掣肘</a:t>
+            </a:r>
+            <a:endParaRPr lang="en-US" altLang="zh-CN" sz="4000" dirty="0" smtClean="0"/>
+          </a:p>
+          <a:p>
+            <a:pPr algn="l"/>
+            <a:r>
+              <a:rPr lang="en-US" altLang="zh-CN" sz="4000" dirty="0" smtClean="0"/>
+              <a:t>3.Rem</a:t>
+            </a:r>
+            <a:r>
+              <a:rPr lang="zh-CN" altLang="en-US" sz="4000" dirty="0" smtClean="0"/>
+              <a:t>出现后开始用</a:t>
+            </a:r>
+            <a:r>
+              <a:rPr lang="en-US" altLang="zh-CN" sz="4000" dirty="0" smtClean="0"/>
+              <a:t>rem</a:t>
+            </a:r>
+            <a:r>
+              <a:rPr lang="zh-CN" altLang="en-US" sz="4000" dirty="0" smtClean="0"/>
+              <a:t>布局，不再需要过多考虑屏幕物理像素不一致</a:t>
+            </a:r>
+            <a:endParaRPr lang="en-US" altLang="zh-CN" sz="4000" dirty="0" smtClean="0"/>
+          </a:p>
+          <a:p>
+            <a:pPr algn="l"/>
+            <a:r>
+              <a:rPr lang="en-US" altLang="zh-CN" sz="4000" dirty="0" smtClean="0"/>
+              <a:t>4.</a:t>
+            </a:r>
+            <a:r>
+              <a:rPr lang="zh-CN" altLang="en-US" sz="4000" dirty="0" smtClean="0"/>
+              <a:t>追本溯源，抛弃</a:t>
+            </a:r>
+            <a:r>
+              <a:rPr lang="en-US" altLang="zh-CN" sz="4000" dirty="0" smtClean="0"/>
+              <a:t>viewport</a:t>
+            </a:r>
+          </a:p>
+          <a:p>
+            <a:pPr algn="l"/>
+            <a:r>
+              <a:rPr lang="en-US" altLang="zh-CN" sz="4000" dirty="0"/>
+              <a:t>	</a:t>
+            </a:r>
+            <a:r>
+              <a:rPr lang="zh-CN" altLang="en-US" sz="4000" dirty="0" smtClean="0"/>
+              <a:t>（</a:t>
+            </a:r>
+            <a:r>
+              <a:rPr lang="en-US" altLang="zh-CN" sz="4000" dirty="0" smtClean="0"/>
+              <a:t>1</a:t>
+            </a:r>
+            <a:r>
+              <a:rPr lang="zh-CN" altLang="en-US" sz="4000" dirty="0" smtClean="0"/>
+              <a:t>）二者区别</a:t>
+            </a:r>
+            <a:endParaRPr lang="en-US" altLang="zh-CN" sz="4000" dirty="0" smtClean="0"/>
+          </a:p>
+          <a:p>
+            <a:pPr algn="l"/>
+            <a:r>
+              <a:rPr lang="en-US" altLang="zh-CN" sz="4000" dirty="0"/>
+              <a:t>	</a:t>
+            </a:r>
+            <a:r>
+              <a:rPr lang="zh-CN" altLang="en-US" sz="4000" dirty="0" smtClean="0"/>
+              <a:t>（</a:t>
+            </a:r>
+            <a:r>
+              <a:rPr lang="en-US" altLang="zh-CN" sz="4000" dirty="0" smtClean="0"/>
+              <a:t>2</a:t>
+            </a:r>
+            <a:r>
+              <a:rPr lang="zh-CN" altLang="en-US" sz="4000" dirty="0" smtClean="0"/>
+              <a:t>）</a:t>
+            </a:r>
+            <a:r>
+              <a:rPr lang="en-US" altLang="zh-CN" sz="4000" dirty="0" smtClean="0"/>
+              <a:t>viewport</a:t>
+            </a:r>
+            <a:r>
+              <a:rPr lang="zh-CN" altLang="en-US" sz="4000" dirty="0" smtClean="0"/>
+              <a:t>附带的属性</a:t>
+            </a:r>
+            <a:endParaRPr lang="en-US" altLang="zh-CN" sz="4000" dirty="0" smtClean="0"/>
+          </a:p>
+          <a:p>
+            <a:pPr algn="l"/>
+            <a:r>
+              <a:rPr lang="en-US" altLang="zh-CN" sz="4000" dirty="0" smtClean="0"/>
+              <a:t>	</a:t>
+            </a:r>
+            <a:r>
+              <a:rPr lang="zh-CN" altLang="en-US" sz="4000" dirty="0" smtClean="0"/>
+              <a:t>（</a:t>
+            </a:r>
+            <a:r>
+              <a:rPr lang="en-US" altLang="zh-CN" sz="4000" dirty="0" smtClean="0"/>
+              <a:t>3</a:t>
+            </a:r>
+            <a:r>
+              <a:rPr lang="zh-CN" altLang="en-US" sz="4000" dirty="0" smtClean="0"/>
+              <a:t>）双击放大</a:t>
+            </a:r>
+            <a:endParaRPr lang="en-US" altLang="zh-CN" sz="4000" dirty="0"/>
+          </a:p>
+          <a:p>
+            <a:pPr algn="l"/>
+            <a:r>
+              <a:rPr lang="en-US" altLang="zh-CN" sz="4000" dirty="0" smtClean="0"/>
+              <a:t>	</a:t>
+            </a:r>
+            <a:r>
+              <a:rPr lang="zh-CN" altLang="en-US" sz="4000" dirty="0" smtClean="0"/>
+              <a:t>（</a:t>
+            </a:r>
+            <a:r>
+              <a:rPr lang="en-US" altLang="zh-CN" sz="4000" dirty="0" smtClean="0"/>
+              <a:t>4</a:t>
+            </a:r>
+            <a:r>
+              <a:rPr lang="zh-CN" altLang="en-US" sz="4000" dirty="0" smtClean="0"/>
+              <a:t>）事件委托</a:t>
+            </a:r>
+            <a:endParaRPr lang="en-US" altLang="zh-CN" sz="4000" dirty="0" smtClean="0"/>
+          </a:p>
+        </p:txBody>
+      </p:sp>
+    </p:spTree>
+    <p:extLst>
+      <p:ext uri="{BB962C8B-B14F-4D97-AF65-F5344CB8AC3E}">
+        <p14:creationId xmlns:p14="http://schemas.microsoft.com/office/powerpoint/2010/main" val="457675403"/>
+      </p:ext>
+    </p:extLst>
+  </p:cSld>
+  <p:clrMapOvr>
+    <a:masterClrMapping/>
+  </p:clrMapOvr>
+  <p:timing>
+    <p:tnLst>
+      <p:par>
+        <p:cTn id="1" dur="indefinite" restart="never" nodeType="tmRoot"/>
+      </p:par>
+    </p:tnLst>
+  </p:timing>
+</p:sld>
+</file>
+
+<file path=ppt/slides/slide12.xml><?xml version="1.0" encoding="utf-8"?>
+<p:sld xmlns:a="http://schemas.openxmlformats.org/drawingml/2006/main" xmlns:r="http://schemas.openxmlformats.org/officeDocument/2006/relationships" xmlns:p="http://schemas.openxmlformats.org/presentationml/2006/main">
+  <p:cSld>
+    <p:spTree>
+      <p:nvGrpSpPr>
+        <p:cNvPr id="1" name=""/>
+        <p:cNvGrpSpPr/>
+        <p:nvPr/>
+      </p:nvGrpSpPr>
+      <p:grpSpPr>
+        <a:xfrm>
+          <a:off x="0" y="0"/>
+          <a:ext cx="0" cy="0"/>
+          <a:chOff x="0" y="0"/>
+          <a:chExt cx="0" cy="0"/>
+        </a:xfrm>
+      </p:grpSpPr>
+      <p:sp>
+        <p:nvSpPr>
+          <p:cNvPr id="2" name="标题 1"/>
+          <p:cNvSpPr>
+            <a:spLocks noGrp="1"/>
+          </p:cNvSpPr>
+          <p:nvPr>
+            <p:ph type="ctrTitle" sz="quarter"/>
+          </p:nvPr>
+        </p:nvSpPr>
+        <p:spPr>
+          <a:xfrm>
+            <a:off x="4889422" y="5026153"/>
+            <a:ext cx="3533191" cy="642227"/>
+          </a:xfrm>
+        </p:spPr>
+        <p:txBody>
+          <a:bodyPr/>
+          <a:lstStyle/>
+          <a:p>
+            <a:r>
+              <a:rPr lang="zh-CN" altLang="en-US" sz="3840" dirty="0" smtClean="0"/>
+              <a:t>谢谢</a:t>
+            </a:r>
+            <a:endParaRPr lang="zh-CN" altLang="en-US" sz="3840" dirty="0"/>
+          </a:p>
+        </p:txBody>
+      </p:sp>
+    </p:spTree>
+    <p:extLst>
+      <p:ext uri="{BB962C8B-B14F-4D97-AF65-F5344CB8AC3E}">
+        <p14:creationId xmlns:p14="http://schemas.microsoft.com/office/powerpoint/2010/main" val="2085222240"/>
+      </p:ext>
+    </p:extLst>
+  </p:cSld>
+  <p:clrMapOvr>
+    <a:masterClrMapping/>
+  </p:clrMapOvr>
   <p:timing>
     <p:tnLst>
       <p:par>
@@ -6098,7 +7125,7 @@
     </p:spTree>
     <p:extLst>
       <p:ext uri="{BB962C8B-B14F-4D97-AF65-F5344CB8AC3E}">
-        <p14:creationId xmlns:p14="http://schemas.microsoft.com/office/powerpoint/2010/main" xmlns="" val="1106279166"/>
+        <p14:creationId xmlns:p14="http://schemas.microsoft.com/office/powerpoint/2010/main" val="1106279166"/>
       </p:ext>
     </p:extLst>
   </p:cSld>
@@ -6204,7 +7231,7 @@
         <p:spPr>
           <a:xfrm>
             <a:off x="1330333" y="2381250"/>
-            <a:ext cx="10344150" cy="3170099"/>
+            <a:ext cx="10344150" cy="2862322"/>
           </a:xfrm>
           <a:prstGeom prst="rect">
             <a:avLst/>
@@ -6219,128 +7246,120 @@
           <a:p>
             <a:pPr algn="l"/>
             <a:r>
-              <a:rPr lang="en-US" altLang="zh-CN" sz="4000" dirty="0" smtClean="0"/>
+              <a:rPr lang="en-US" altLang="zh-CN" dirty="0" smtClean="0"/>
               <a:t>1.</a:t>
             </a:r>
             <a:r>
-              <a:rPr lang="zh-CN" altLang="en-US" sz="4000" dirty="0" smtClean="0"/>
+              <a:rPr lang="zh-CN" altLang="en-US" dirty="0" smtClean="0"/>
               <a:t>设备物理像素</a:t>
             </a:r>
             <a:r>
-              <a:rPr lang="en-US" altLang="zh-CN" sz="4000" dirty="0" smtClean="0"/>
+              <a:rPr lang="en-US" altLang="zh-CN" dirty="0" smtClean="0"/>
               <a:t>——</a:t>
             </a:r>
             <a:r>
-              <a:rPr lang="zh-CN" altLang="en-US" sz="4000" dirty="0" smtClean="0"/>
+              <a:rPr lang="zh-CN" altLang="en-US" dirty="0" smtClean="0"/>
               <a:t>固定值，永远不会改变</a:t>
             </a:r>
-            <a:endParaRPr lang="en-US" altLang="zh-CN" sz="4000" dirty="0" smtClean="0"/>
+            <a:endParaRPr lang="en-US" altLang="zh-CN" dirty="0" smtClean="0"/>
           </a:p>
           <a:p>
             <a:pPr algn="l"/>
             <a:r>
-              <a:rPr lang="en-US" altLang="zh-CN" sz="4000" dirty="0" smtClean="0"/>
+              <a:rPr lang="en-US" altLang="zh-CN" dirty="0" smtClean="0"/>
               <a:t>2.Css</a:t>
             </a:r>
             <a:r>
-              <a:rPr lang="zh-CN" altLang="en-US" sz="4000" dirty="0" smtClean="0"/>
+              <a:rPr lang="zh-CN" altLang="en-US" dirty="0" smtClean="0"/>
               <a:t>像素</a:t>
             </a:r>
             <a:r>
-              <a:rPr lang="en-US" altLang="zh-CN" sz="4000" dirty="0" smtClean="0"/>
+              <a:rPr lang="en-US" altLang="zh-CN" dirty="0" smtClean="0"/>
               <a:t>——</a:t>
             </a:r>
             <a:r>
-              <a:rPr lang="zh-CN" altLang="en-US" sz="4000" dirty="0" smtClean="0"/>
+              <a:rPr lang="zh-CN" altLang="en-US" dirty="0" smtClean="0"/>
               <a:t>在浏览器中布局时使用的像素</a:t>
             </a:r>
-            <a:endParaRPr lang="en-US" altLang="zh-CN" sz="4000" dirty="0" smtClean="0"/>
+            <a:endParaRPr lang="en-US" altLang="zh-CN" dirty="0" smtClean="0"/>
           </a:p>
           <a:p>
             <a:pPr algn="l"/>
             <a:r>
-              <a:rPr lang="en-US" altLang="zh-CN" sz="4000" dirty="0" smtClean="0"/>
+              <a:rPr lang="en-US" altLang="zh-CN" dirty="0" smtClean="0"/>
               <a:t>3.</a:t>
             </a:r>
             <a:r>
-              <a:rPr lang="zh-CN" altLang="en-US" sz="4000" dirty="0" smtClean="0"/>
+              <a:rPr lang="zh-CN" altLang="en-US" dirty="0" smtClean="0"/>
               <a:t>设备像素与</a:t>
             </a:r>
             <a:r>
-              <a:rPr lang="en-US" altLang="zh-CN" sz="4000" dirty="0" err="1" smtClean="0"/>
+              <a:rPr lang="en-US" altLang="zh-CN" dirty="0" err="1" smtClean="0"/>
               <a:t>css</a:t>
             </a:r>
             <a:r>
-              <a:rPr lang="zh-CN" altLang="en-US" sz="4000" dirty="0" smtClean="0"/>
+              <a:rPr lang="zh-CN" altLang="en-US" dirty="0" smtClean="0"/>
               <a:t>像素之间的关系</a:t>
             </a:r>
-            <a:endParaRPr lang="en-US" altLang="zh-CN" sz="4000" dirty="0" smtClean="0"/>
+            <a:endParaRPr lang="en-US" altLang="zh-CN" dirty="0" smtClean="0"/>
           </a:p>
           <a:p>
             <a:pPr algn="l"/>
             <a:r>
-              <a:rPr lang="en-US" altLang="zh-CN" sz="4000" dirty="0" smtClean="0"/>
+              <a:rPr lang="en-US" altLang="zh-CN" dirty="0" smtClean="0"/>
               <a:t>	</a:t>
             </a:r>
             <a:r>
-              <a:rPr lang="zh-CN" altLang="en-US" sz="4000" dirty="0" smtClean="0"/>
+              <a:rPr lang="zh-CN" altLang="en-US" dirty="0" smtClean="0"/>
               <a:t>（</a:t>
             </a:r>
             <a:r>
-              <a:rPr lang="en-US" altLang="zh-CN" sz="4000" dirty="0" smtClean="0"/>
+              <a:rPr lang="en-US" altLang="zh-CN" dirty="0" smtClean="0"/>
               <a:t>1</a:t>
             </a:r>
             <a:r>
-              <a:rPr lang="zh-CN" altLang="en-US" sz="4000" dirty="0" smtClean="0"/>
+              <a:rPr lang="zh-CN" altLang="en-US" dirty="0" smtClean="0"/>
               <a:t>）</a:t>
             </a:r>
             <a:r>
-              <a:rPr lang="en-US" altLang="zh-CN" sz="4000" dirty="0" smtClean="0"/>
+              <a:rPr lang="en-US" altLang="zh-CN" dirty="0" smtClean="0"/>
               <a:t>PC</a:t>
             </a:r>
             <a:r>
-              <a:rPr lang="zh-CN" altLang="en-US" sz="4000" dirty="0" smtClean="0"/>
+              <a:rPr lang="zh-CN" altLang="en-US" dirty="0" smtClean="0"/>
               <a:t>桌面时代默认比例为</a:t>
             </a:r>
             <a:r>
-              <a:rPr lang="en-US" altLang="zh-CN" sz="4000" dirty="0" smtClean="0"/>
+              <a:rPr lang="en-US" altLang="zh-CN" dirty="0" smtClean="0"/>
               <a:t>1:1</a:t>
             </a:r>
           </a:p>
           <a:p>
             <a:pPr algn="l"/>
             <a:r>
-              <a:rPr lang="en-US" altLang="zh-CN" sz="4000" dirty="0" smtClean="0"/>
+              <a:rPr lang="en-US" altLang="zh-CN" dirty="0" smtClean="0"/>
               <a:t>	</a:t>
             </a:r>
             <a:r>
-              <a:rPr lang="zh-CN" altLang="en-US" sz="4000" dirty="0" smtClean="0"/>
+              <a:rPr lang="zh-CN" altLang="en-US" dirty="0" smtClean="0"/>
               <a:t>（</a:t>
             </a:r>
             <a:r>
-              <a:rPr lang="en-US" altLang="zh-CN" sz="4000" dirty="0" smtClean="0"/>
+              <a:rPr lang="en-US" altLang="zh-CN" dirty="0" smtClean="0"/>
               <a:t>2</a:t>
             </a:r>
             <a:r>
-              <a:rPr lang="zh-CN" altLang="en-US" sz="4000" dirty="0" smtClean="0"/>
-              <a:t>）</a:t>
-            </a:r>
-            <a:r>
-              <a:rPr lang="zh-CN" altLang="en-US" sz="4000" dirty="0" smtClean="0"/>
-              <a:t>浏览</a:t>
-            </a:r>
-            <a:r>
-              <a:rPr lang="zh-CN" altLang="en-US" sz="4000" dirty="0" smtClean="0"/>
-              <a:t>器缩放影响二者比例</a:t>
-            </a:r>
-            <a:endParaRPr lang="en-US" altLang="zh-CN" sz="4000" dirty="0" smtClean="0"/>
+              <a:rPr lang="zh-CN" altLang="en-US" dirty="0" smtClean="0"/>
+              <a:t>）浏览器缩放影响二者比例</a:t>
+            </a:r>
+            <a:endParaRPr lang="en-US" altLang="zh-CN" dirty="0" smtClean="0"/>
           </a:p>
         </p:txBody>
       </p:sp>
     </p:spTree>
     <p:extLst>
       <p:ext uri="{BB962C8B-B14F-4D97-AF65-F5344CB8AC3E}">
-        <p14:creationId xmlns:p14="http://schemas.microsoft.com/office/powerpoint/2010/main" xmlns="" val="3832689773"/>
+        <p14:creationId xmlns:p14="http://schemas.microsoft.com/office/powerpoint/2010/main" val="3832689773"/>
       </p:ext>
     </p:extLst>
   </p:cSld>
@@ -6446,7 +7465,7 @@
         <p:spPr>
           <a:xfrm>
             <a:off x="1330333" y="2381250"/>
-            <a:ext cx="10344150" cy="3785652"/>
+            <a:ext cx="10344150" cy="5016758"/>
           </a:xfrm>
           <a:prstGeom prst="rect">
             <a:avLst/>
@@ -6461,151 +7480,268 @@
           <a:p>
             <a:pPr algn="l"/>
             <a:r>
-              <a:rPr lang="en-US" altLang="zh-CN" sz="4000" dirty="0" smtClean="0"/>
+              <a:rPr lang="en-US" altLang="zh-CN" sz="3200" dirty="0" smtClean="0"/>
               <a:t>1.</a:t>
             </a:r>
             <a:r>
-              <a:rPr lang="zh-CN" altLang="en-US" sz="4000" dirty="0" smtClean="0"/>
+              <a:rPr lang="zh-CN" altLang="en-US" sz="3200" dirty="0" smtClean="0"/>
               <a:t>文档</a:t>
             </a:r>
             <a:r>
-              <a:rPr lang="en-US" altLang="zh-CN" sz="4000" dirty="0" err="1" smtClean="0"/>
+              <a:rPr lang="en-US" altLang="zh-CN" sz="3200" dirty="0" err="1" smtClean="0"/>
               <a:t>css</a:t>
             </a:r>
             <a:r>
-              <a:rPr lang="zh-CN" altLang="en-US" sz="4000" dirty="0" smtClean="0"/>
+              <a:rPr lang="zh-CN" altLang="en-US" sz="3200" dirty="0" smtClean="0"/>
               <a:t>像素的载体</a:t>
             </a:r>
             <a:r>
-              <a:rPr lang="en-US" altLang="zh-CN" sz="4000" dirty="0" smtClean="0"/>
+              <a:rPr lang="en-US" altLang="zh-CN" sz="3200" dirty="0" smtClean="0"/>
               <a:t>——html</a:t>
             </a:r>
           </a:p>
           <a:p>
             <a:pPr algn="l"/>
             <a:r>
-              <a:rPr lang="en-US" altLang="zh-CN" sz="4000" dirty="0" smtClean="0"/>
+              <a:rPr lang="en-US" altLang="zh-CN" sz="3200" dirty="0" smtClean="0"/>
               <a:t>2.Html</a:t>
             </a:r>
             <a:r>
-              <a:rPr lang="zh-CN" altLang="en-US" sz="4000" dirty="0" smtClean="0"/>
+              <a:rPr lang="zh-CN" altLang="en-US" sz="3200" dirty="0" smtClean="0"/>
               <a:t>的容器</a:t>
             </a:r>
             <a:r>
-              <a:rPr lang="en-US" altLang="zh-CN" sz="4000" dirty="0" smtClean="0"/>
-              <a:t>——viewport</a:t>
-            </a:r>
+              <a:rPr lang="en-US" altLang="zh-CN" sz="3200" dirty="0" smtClean="0"/>
+              <a:t>——</a:t>
+            </a:r>
+            <a:r>
+              <a:rPr lang="en-US" altLang="zh-CN" sz="3200" dirty="0" smtClean="0"/>
+              <a:t>viewport</a:t>
+            </a:r>
+            <a:endParaRPr lang="en-US" altLang="zh-CN" sz="3200" dirty="0" smtClean="0"/>
           </a:p>
           <a:p>
             <a:pPr algn="l"/>
             <a:r>
-              <a:rPr lang="en-US" altLang="zh-CN" sz="4000" dirty="0" smtClean="0"/>
+              <a:rPr lang="en-US" altLang="zh-CN" sz="3200" dirty="0" smtClean="0"/>
               <a:t>3.</a:t>
             </a:r>
             <a:r>
-              <a:rPr lang="zh-CN" altLang="en-US" sz="4000" dirty="0" smtClean="0"/>
+              <a:rPr lang="zh-CN" altLang="en-US" sz="3200" dirty="0" smtClean="0"/>
               <a:t>二者之间的关系</a:t>
             </a:r>
-            <a:endParaRPr lang="en-US" altLang="zh-CN" sz="4000" dirty="0" smtClean="0"/>
+            <a:endParaRPr lang="en-US" altLang="zh-CN" sz="3200" dirty="0" smtClean="0"/>
           </a:p>
           <a:p>
             <a:pPr algn="l"/>
             <a:r>
-              <a:rPr lang="en-US" altLang="zh-CN" sz="4000" dirty="0" smtClean="0"/>
+              <a:rPr lang="en-US" altLang="zh-CN" sz="3200" dirty="0" smtClean="0"/>
               <a:t>	</a:t>
             </a:r>
             <a:r>
-              <a:rPr lang="zh-CN" altLang="en-US" sz="4000" dirty="0" smtClean="0"/>
+              <a:rPr lang="zh-CN" altLang="en-US" sz="3200" dirty="0" smtClean="0"/>
               <a:t>（</a:t>
             </a:r>
             <a:r>
-              <a:rPr lang="en-US" altLang="zh-CN" sz="4000" dirty="0" smtClean="0"/>
+              <a:rPr lang="en-US" altLang="zh-CN" sz="3200" dirty="0" smtClean="0"/>
               <a:t>1</a:t>
             </a:r>
             <a:r>
-              <a:rPr lang="zh-CN" altLang="en-US" sz="4000" dirty="0" smtClean="0"/>
+              <a:rPr lang="zh-CN" altLang="en-US" sz="3200" dirty="0" smtClean="0"/>
               <a:t>）</a:t>
             </a:r>
             <a:r>
-              <a:rPr lang="en-US" altLang="zh-CN" sz="4000" dirty="0" smtClean="0"/>
+              <a:rPr lang="en-US" altLang="zh-CN" sz="3200" dirty="0" smtClean="0"/>
               <a:t>viewport</a:t>
             </a:r>
             <a:r>
-              <a:rPr lang="zh-CN" altLang="en-US" sz="4000" dirty="0" smtClean="0"/>
-              <a:t>代理浏览器窗口</a:t>
-            </a:r>
-            <a:endParaRPr lang="en-US" altLang="zh-CN" sz="4000" dirty="0" smtClean="0"/>
+              <a:rPr lang="zh-CN" altLang="en-US" sz="3200" dirty="0" smtClean="0"/>
+              <a:t>代理浏览器</a:t>
+            </a:r>
+            <a:r>
+              <a:rPr lang="zh-CN" altLang="en-US" sz="3200" dirty="0" smtClean="0"/>
+              <a:t>窗口，桥接物理像素（页面初始化即固定）</a:t>
+            </a:r>
+            <a:endParaRPr lang="en-US" altLang="zh-CN" sz="3200" dirty="0" smtClean="0"/>
           </a:p>
           <a:p>
             <a:pPr algn="l"/>
             <a:r>
-              <a:rPr lang="en-US" altLang="zh-CN" sz="4000" dirty="0" smtClean="0"/>
+              <a:rPr lang="en-US" altLang="zh-CN" sz="3200" dirty="0" smtClean="0"/>
               <a:t>	</a:t>
             </a:r>
             <a:r>
-              <a:rPr lang="zh-CN" altLang="en-US" sz="4000" dirty="0" smtClean="0"/>
+              <a:rPr lang="zh-CN" altLang="en-US" sz="3200" dirty="0" smtClean="0"/>
               <a:t>（</a:t>
             </a:r>
             <a:r>
-              <a:rPr lang="en-US" altLang="zh-CN" sz="4000" dirty="0" smtClean="0"/>
+              <a:rPr lang="en-US" altLang="zh-CN" sz="3200" dirty="0" smtClean="0"/>
               <a:t>2</a:t>
             </a:r>
             <a:r>
-              <a:rPr lang="zh-CN" altLang="en-US" sz="4000" dirty="0" smtClean="0"/>
+              <a:rPr lang="zh-CN" altLang="en-US" sz="3200" dirty="0" smtClean="0"/>
               <a:t>）</a:t>
             </a:r>
             <a:r>
-              <a:rPr lang="en-US" altLang="zh-CN" sz="4000" dirty="0" smtClean="0"/>
+              <a:rPr lang="en-US" altLang="zh-CN" sz="3200" dirty="0" smtClean="0"/>
               <a:t>html</a:t>
             </a:r>
             <a:r>
-              <a:rPr lang="zh-CN" altLang="en-US" sz="4000" dirty="0" smtClean="0"/>
+              <a:rPr lang="zh-CN" altLang="en-US" sz="3200" dirty="0" smtClean="0"/>
               <a:t>的</a:t>
             </a:r>
             <a:r>
-              <a:rPr lang="en-US" altLang="zh-CN" sz="4000" dirty="0" err="1" smtClean="0"/>
+              <a:rPr lang="en-US" altLang="zh-CN" sz="3200" dirty="0" err="1" smtClean="0"/>
               <a:t>css</a:t>
             </a:r>
             <a:r>
-              <a:rPr lang="zh-CN" altLang="en-US" sz="4000" dirty="0" smtClean="0"/>
+              <a:rPr lang="zh-CN" altLang="en-US" sz="3200" dirty="0" smtClean="0"/>
               <a:t>属性是以</a:t>
             </a:r>
             <a:r>
-              <a:rPr lang="en-US" altLang="zh-CN" sz="4000" dirty="0" smtClean="0"/>
+              <a:rPr lang="en-US" altLang="zh-CN" sz="3200" dirty="0" smtClean="0"/>
               <a:t>viewport</a:t>
             </a:r>
             <a:r>
-              <a:rPr lang="zh-CN" altLang="en-US" sz="4000" dirty="0" smtClean="0"/>
-              <a:t>为基准</a:t>
-            </a:r>
-            <a:endParaRPr lang="en-US" altLang="zh-CN" sz="4000" dirty="0" smtClean="0"/>
+              <a:rPr lang="zh-CN" altLang="en-US" sz="3200" dirty="0" smtClean="0"/>
+              <a:t>为</a:t>
+            </a:r>
+            <a:r>
+              <a:rPr lang="zh-CN" altLang="en-US" sz="3200" dirty="0" smtClean="0"/>
+              <a:t>基准（如</a:t>
+            </a:r>
+            <a:r>
+              <a:rPr lang="en-US" altLang="zh-CN" sz="3200" dirty="0"/>
+              <a:t>8</a:t>
+            </a:r>
+            <a:r>
+              <a:rPr lang="en-US" altLang="zh-CN" sz="3200" dirty="0" smtClean="0"/>
+              <a:t>0%</a:t>
+            </a:r>
+            <a:r>
+              <a:rPr lang="zh-CN" altLang="en-US" sz="3200" dirty="0" smtClean="0"/>
+              <a:t>）</a:t>
+            </a:r>
+            <a:endParaRPr lang="en-US" altLang="zh-CN" sz="3200" dirty="0" smtClean="0"/>
           </a:p>
           <a:p>
             <a:pPr algn="l"/>
             <a:r>
-              <a:rPr lang="en-US" altLang="zh-CN" sz="4000" dirty="0" smtClean="0"/>
+              <a:rPr lang="en-US" altLang="zh-CN" sz="3200" dirty="0" smtClean="0"/>
               <a:t>	</a:t>
             </a:r>
             <a:r>
-              <a:rPr lang="zh-CN" altLang="en-US" sz="4000" dirty="0" smtClean="0"/>
+              <a:rPr lang="zh-CN" altLang="en-US" sz="3200" dirty="0" smtClean="0"/>
               <a:t>（</a:t>
             </a:r>
             <a:r>
-              <a:rPr lang="en-US" altLang="zh-CN" sz="4000" dirty="0" smtClean="0"/>
+              <a:rPr lang="en-US" altLang="zh-CN" sz="3200" dirty="0" smtClean="0"/>
               <a:t>3</a:t>
             </a:r>
             <a:r>
-              <a:rPr lang="zh-CN" altLang="en-US" sz="4000" dirty="0" smtClean="0"/>
-              <a:t>）映射在同一个对象上造成的困扰</a:t>
-            </a:r>
-            <a:endParaRPr lang="en-US" altLang="zh-CN" sz="4000" dirty="0" smtClean="0"/>
+              <a:rPr lang="zh-CN" altLang="en-US" sz="3200" dirty="0" smtClean="0"/>
+              <a:t>）映射在同一个对象上造成的</a:t>
+            </a:r>
+            <a:r>
+              <a:rPr lang="zh-CN" altLang="en-US" sz="3200" dirty="0" smtClean="0"/>
+              <a:t>困扰（度量与事件）</a:t>
+            </a:r>
+            <a:endParaRPr lang="en-US" altLang="zh-CN" sz="3200" dirty="0" smtClean="0"/>
+          </a:p>
+          <a:p>
+            <a:pPr algn="l"/>
+            <a:r>
+              <a:rPr lang="zh-CN" altLang="en-US" sz="3200" dirty="0" smtClean="0"/>
+              <a:t>拓展：</a:t>
+            </a:r>
+            <a:endParaRPr lang="en-US" altLang="zh-CN" sz="3200" dirty="0" smtClean="0"/>
+          </a:p>
+          <a:p>
+            <a:pPr algn="l"/>
+            <a:r>
+              <a:rPr lang="en-US" altLang="zh-CN" sz="3200" dirty="0"/>
+              <a:t>	</a:t>
+            </a:r>
+            <a:r>
+              <a:rPr lang="zh-CN" altLang="en-US" sz="3200" dirty="0" smtClean="0"/>
+              <a:t>（</a:t>
+            </a:r>
+            <a:r>
+              <a:rPr lang="en-US" altLang="zh-CN" sz="3200" dirty="0" smtClean="0"/>
+              <a:t>1</a:t>
+            </a:r>
+            <a:r>
+              <a:rPr lang="zh-CN" altLang="en-US" sz="3200" dirty="0" smtClean="0"/>
+              <a:t>）正常元素</a:t>
+            </a:r>
+            <a:r>
+              <a:rPr lang="en-US" altLang="zh-CN" sz="3200" dirty="0" smtClean="0"/>
+              <a:t>=&gt;html/body</a:t>
+            </a:r>
+            <a:r>
+              <a:rPr lang="zh-CN" altLang="en-US" sz="3200" dirty="0" smtClean="0"/>
+              <a:t>坐标相关指标</a:t>
+            </a:r>
+            <a:endParaRPr lang="en-US" altLang="zh-CN" sz="3200" dirty="0" smtClean="0"/>
+          </a:p>
+          <a:p>
+            <a:pPr algn="l"/>
+            <a:r>
+              <a:rPr lang="en-US" altLang="zh-CN" sz="3200" dirty="0"/>
+              <a:t>	</a:t>
+            </a:r>
+            <a:r>
+              <a:rPr lang="zh-CN" altLang="en-US" sz="3200" dirty="0" smtClean="0"/>
+              <a:t>（</a:t>
+            </a:r>
+            <a:r>
+              <a:rPr lang="en-US" altLang="zh-CN" sz="3200" dirty="0" smtClean="0"/>
+              <a:t>2</a:t>
+            </a:r>
+            <a:r>
+              <a:rPr lang="zh-CN" altLang="en-US" sz="3200" dirty="0" smtClean="0"/>
+              <a:t>）</a:t>
+            </a:r>
+            <a:r>
+              <a:rPr lang="en-US" altLang="zh-CN" sz="3200" dirty="0"/>
+              <a:t> html</a:t>
+            </a:r>
+            <a:r>
+              <a:rPr lang="zh-CN" altLang="en-US" sz="3200" dirty="0"/>
+              <a:t>与</a:t>
+            </a:r>
+            <a:r>
+              <a:rPr lang="en-US" altLang="zh-CN" sz="3200" dirty="0"/>
+              <a:t>body</a:t>
+            </a:r>
+            <a:r>
+              <a:rPr lang="zh-CN" altLang="en-US" sz="3200" dirty="0"/>
+              <a:t>的映射</a:t>
+            </a:r>
+            <a:r>
+              <a:rPr lang="en-US" altLang="zh-CN" sz="3200" dirty="0"/>
+              <a:t>/</a:t>
+            </a:r>
+            <a:r>
+              <a:rPr lang="zh-CN" altLang="en-US" sz="3200" dirty="0"/>
+              <a:t>模式</a:t>
+            </a:r>
+            <a:r>
+              <a:rPr lang="en-US" altLang="zh-CN" sz="3200" dirty="0"/>
+              <a:t>/DTD</a:t>
+            </a:r>
+            <a:r>
+              <a:rPr lang="zh-CN" altLang="en-US" sz="3200" dirty="0"/>
+              <a:t>等</a:t>
+            </a:r>
+            <a:endParaRPr lang="en-US" altLang="zh-CN" sz="3200" dirty="0" smtClean="0"/>
           </a:p>
         </p:txBody>
       </p:sp>
     </p:spTree>
     <p:extLst>
       <p:ext uri="{BB962C8B-B14F-4D97-AF65-F5344CB8AC3E}">
-        <p14:creationId xmlns:p14="http://schemas.microsoft.com/office/powerpoint/2010/main" xmlns="" val="2332996957"/>
+        <p14:creationId xmlns:p14="http://schemas.microsoft.com/office/powerpoint/2010/main" val="2332996957"/>
       </p:ext>
     </p:extLst>
   </p:cSld>
@@ -6664,11 +7800,7 @@
             </a:r>
             <a:r>
               <a:rPr lang="zh-CN" altLang="en-US" dirty="0" smtClean="0"/>
-              <a:t>多终</a:t>
-            </a:r>
-            <a:r>
-              <a:rPr lang="zh-CN" altLang="en-US" dirty="0" smtClean="0"/>
-              <a:t>端时代</a:t>
+              <a:t>多终端时代</a:t>
             </a:r>
             <a:endParaRPr lang="zh-CN" altLang="en-US" dirty="0"/>
           </a:p>
@@ -6735,11 +7867,7 @@
             </a:r>
             <a:r>
               <a:rPr lang="zh-CN" altLang="en-US" sz="4000" dirty="0" smtClean="0"/>
-              <a:t>屏</a:t>
-            </a:r>
-            <a:r>
-              <a:rPr lang="zh-CN" altLang="en-US" sz="4000" dirty="0" smtClean="0"/>
-              <a:t>幕尺寸变小，全屏时代到来，使用百分比布局来实现</a:t>
+              <a:t>屏幕尺寸变小，全屏时代到来，使用百分比布局来实现</a:t>
             </a:r>
             <a:r>
               <a:rPr lang="en-US" altLang="zh-CN" sz="4000" dirty="0" smtClean="0"/>
@@ -6759,11 +7887,7 @@
             </a:r>
             <a:r>
               <a:rPr lang="zh-CN" altLang="en-US" sz="4000" dirty="0" smtClean="0"/>
-              <a:t>随</a:t>
-            </a:r>
-            <a:r>
-              <a:rPr lang="zh-CN" altLang="en-US" sz="4000" dirty="0" smtClean="0"/>
-              <a:t>时时代的进步，移动端又出现了，出现了一系列的问题：</a:t>
+              <a:t>随时时代的进步，移动端又出现了，出现了一系列的问题：</a:t>
             </a:r>
             <a:endParaRPr lang="en-US" altLang="zh-CN" sz="4000" dirty="0" smtClean="0"/>
           </a:p>
@@ -6820,7 +7944,7 @@
     </p:spTree>
     <p:extLst>
       <p:ext uri="{BB962C8B-B14F-4D97-AF65-F5344CB8AC3E}">
-        <p14:creationId xmlns:p14="http://schemas.microsoft.com/office/powerpoint/2010/main" xmlns="" val="1002833389"/>
+        <p14:creationId xmlns:p14="http://schemas.microsoft.com/office/powerpoint/2010/main" val="1002833389"/>
       </p:ext>
     </p:extLst>
   </p:cSld>
@@ -6944,23 +8068,11 @@
             </a:pPr>
             <a:r>
               <a:rPr lang="en-US" altLang="zh-CN" sz="4000" dirty="0" smtClean="0"/>
-              <a:t>visual </a:t>
-            </a:r>
-            <a:r>
-              <a:rPr lang="en-US" altLang="zh-CN" sz="4000" dirty="0" smtClean="0"/>
-              <a:t>viewport </a:t>
-            </a:r>
-            <a:r>
-              <a:rPr lang="en-US" altLang="zh-CN" sz="4000" dirty="0" smtClean="0"/>
-              <a:t>——</a:t>
+              <a:t>visual viewport ——</a:t>
             </a:r>
             <a:r>
               <a:rPr lang="zh-CN" altLang="en-US" sz="4000" dirty="0" smtClean="0"/>
-              <a:t>可视</a:t>
-            </a:r>
-            <a:r>
-              <a:rPr lang="zh-CN" altLang="en-US" sz="4000" dirty="0" smtClean="0"/>
-              <a:t>视口</a:t>
+              <a:t>可视视口</a:t>
             </a:r>
             <a:endParaRPr lang="en-US" altLang="zh-CN" sz="4000" dirty="0" smtClean="0"/>
           </a:p>
@@ -6970,11 +8082,7 @@
             </a:pPr>
             <a:r>
               <a:rPr lang="en-US" altLang="zh-CN" sz="4000" dirty="0" smtClean="0"/>
-              <a:t>layout viewport </a:t>
-            </a:r>
-            <a:r>
-              <a:rPr lang="en-US" altLang="zh-CN" sz="4000" dirty="0" smtClean="0"/>
-              <a:t>——</a:t>
+              <a:t>layout viewport ——</a:t>
             </a:r>
             <a:r>
               <a:rPr lang="zh-CN" altLang="en-US" sz="4000" dirty="0" smtClean="0"/>
@@ -6988,11 +8096,7 @@
             </a:pPr>
             <a:r>
               <a:rPr lang="zh-CN" altLang="en-US" sz="4000" dirty="0" smtClean="0"/>
-              <a:t>二</a:t>
-            </a:r>
-            <a:r>
-              <a:rPr lang="zh-CN" altLang="en-US" sz="4000" dirty="0" smtClean="0"/>
-              <a:t>者的关系</a:t>
+              <a:t>二者的关系</a:t>
             </a:r>
             <a:endParaRPr lang="en-US" altLang="zh-CN" sz="4000" dirty="0" smtClean="0"/>
           </a:p>
@@ -7113,7 +8217,7 @@
     </p:spTree>
     <p:extLst>
       <p:ext uri="{BB962C8B-B14F-4D97-AF65-F5344CB8AC3E}">
-        <p14:creationId xmlns:p14="http://schemas.microsoft.com/office/powerpoint/2010/main" xmlns="" val="1002833389"/>
+        <p14:creationId xmlns:p14="http://schemas.microsoft.com/office/powerpoint/2010/main" val="1002833389"/>
       </p:ext>
     </p:extLst>
   </p:cSld>
@@ -7219,7 +8323,7 @@
         <p:spPr>
           <a:xfrm>
             <a:off x="1330333" y="2381250"/>
-            <a:ext cx="10344150" cy="5632311"/>
+            <a:ext cx="10344150" cy="6247864"/>
           </a:xfrm>
           <a:prstGeom prst="rect">
             <a:avLst/>
@@ -7341,7 +8445,15 @@
             </a:r>
             <a:r>
               <a:rPr lang="zh-CN" altLang="en-US" sz="4000" dirty="0" smtClean="0"/>
-              <a:t>标签</a:t>
+              <a:t>标签（</a:t>
+            </a:r>
+            <a:r>
+              <a:rPr lang="en-US" altLang="zh-CN" sz="4000" dirty="0" smtClean="0"/>
+              <a:t>safari</a:t>
+            </a:r>
+            <a:r>
+              <a:rPr lang="zh-CN" altLang="en-US" sz="4000" dirty="0" smtClean="0"/>
+              <a:t>初创）</a:t>
             </a:r>
             <a:endParaRPr lang="en-US" altLang="zh-CN" sz="4000" dirty="0" smtClean="0"/>
           </a:p>
@@ -7400,13 +8512,44 @@
               <a:t>映射可视视口</a:t>
             </a:r>
             <a:endParaRPr lang="en-US" altLang="zh-CN" sz="4000" dirty="0" smtClean="0"/>
+          </a:p>
+          <a:p>
+            <a:pPr marL="742950" indent="-742950" algn="l"/>
+            <a:r>
+              <a:rPr lang="en-US" altLang="zh-CN" sz="4000" dirty="0"/>
+              <a:t>	</a:t>
+            </a:r>
+            <a:r>
+              <a:rPr lang="zh-CN" altLang="en-US" sz="4000" dirty="0" smtClean="0"/>
+              <a:t>（</a:t>
+            </a:r>
+            <a:r>
+              <a:rPr lang="en-US" altLang="zh-CN" sz="4000" dirty="0" smtClean="0"/>
+              <a:t>3</a:t>
+            </a:r>
+            <a:r>
+              <a:rPr lang="zh-CN" altLang="en-US" sz="4000" dirty="0" smtClean="0"/>
+              <a:t>）初始版本</a:t>
+            </a:r>
+            <a:r>
+              <a:rPr lang="en-US" altLang="zh-CN" sz="4000" dirty="0" smtClean="0"/>
+              <a:t>width</a:t>
+            </a:r>
+            <a:r>
+              <a:rPr lang="zh-CN" altLang="en-US" sz="4000" dirty="0" smtClean="0"/>
+              <a:t>为</a:t>
+            </a:r>
+            <a:r>
+              <a:rPr lang="en-US" altLang="zh-CN" sz="4000" dirty="0" smtClean="0"/>
+              <a:t>320px</a:t>
+            </a:r>
           </a:p>
         </p:txBody>
       </p:sp>
     </p:spTree>
     <p:extLst>
       <p:ext uri="{BB962C8B-B14F-4D97-AF65-F5344CB8AC3E}">
-        <p14:creationId xmlns:p14="http://schemas.microsoft.com/office/powerpoint/2010/main" xmlns="" val="1002833389"/>
+        <p14:creationId xmlns:p14="http://schemas.microsoft.com/office/powerpoint/2010/main" val="1002833389"/>
       </p:ext>
     </p:extLst>
   </p:cSld>
@@ -7465,11 +8608,7 @@
             </a:r>
             <a:r>
               <a:rPr lang="zh-CN" altLang="en-US" dirty="0" smtClean="0"/>
-              <a:t>高分屏</a:t>
-            </a:r>
-            <a:r>
-              <a:rPr lang="zh-CN" altLang="en-US" dirty="0" smtClean="0"/>
-              <a:t>时代</a:t>
+              <a:t>高分屏时代</a:t>
             </a:r>
             <a:endParaRPr lang="zh-CN" altLang="en-US" dirty="0"/>
           </a:p>
@@ -7516,7 +8655,7 @@
         <p:spPr>
           <a:xfrm>
             <a:off x="1330333" y="2381250"/>
-            <a:ext cx="10344150" cy="5632311"/>
+            <a:ext cx="10344150" cy="5016758"/>
           </a:xfrm>
           <a:prstGeom prst="rect">
             <a:avLst/>
@@ -7533,15 +8672,19 @@
               <a:buAutoNum type="arabicPeriod"/>
             </a:pPr>
             <a:r>
+              <a:rPr lang="en-US" altLang="zh-CN" sz="4000" dirty="0" smtClean="0"/>
+              <a:t>320</a:t>
+            </a:r>
+            <a:r>
               <a:rPr lang="zh-CN" altLang="en-US" sz="4000" dirty="0" smtClean="0"/>
-              <a:t>移动端专属页面</a:t>
+              <a:t>的掣肘</a:t>
             </a:r>
             <a:endParaRPr lang="en-US" altLang="zh-CN" sz="4000" dirty="0" smtClean="0"/>
           </a:p>
           <a:p>
-            <a:pPr marL="742950" indent="-742950" algn="l"/>
-            <a:r>
-              <a:rPr lang="en-US" altLang="zh-CN" sz="4000" dirty="0" smtClean="0"/>
+            <a:pPr lvl="2" indent="0" algn="l"/>
+            <a:r>
+              <a:rPr lang="en-US" altLang="zh-CN" sz="4000" dirty="0"/>
               <a:t>	</a:t>
             </a:r>
             <a:r>
@@ -7554,14 +8697,14 @@
             </a:r>
             <a:r>
               <a:rPr lang="zh-CN" altLang="en-US" sz="4000" dirty="0" smtClean="0"/>
-              <a:t>）老页面需要兼容</a:t>
+              <a:t>）各家浏览器屏幕像素不一</a:t>
             </a:r>
             <a:endParaRPr lang="en-US" altLang="zh-CN" sz="4000" dirty="0" smtClean="0"/>
           </a:p>
           <a:p>
-            <a:pPr marL="742950" indent="-742950" algn="l"/>
-            <a:r>
-              <a:rPr lang="en-US" altLang="zh-CN" sz="4000" dirty="0" smtClean="0"/>
+            <a:pPr lvl="2" indent="0" algn="l"/>
+            <a:r>
+              <a:rPr lang="en-US" altLang="zh-CN" sz="4000" dirty="0"/>
               <a:t>	</a:t>
             </a:r>
             <a:r>
@@ -7574,26 +8717,26 @@
             </a:r>
             <a:r>
               <a:rPr lang="zh-CN" altLang="en-US" sz="4000" dirty="0" smtClean="0"/>
-              <a:t>）新页面如何适配</a:t>
+              <a:t>）高分屏出现</a:t>
             </a:r>
             <a:endParaRPr lang="en-US" altLang="zh-CN" sz="4000" dirty="0" smtClean="0"/>
           </a:p>
           <a:p>
-            <a:pPr marL="742950" indent="-742950" algn="l"/>
+            <a:pPr lvl="2" indent="0" algn="l"/>
             <a:r>
               <a:rPr lang="en-US" altLang="zh-CN" sz="4000" dirty="0" smtClean="0"/>
               <a:t>2.</a:t>
             </a:r>
             <a:r>
               <a:rPr lang="zh-CN" altLang="en-US" sz="4000" dirty="0" smtClean="0"/>
-              <a:t>适配解决思路</a:t>
+              <a:t>高分屏带来的改变</a:t>
             </a:r>
             <a:endParaRPr lang="en-US" altLang="zh-CN" sz="4000" dirty="0" smtClean="0"/>
           </a:p>
           <a:p>
-            <a:pPr marL="742950" indent="-742950" algn="l"/>
-            <a:r>
-              <a:rPr lang="en-US" altLang="zh-CN" sz="4000" dirty="0" smtClean="0"/>
+            <a:pPr lvl="2" indent="0" algn="l"/>
+            <a:r>
+              <a:rPr lang="en-US" altLang="zh-CN" sz="4000" dirty="0"/>
               <a:t>	</a:t>
             </a:r>
             <a:r>
@@ -7606,14 +8749,17 @@
             </a:r>
             <a:r>
               <a:rPr lang="zh-CN" altLang="en-US" sz="4000" dirty="0" smtClean="0"/>
-              <a:t>）放大页面内容去适配布局视口</a:t>
-            </a:r>
-            <a:endParaRPr lang="en-US" altLang="zh-CN" sz="4000" dirty="0" smtClean="0"/>
-          </a:p>
-          <a:p>
-            <a:pPr marL="742950" indent="-742950" algn="l"/>
+              <a:t>）理想视口</a:t>
+            </a:r>
             <a:r>
               <a:rPr lang="en-US" altLang="zh-CN" sz="4000" dirty="0" smtClean="0"/>
+              <a:t>——ideal viewport</a:t>
+            </a:r>
+          </a:p>
+          <a:p>
+            <a:pPr lvl="2" indent="0" algn="l"/>
+            <a:r>
+              <a:rPr lang="en-US" altLang="zh-CN" sz="4000" dirty="0"/>
               <a:t>	</a:t>
             </a:r>
             <a:r>
@@ -7626,26 +8772,14 @@
             </a:r>
             <a:r>
               <a:rPr lang="zh-CN" altLang="en-US" sz="4000" dirty="0" smtClean="0"/>
-              <a:t>）固定布局视口</a:t>
+              <a:t>）设备像素的代理者</a:t>
             </a:r>
             <a:endParaRPr lang="en-US" altLang="zh-CN" sz="4000" dirty="0" smtClean="0"/>
           </a:p>
           <a:p>
-            <a:pPr marL="742950" indent="-742950" algn="l"/>
-            <a:r>
-              <a:rPr lang="en-US" altLang="zh-CN" sz="4000" dirty="0" smtClean="0"/>
-              <a:t>3.Viewport</a:t>
-            </a:r>
-            <a:r>
-              <a:rPr lang="zh-CN" altLang="en-US" sz="4000" dirty="0" smtClean="0"/>
-              <a:t>标签</a:t>
-            </a:r>
-            <a:endParaRPr lang="en-US" altLang="zh-CN" sz="4000" dirty="0" smtClean="0"/>
-          </a:p>
-          <a:p>
-            <a:pPr marL="742950" indent="-742950" algn="l"/>
-            <a:r>
-              <a:rPr lang="en-US" altLang="zh-CN" sz="4000" dirty="0" smtClean="0"/>
+            <a:pPr lvl="2" indent="0" algn="l"/>
+            <a:r>
+              <a:rPr lang="en-US" altLang="zh-CN" sz="4000" dirty="0"/>
               <a:t>	</a:t>
             </a:r>
             <a:r>
@@ -7654,39 +8788,27 @@
             </a:r>
             <a:r>
               <a:rPr lang="en-US" altLang="zh-CN" sz="4000" dirty="0" smtClean="0"/>
-              <a:t>1</a:t>
+              <a:t>3</a:t>
             </a:r>
             <a:r>
               <a:rPr lang="zh-CN" altLang="en-US" sz="4000" dirty="0" smtClean="0"/>
               <a:t>）</a:t>
             </a:r>
             <a:r>
-              <a:rPr lang="en-US" altLang="zh-CN" sz="4000" dirty="0" smtClean="0"/>
-              <a:t>width</a:t>
+              <a:rPr lang="en-US" altLang="zh-CN" sz="4000" dirty="0" err="1" smtClean="0"/>
+              <a:t>screen.width</a:t>
             </a:r>
             <a:r>
               <a:rPr lang="zh-CN" altLang="en-US" sz="4000" dirty="0" smtClean="0"/>
-              <a:t>映射布局视口</a:t>
-            </a:r>
-            <a:endParaRPr lang="en-US" altLang="zh-CN" sz="4000" dirty="0" smtClean="0"/>
-          </a:p>
-          <a:p>
-            <a:pPr marL="742950" indent="-742950" algn="l"/>
-            <a:r>
-              <a:rPr lang="en-US" altLang="zh-CN" sz="4000" dirty="0" smtClean="0"/>
-              <a:t>	</a:t>
+              <a:t>、</a:t>
+            </a:r>
+            <a:r>
+              <a:rPr lang="en-US" altLang="zh-CN" sz="4000" dirty="0" err="1" smtClean="0"/>
+              <a:t>e.screenX</a:t>
             </a:r>
             <a:r>
               <a:rPr lang="zh-CN" altLang="en-US" sz="4000" dirty="0" smtClean="0"/>
-              <a:t>（</a:t>
-            </a:r>
-            <a:r>
-              <a:rPr lang="en-US" altLang="zh-CN" sz="4000" dirty="0" smtClean="0"/>
-              <a:t>2</a:t>
-            </a:r>
-            <a:r>
-              <a:rPr lang="zh-CN" altLang="en-US" sz="4000" dirty="0" smtClean="0"/>
-              <a:t>）</a:t>
+              <a:t>、</a:t>
             </a:r>
             <a:r>
               <a:rPr lang="en-US" altLang="zh-CN" sz="4000" dirty="0" smtClean="0"/>
@@ -7694,16 +8816,15 @@
             </a:r>
             <a:r>
               <a:rPr lang="zh-CN" altLang="en-US" sz="4000" dirty="0" smtClean="0"/>
-              <a:t>映射可视视口</a:t>
-            </a:r>
-            <a:endParaRPr lang="en-US" altLang="zh-CN" sz="4000" dirty="0" smtClean="0"/>
+              <a:t>的改变</a:t>
+            </a:r>
           </a:p>
         </p:txBody>
       </p:sp>
     </p:spTree>
     <p:extLst>
       <p:ext uri="{BB962C8B-B14F-4D97-AF65-F5344CB8AC3E}">
-        <p14:creationId xmlns:p14="http://schemas.microsoft.com/office/powerpoint/2010/main" xmlns="" val="1002833389"/>
+        <p14:creationId xmlns:p14="http://schemas.microsoft.com/office/powerpoint/2010/main" val="1002833389"/>
       </p:ext>
     </p:extLst>
   </p:cSld>
@@ -7744,31 +8865,211 @@
             <a:spLocks noGrp="1"/>
           </p:cNvSpPr>
           <p:nvPr>
-            <p:ph type="ctrTitle" sz="quarter"/>
+            <p:ph type="title"/>
           </p:nvPr>
+        </p:nvSpPr>
+        <p:spPr/>
+        <p:txBody>
+          <a:bodyPr/>
+          <a:lstStyle/>
+          <a:p>
+            <a:r>
+              <a:rPr lang="zh-CN" altLang="en-US" dirty="0" smtClean="0"/>
+              <a:t>跨平台屏幕适配历史</a:t>
+            </a:r>
+            <a:r>
+              <a:rPr lang="en-US" altLang="zh-CN" dirty="0" smtClean="0"/>
+              <a:t>——</a:t>
+            </a:r>
+            <a:r>
+              <a:rPr lang="zh-CN" altLang="en-US" dirty="0"/>
+              <a:t>几</a:t>
+            </a:r>
+            <a:r>
+              <a:rPr lang="zh-CN" altLang="en-US" dirty="0" smtClean="0"/>
+              <a:t>个概念</a:t>
+            </a:r>
+            <a:endParaRPr lang="zh-CN" altLang="en-US" dirty="0"/>
+          </a:p>
+        </p:txBody>
+      </p:sp>
+      <p:sp>
+        <p:nvSpPr>
+          <p:cNvPr id="3" name="灯片编号占位符 2"/>
+          <p:cNvSpPr>
+            <a:spLocks noGrp="1"/>
+          </p:cNvSpPr>
+          <p:nvPr>
+            <p:ph type="sldNum" sz="quarter" idx="10"/>
+          </p:nvPr>
+        </p:nvSpPr>
+        <p:spPr/>
+        <p:txBody>
+          <a:bodyPr/>
+          <a:lstStyle/>
+          <a:p>
+            <a:fld id="{3A0D4AB8-71D5-49A6-A47D-7EBF93BD0B58}" type="slidenum">
+              <a:rPr lang="zh-CN" altLang="en-US" smtClean="0">
+                <a:solidFill>
+                  <a:srgbClr val="000000"/>
+                </a:solidFill>
+              </a:rPr>
+              <a:pPr/>
+              <a:t>9</a:t>
+            </a:fld>
+            <a:endParaRPr lang="zh-CN" altLang="en-US">
+              <a:solidFill>
+                <a:srgbClr val="000000"/>
+              </a:solidFill>
+            </a:endParaRPr>
+          </a:p>
+        </p:txBody>
+      </p:sp>
+      <p:sp>
+        <p:nvSpPr>
+          <p:cNvPr id="5" name="文本框 3"/>
+          <p:cNvSpPr txBox="1"/>
+          <p:nvPr/>
         </p:nvSpPr>
         <p:spPr>
           <a:xfrm>
-            <a:off x="4889422" y="5026153"/>
-            <a:ext cx="3533191" cy="642227"/>
+            <a:off x="1330333" y="2381250"/>
+            <a:ext cx="10344150" cy="4401205"/>
           </a:xfrm>
+          <a:prstGeom prst="rect">
+            <a:avLst/>
+          </a:prstGeom>
+          <a:noFill/>
         </p:spPr>
         <p:txBody>
-          <a:bodyPr/>
+          <a:bodyPr wrap="square" rtlCol="0">
+            <a:spAutoFit/>
+          </a:bodyPr>
           <a:lstStyle/>
           <a:p>
-            <a:r>
-              <a:rPr lang="zh-CN" altLang="en-US" sz="3840" dirty="0" smtClean="0"/>
-              <a:t>谢谢</a:t>
-            </a:r>
-            <a:endParaRPr lang="zh-CN" altLang="en-US" sz="3840" dirty="0"/>
+            <a:pPr marL="742950" indent="-742950" algn="l">
+              <a:buAutoNum type="arabicPeriod"/>
+            </a:pPr>
+            <a:r>
+              <a:rPr lang="zh-CN" altLang="en-US" sz="4000" dirty="0" smtClean="0"/>
+              <a:t>屏幕尺寸</a:t>
+            </a:r>
+            <a:r>
+              <a:rPr lang="en-US" altLang="zh-CN" sz="4000" dirty="0" smtClean="0"/>
+              <a:t>/</a:t>
+            </a:r>
+            <a:r>
+              <a:rPr lang="zh-CN" altLang="en-US" sz="4000" dirty="0" smtClean="0"/>
+              <a:t>英寸：对角线长度</a:t>
+            </a:r>
+            <a:endParaRPr lang="en-US" altLang="zh-CN" sz="4000" dirty="0" smtClean="0"/>
+          </a:p>
+          <a:p>
+            <a:pPr marL="742950" indent="-742950" algn="l">
+              <a:buAutoNum type="arabicPeriod"/>
+            </a:pPr>
+            <a:r>
+              <a:rPr lang="zh-CN" altLang="en-US" sz="4000" dirty="0" smtClean="0"/>
+              <a:t>分辨率</a:t>
+            </a:r>
+            <a:r>
+              <a:rPr lang="en-US" altLang="zh-CN" sz="4000" dirty="0" smtClean="0"/>
+              <a:t>/</a:t>
+            </a:r>
+            <a:r>
+              <a:rPr lang="en-US" altLang="zh-CN" sz="4000" dirty="0" err="1" smtClean="0"/>
+              <a:t>px</a:t>
+            </a:r>
+            <a:r>
+              <a:rPr lang="zh-CN" altLang="en-US" sz="4000" dirty="0" smtClean="0"/>
+              <a:t>：水平和垂直方向上像素点数</a:t>
+            </a:r>
+            <a:endParaRPr lang="en-US" altLang="zh-CN" sz="4000" dirty="0" smtClean="0"/>
+          </a:p>
+          <a:p>
+            <a:pPr marL="742950" indent="-742950" algn="l">
+              <a:buAutoNum type="arabicPeriod"/>
+            </a:pPr>
+            <a:r>
+              <a:rPr lang="zh-CN" altLang="en-US" sz="4000" dirty="0" smtClean="0"/>
+              <a:t>像素密度</a:t>
+            </a:r>
+            <a:r>
+              <a:rPr lang="en-US" altLang="zh-CN" sz="4000" dirty="0" smtClean="0"/>
+              <a:t>/</a:t>
+            </a:r>
+            <a:r>
+              <a:rPr lang="en-US" altLang="zh-CN" sz="4000" dirty="0" err="1" smtClean="0"/>
+              <a:t>ppi</a:t>
+            </a:r>
+            <a:r>
+              <a:rPr lang="en-US" altLang="zh-CN" sz="4000" dirty="0" smtClean="0"/>
+              <a:t>/dpi</a:t>
+            </a:r>
+            <a:r>
+              <a:rPr lang="zh-CN" altLang="en-US" sz="4000" dirty="0" smtClean="0"/>
+              <a:t>：每英寸可显示像素点数</a:t>
+            </a:r>
+            <a:endParaRPr lang="en-US" altLang="zh-CN" sz="4000" dirty="0" smtClean="0"/>
+          </a:p>
+          <a:p>
+            <a:pPr marL="742950" indent="-742950" algn="l">
+              <a:buAutoNum type="arabicPeriod"/>
+            </a:pPr>
+            <a:r>
+              <a:rPr lang="zh-CN" altLang="en-US" sz="4000" dirty="0"/>
+              <a:t>密度独立像素 </a:t>
+            </a:r>
+            <a:r>
+              <a:rPr lang="en-US" altLang="zh-CN" sz="4000" dirty="0" smtClean="0"/>
+              <a:t>/dip</a:t>
+            </a:r>
+            <a:r>
+              <a:rPr lang="zh-CN" altLang="en-US" sz="4000" dirty="0"/>
+              <a:t>：理想视口一个单位的</a:t>
+            </a:r>
+            <a:r>
+              <a:rPr lang="en-US" altLang="zh-CN" sz="4000" dirty="0" err="1"/>
+              <a:t>css</a:t>
+            </a:r>
+            <a:r>
+              <a:rPr lang="zh-CN" altLang="en-US" sz="4000" dirty="0"/>
+              <a:t>像素就是一个密度独立像素 </a:t>
+            </a:r>
+            <a:endParaRPr lang="en-US" altLang="zh-CN" sz="4000" dirty="0" smtClean="0"/>
+          </a:p>
+          <a:p>
+            <a:pPr marL="742950" indent="-742950" algn="l">
+              <a:buAutoNum type="arabicPeriod"/>
+            </a:pPr>
+            <a:r>
+              <a:rPr lang="zh-CN" altLang="en-US" sz="4000" dirty="0"/>
+              <a:t>设备像素比 </a:t>
+            </a:r>
+            <a:r>
+              <a:rPr lang="en-US" altLang="zh-CN" sz="4000" dirty="0"/>
+              <a:t>/</a:t>
+            </a:r>
+            <a:r>
+              <a:rPr lang="en-US" altLang="zh-CN" sz="4000" dirty="0" err="1"/>
+              <a:t>devicePixelRaio</a:t>
+            </a:r>
+            <a:r>
+              <a:rPr lang="en-US" altLang="zh-CN" sz="4000" dirty="0"/>
+              <a:t> </a:t>
+            </a:r>
+            <a:r>
+              <a:rPr lang="zh-CN" altLang="en-US" sz="4000" dirty="0"/>
+              <a:t>：一个密度独立像素宽度等于多少个设备像素宽度 </a:t>
+            </a:r>
+            <a:endParaRPr lang="zh-CN" altLang="en-US" sz="4000" dirty="0" smtClean="0"/>
           </a:p>
         </p:txBody>
       </p:sp>
     </p:spTree>
     <p:extLst>
       <p:ext uri="{BB962C8B-B14F-4D97-AF65-F5344CB8AC3E}">
-        <p14:creationId xmlns:p14="http://schemas.microsoft.com/office/powerpoint/2010/main" xmlns="" val="2085222240"/>
+        <p14:creationId xmlns:p14="http://schemas.microsoft.com/office/powerpoint/2010/main" val="3951628596"/>
       </p:ext>
     </p:extLst>
   </p:cSld>
@@ -7787,29 +9088,53 @@
 
 <file path=ppt/tags/tag1.xml><?xml version="1.0" encoding="utf-8"?>
 <p:tagLst xmlns:a="http://schemas.openxmlformats.org/drawingml/2006/main" xmlns:r="http://schemas.openxmlformats.org/officeDocument/2006/relationships" xmlns:p="http://schemas.openxmlformats.org/presentationml/2006/main">
-  <p:tag name="THINKCELLSHAPEDONOTDELETE" val="ppgHlKQhu8kq4JnUQtbedXg"/>
+  <p:tag name="THINKCELLSHAPEDONOTDELETE" val="thinkcellActiveDocDoNotDelete"/>
 </p:tagLst>
 </file>
 
 <file path=ppt/tags/tag2.xml><?xml version="1.0" encoding="utf-8"?>
 <p:tagLst xmlns:a="http://schemas.openxmlformats.org/drawingml/2006/main" xmlns:r="http://schemas.openxmlformats.org/officeDocument/2006/relationships" xmlns:p="http://schemas.openxmlformats.org/presentationml/2006/main">
-  <p:tag name="THINKCELLSHAPEDONOTDELETE" val="p.pXiFu2Mhk2IoSGcOPcHDA"/>
+  <p:tag name="THINKCELLSHAPEDONOTDELETE" val="ppgHlKQhu8kq4JnUQtbedXg"/>
 </p:tagLst>
 </file>
 
 <file path=ppt/tags/tag3.xml><?xml version="1.0" encoding="utf-8"?>
 <p:tagLst xmlns:a="http://schemas.openxmlformats.org/drawingml/2006/main" xmlns:r="http://schemas.openxmlformats.org/officeDocument/2006/relationships" xmlns:p="http://schemas.openxmlformats.org/presentationml/2006/main">
-  <p:tag name="THINKCELLSHAPEDONOTDELETE" val="ppgHlKQhu8kq4JnUQtbedXg"/>
+  <p:tag name="THINKCELLSHAPEDONOTDELETE" val="p.pXiFu2Mhk2IoSGcOPcHDA"/>
 </p:tagLst>
 </file>
 
 <file path=ppt/tags/tag4.xml><?xml version="1.0" encoding="utf-8"?>
 <p:tagLst xmlns:a="http://schemas.openxmlformats.org/drawingml/2006/main" xmlns:r="http://schemas.openxmlformats.org/officeDocument/2006/relationships" xmlns:p="http://schemas.openxmlformats.org/presentationml/2006/main">
+  <p:tag name="THINKCELLSHAPEDONOTDELETE" val="thinkcellActiveDocDoNotDelete"/>
+</p:tagLst>
+</file>
+
+<file path=ppt/tags/tag5.xml><?xml version="1.0" encoding="utf-8"?>
+<p:tagLst xmlns:a="http://schemas.openxmlformats.org/drawingml/2006/main" xmlns:r="http://schemas.openxmlformats.org/officeDocument/2006/relationships" xmlns:p="http://schemas.openxmlformats.org/presentationml/2006/main">
+  <p:tag name="THINKCELLSHAPEDONOTDELETE" val="thinkcellActiveDocDoNotDelete"/>
+</p:tagLst>
+</file>
+
+<file path=ppt/tags/tag6.xml><?xml version="1.0" encoding="utf-8"?>
+<p:tagLst xmlns:a="http://schemas.openxmlformats.org/drawingml/2006/main" xmlns:r="http://schemas.openxmlformats.org/officeDocument/2006/relationships" xmlns:p="http://schemas.openxmlformats.org/presentationml/2006/main">
+  <p:tag name="THINKCELLSHAPEDONOTDELETE" val="ppgHlKQhu8kq4JnUQtbedXg"/>
+</p:tagLst>
+</file>
+
+<file path=ppt/tags/tag7.xml><?xml version="1.0" encoding="utf-8"?>
+<p:tagLst xmlns:a="http://schemas.openxmlformats.org/drawingml/2006/main" xmlns:r="http://schemas.openxmlformats.org/officeDocument/2006/relationships" xmlns:p="http://schemas.openxmlformats.org/presentationml/2006/main">
   <p:tag name="THINKCELLSHAPEDONOTDELETE" val="p.pXiFu2Mhk2IoSGcOPcHDA"/>
 </p:tagLst>
 </file>
 
-<file path=ppt/tags/tag5.xml><?xml version="1.0" encoding="utf-8"?>
+<file path=ppt/tags/tag8.xml><?xml version="1.0" encoding="utf-8"?>
+<p:tagLst xmlns:a="http://schemas.openxmlformats.org/drawingml/2006/main" xmlns:r="http://schemas.openxmlformats.org/officeDocument/2006/relationships" xmlns:p="http://schemas.openxmlformats.org/presentationml/2006/main">
+  <p:tag name="THINKCELLSHAPEDONOTDELETE" val="thinkcellActiveDocDoNotDelete"/>
+</p:tagLst>
+</file>
+
+<file path=ppt/tags/tag9.xml><?xml version="1.0" encoding="utf-8"?>
 <p:tagLst xmlns:a="http://schemas.openxmlformats.org/drawingml/2006/main" xmlns:r="http://schemas.openxmlformats.org/officeDocument/2006/relationships" xmlns:p="http://schemas.openxmlformats.org/presentationml/2006/main">
   <p:tag name="KSO_WM_TEMPLATE_TOPIC_ID" val="2806177"/>
   <p:tag name="KSO_WM_TEMPLATE_OUTLINE_ID" val="15"/>
@@ -9838,7 +11163,7 @@
   </a:extraClrSchemeLst>
   <a:extLst>
     <a:ext uri="{05A4C25C-085E-4340-85A3-A5531E510DB2}">
-      <thm15:themeFamily xmlns:thm15="http://schemas.microsoft.com/office/thememl/2012/main" xmlns="" name="PAAS平台-技术交流.pptx" id="{216FF340-FE6A-4128-8316-EDBC1F0D4B95}" vid="{C97931BA-9053-482D-8F4A-EFE7791E08C7}"/>
+      <thm15:themeFamily xmlns:thm15="http://schemas.microsoft.com/office/thememl/2012/main" name="PAAS平台-技术交流.pptx" id="{216FF340-FE6A-4128-8316-EDBC1F0D4B95}" vid="{C97931BA-9053-482D-8F4A-EFE7791E08C7}"/>
     </a:ext>
   </a:extLst>
 </a:theme>

--- a/技术分享/跨平台屏幕适配原理.pptx
+++ b/技术分享/跨平台屏幕适配原理.pptx
@@ -324,7 +324,7 @@
   </p:defaultTextStyle>
   <p:extLst>
     <p:ext uri="{EFAFB233-063F-42B5-8137-9DF3F51BA10A}">
-      <p15:sldGuideLst xmlns:p15="http://schemas.microsoft.com/office/powerpoint/2012/main">
+      <p15:sldGuideLst xmlns:p15="http://schemas.microsoft.com/office/powerpoint/2012/main" xmlns="">
         <p15:guide id="1" orient="horz" pos="3072">
           <p15:clr>
             <a:srgbClr val="A4A3A4"/>
@@ -420,7 +420,7 @@
     </p:spTree>
     <p:extLst>
       <p:ext uri="{BB962C8B-B14F-4D97-AF65-F5344CB8AC3E}">
-        <p14:creationId xmlns:p14="http://schemas.microsoft.com/office/powerpoint/2010/main" val="277936240"/>
+        <p14:creationId xmlns:p14="http://schemas.microsoft.com/office/powerpoint/2010/main" xmlns="" val="277936240"/>
       </p:ext>
     </p:extLst>
   </p:cSld>
@@ -617,7 +617,7 @@
     </p:spTree>
     <p:extLst>
       <p:ext uri="{BB962C8B-B14F-4D97-AF65-F5344CB8AC3E}">
-        <p14:creationId xmlns:p14="http://schemas.microsoft.com/office/powerpoint/2010/main" val="4288124623"/>
+        <p14:creationId xmlns:p14="http://schemas.microsoft.com/office/powerpoint/2010/main" xmlns="" val="4288124623"/>
       </p:ext>
     </p:extLst>
   </p:cSld>
@@ -678,7 +678,7 @@
     </p:spTree>
     <p:extLst>
       <p:ext uri="{BB962C8B-B14F-4D97-AF65-F5344CB8AC3E}">
-        <p14:creationId xmlns:p14="http://schemas.microsoft.com/office/powerpoint/2010/main" val="163468324"/>
+        <p14:creationId xmlns:p14="http://schemas.microsoft.com/office/powerpoint/2010/main" xmlns="" val="163468324"/>
       </p:ext>
     </p:extLst>
   </p:cSld>
@@ -739,7 +739,7 @@
     </p:spTree>
     <p:extLst>
       <p:ext uri="{BB962C8B-B14F-4D97-AF65-F5344CB8AC3E}">
-        <p14:creationId xmlns:p14="http://schemas.microsoft.com/office/powerpoint/2010/main" val="2622602460"/>
+        <p14:creationId xmlns:p14="http://schemas.microsoft.com/office/powerpoint/2010/main" xmlns="" val="2622602460"/>
       </p:ext>
     </p:extLst>
   </p:cSld>
@@ -800,7 +800,7 @@
     </p:spTree>
     <p:extLst>
       <p:ext uri="{BB962C8B-B14F-4D97-AF65-F5344CB8AC3E}">
-        <p14:creationId xmlns:p14="http://schemas.microsoft.com/office/powerpoint/2010/main" val="2969063705"/>
+        <p14:creationId xmlns:p14="http://schemas.microsoft.com/office/powerpoint/2010/main" xmlns="" val="2969063705"/>
       </p:ext>
     </p:extLst>
   </p:cSld>
@@ -861,7 +861,7 @@
     </p:spTree>
     <p:extLst>
       <p:ext uri="{BB962C8B-B14F-4D97-AF65-F5344CB8AC3E}">
-        <p14:creationId xmlns:p14="http://schemas.microsoft.com/office/powerpoint/2010/main" val="4126790553"/>
+        <p14:creationId xmlns:p14="http://schemas.microsoft.com/office/powerpoint/2010/main" xmlns="" val="4126790553"/>
       </p:ext>
     </p:extLst>
   </p:cSld>
@@ -959,7 +959,7 @@
     </p:spTree>
     <p:extLst>
       <p:ext uri="{BB962C8B-B14F-4D97-AF65-F5344CB8AC3E}">
-        <p14:creationId xmlns:p14="http://schemas.microsoft.com/office/powerpoint/2010/main" val="30291408"/>
+        <p14:creationId xmlns:p14="http://schemas.microsoft.com/office/powerpoint/2010/main" xmlns="" val="30291408"/>
       </p:ext>
     </p:extLst>
   </p:cSld>
@@ -1327,7 +1327,7 @@
     </p:spTree>
     <p:extLst>
       <p:ext uri="{BB962C8B-B14F-4D97-AF65-F5344CB8AC3E}">
-        <p14:creationId xmlns:p14="http://schemas.microsoft.com/office/powerpoint/2010/main" val="3316485102"/>
+        <p14:creationId xmlns:p14="http://schemas.microsoft.com/office/powerpoint/2010/main" xmlns="" val="3316485102"/>
       </p:ext>
     </p:extLst>
   </p:cSld>
@@ -1475,7 +1475,7 @@
     </p:spTree>
     <p:extLst>
       <p:ext uri="{BB962C8B-B14F-4D97-AF65-F5344CB8AC3E}">
-        <p14:creationId xmlns:p14="http://schemas.microsoft.com/office/powerpoint/2010/main" val="3137951634"/>
+        <p14:creationId xmlns:p14="http://schemas.microsoft.com/office/powerpoint/2010/main" xmlns="" val="3137951634"/>
       </p:ext>
     </p:extLst>
   </p:cSld>
@@ -1637,7 +1637,7 @@
     </p:spTree>
     <p:extLst>
       <p:ext uri="{BB962C8B-B14F-4D97-AF65-F5344CB8AC3E}">
-        <p14:creationId xmlns:p14="http://schemas.microsoft.com/office/powerpoint/2010/main" val="1007209188"/>
+        <p14:creationId xmlns:p14="http://schemas.microsoft.com/office/powerpoint/2010/main" xmlns="" val="1007209188"/>
       </p:ext>
     </p:extLst>
   </p:cSld>
@@ -2032,7 +2032,7 @@
     </p:spTree>
     <p:extLst>
       <p:ext uri="{BB962C8B-B14F-4D97-AF65-F5344CB8AC3E}">
-        <p14:creationId xmlns:p14="http://schemas.microsoft.com/office/powerpoint/2010/main" val="2188742053"/>
+        <p14:creationId xmlns:p14="http://schemas.microsoft.com/office/powerpoint/2010/main" xmlns="" val="2188742053"/>
       </p:ext>
     </p:extLst>
   </p:cSld>
@@ -2124,7 +2124,7 @@
     </p:spTree>
     <p:extLst>
       <p:ext uri="{BB962C8B-B14F-4D97-AF65-F5344CB8AC3E}">
-        <p14:creationId xmlns:p14="http://schemas.microsoft.com/office/powerpoint/2010/main" val="2507043630"/>
+        <p14:creationId xmlns:p14="http://schemas.microsoft.com/office/powerpoint/2010/main" xmlns="" val="2507043630"/>
       </p:ext>
     </p:extLst>
   </p:cSld>
@@ -2216,7 +2216,7 @@
     </p:spTree>
     <p:extLst>
       <p:ext uri="{BB962C8B-B14F-4D97-AF65-F5344CB8AC3E}">
-        <p14:creationId xmlns:p14="http://schemas.microsoft.com/office/powerpoint/2010/main" val="120920598"/>
+        <p14:creationId xmlns:p14="http://schemas.microsoft.com/office/powerpoint/2010/main" xmlns="" val="120920598"/>
       </p:ext>
     </p:extLst>
   </p:cSld>
@@ -2252,10 +2252,10 @@
           <p:nvPr userDrawn="1"/>
         </p:nvPicPr>
         <p:blipFill>
-          <a:blip r:embed="rId7" cstate="print">
+          <a:blip r:embed="rId5" cstate="print">
             <a:extLst>
               <a:ext uri="{28A0092B-C50C-407E-A947-70E740481C1C}">
-                <a14:useLocalDpi xmlns:a14="http://schemas.microsoft.com/office/drawing/2010/main" val="0"/>
+                <a14:useLocalDpi xmlns:a14="http://schemas.microsoft.com/office/drawing/2010/main" xmlns="" val="0"/>
               </a:ext>
             </a:extLst>
           </a:blip>
@@ -2279,11 +2279,7 @@
           <p:cNvGraphicFramePr>
             <a:graphicFrameLocks noChangeAspect="1"/>
           </p:cNvGraphicFramePr>
-          <p:nvPr>
-            <p:custDataLst>
-              <p:tags r:id="rId2"/>
-            </p:custDataLst>
-          </p:nvPr>
+          <p:nvPr/>
         </p:nvGraphicFramePr>
         <p:xfrm>
           <a:off x="0" y="0"/>
@@ -2291,59 +2287,9 @@
         </p:xfrm>
         <a:graphic>
           <a:graphicData uri="http://schemas.openxmlformats.org/presentationml/2006/ole">
-            <mc:AlternateContent xmlns:mc="http://schemas.openxmlformats.org/markup-compatibility/2006">
-              <mc:Choice xmlns:v="urn:schemas-microsoft-com:vml" Requires="v">
-                <p:oleObj spid="_x0000_s2298" name="think-cell Slide" r:id="rId8" imgW="0" imgH="0" progId="">
-                  <p:embed/>
-                </p:oleObj>
-              </mc:Choice>
-              <mc:Fallback>
-                <p:oleObj name="think-cell Slide" r:id="rId8" imgW="0" imgH="0" progId="">
-                  <p:embed/>
-                  <p:pic>
-                    <p:nvPicPr>
-                      <p:cNvPr id="0" name="AutoShape 226"/>
-                      <p:cNvPicPr>
-                        <a:picLocks noChangeAspect="1" noChangeArrowheads="1"/>
-                      </p:cNvPicPr>
-                      <p:nvPr/>
-                    </p:nvPicPr>
-                    <p:blipFill>
-                      <a:blip>
-                        <a:extLst>
-                          <a:ext uri="{28A0092B-C50C-407E-A947-70E740481C1C}">
-                            <a14:useLocalDpi xmlns:a14="http://schemas.microsoft.com/office/drawing/2010/main" val="0"/>
-                          </a:ext>
-                        </a:extLst>
-                      </a:blip>
-                      <a:srcRect/>
-                      <a:stretch>
-                        <a:fillRect/>
-                      </a:stretch>
-                    </p:blipFill>
-                    <p:spPr bwMode="auto">
-                      <a:xfrm>
-                        <a:off x="0" y="0"/>
-                        <a:ext cx="208410" cy="225778"/>
-                      </a:xfrm>
-                      <a:prstGeom prst="rect">
-                        <a:avLst/>
-                      </a:prstGeom>
-                      <a:noFill/>
-                      <a:extLst>
-                        <a:ext uri="{909E8E84-426E-40DD-AFC4-6F175D3DCCD1}">
-                          <a14:hiddenFill xmlns:a14="http://schemas.microsoft.com/office/drawing/2010/main">
-                            <a:solidFill>
-                              <a:srgbClr val="FFFFFF"/>
-                            </a:solidFill>
-                          </a14:hiddenFill>
-                        </a:ext>
-                      </a:extLst>
-                    </p:spPr>
-                  </p:pic>
-                </p:oleObj>
-              </mc:Fallback>
-            </mc:AlternateContent>
+            <p:oleObj spid="_x0000_s2298" name="think-cell Slide" r:id="rId6" imgW="0" imgH="0" progId="">
+              <p:embed/>
+            </p:oleObj>
           </a:graphicData>
         </a:graphic>
       </p:graphicFrame>
@@ -2355,7 +2301,7 @@
           </p:cNvSpPr>
           <p:nvPr>
             <p:custDataLst>
-              <p:tags r:id="rId3"/>
+              <p:tags r:id="rId2"/>
             </p:custDataLst>
           </p:nvPr>
         </p:nvSpPr>
@@ -2418,7 +2364,7 @@
           </p:cNvSpPr>
           <p:nvPr>
             <p:custDataLst>
-              <p:tags r:id="rId4"/>
+              <p:tags r:id="rId3"/>
             </p:custDataLst>
           </p:nvPr>
         </p:nvSpPr>
@@ -2462,11 +2408,7 @@
           <p:cNvGraphicFramePr>
             <a:graphicFrameLocks noChangeAspect="1"/>
           </p:cNvGraphicFramePr>
-          <p:nvPr>
-            <p:custDataLst>
-              <p:tags r:id="rId5"/>
-            </p:custDataLst>
-          </p:nvPr>
+          <p:nvPr/>
         </p:nvGraphicFramePr>
         <p:xfrm>
           <a:off x="0" y="0"/>
@@ -2474,59 +2416,9 @@
         </p:xfrm>
         <a:graphic>
           <a:graphicData uri="http://schemas.openxmlformats.org/presentationml/2006/ole">
-            <mc:AlternateContent xmlns:mc="http://schemas.openxmlformats.org/markup-compatibility/2006">
-              <mc:Choice xmlns:v="urn:schemas-microsoft-com:vml" Requires="v">
-                <p:oleObj spid="_x0000_s2299" r:id="rId9" imgW="0" imgH="0" progId="">
-                  <p:embed/>
-                </p:oleObj>
-              </mc:Choice>
-              <mc:Fallback>
-                <p:oleObj r:id="rId9" imgW="0" imgH="0" progId="">
-                  <p:embed/>
-                  <p:pic>
-                    <p:nvPicPr>
-                      <p:cNvPr id="0" name="AutoShape 227"/>
-                      <p:cNvPicPr>
-                        <a:picLocks noChangeAspect="1" noChangeArrowheads="1"/>
-                      </p:cNvPicPr>
-                      <p:nvPr/>
-                    </p:nvPicPr>
-                    <p:blipFill>
-                      <a:blip>
-                        <a:extLst>
-                          <a:ext uri="{28A0092B-C50C-407E-A947-70E740481C1C}">
-                            <a14:useLocalDpi xmlns:a14="http://schemas.microsoft.com/office/drawing/2010/main" val="0"/>
-                          </a:ext>
-                        </a:extLst>
-                      </a:blip>
-                      <a:srcRect/>
-                      <a:stretch>
-                        <a:fillRect/>
-                      </a:stretch>
-                    </p:blipFill>
-                    <p:spPr bwMode="auto">
-                      <a:xfrm>
-                        <a:off x="0" y="0"/>
-                        <a:ext cx="208410" cy="225778"/>
-                      </a:xfrm>
-                      <a:prstGeom prst="rect">
-                        <a:avLst/>
-                      </a:prstGeom>
-                      <a:noFill/>
-                      <a:extLst>
-                        <a:ext uri="{909E8E84-426E-40DD-AFC4-6F175D3DCCD1}">
-                          <a14:hiddenFill xmlns:a14="http://schemas.microsoft.com/office/drawing/2010/main">
-                            <a:solidFill>
-                              <a:srgbClr val="FFFFFF"/>
-                            </a:solidFill>
-                          </a14:hiddenFill>
-                        </a:ext>
-                      </a:extLst>
-                    </p:spPr>
-                  </p:pic>
-                </p:oleObj>
-              </mc:Fallback>
-            </mc:AlternateContent>
+            <p:oleObj spid="_x0000_s2299" r:id="rId7" imgW="0" imgH="0" progId="">
+              <p:embed/>
+            </p:oleObj>
           </a:graphicData>
         </a:graphic>
       </p:graphicFrame>
@@ -2717,10 +2609,10 @@
           <p:nvPr userDrawn="1"/>
         </p:nvPicPr>
         <p:blipFill>
-          <a:blip r:embed="rId10" cstate="print">
+          <a:blip r:embed="rId8" cstate="print">
             <a:extLst>
               <a:ext uri="{28A0092B-C50C-407E-A947-70E740481C1C}">
-                <a14:useLocalDpi xmlns:a14="http://schemas.microsoft.com/office/drawing/2010/main" val="0"/>
+                <a14:useLocalDpi xmlns:a14="http://schemas.microsoft.com/office/drawing/2010/main" xmlns="" val="0"/>
               </a:ext>
             </a:extLst>
           </a:blip>
@@ -2740,7 +2632,7 @@
           <a:noFill/>
           <a:extLst>
             <a:ext uri="{909E8E84-426E-40DD-AFC4-6F175D3DCCD1}">
-              <a14:hiddenFill xmlns:a14="http://schemas.microsoft.com/office/drawing/2010/main">
+              <a14:hiddenFill xmlns:a14="http://schemas.microsoft.com/office/drawing/2010/main" xmlns="">
                 <a:solidFill>
                   <a:srgbClr val="FFFFFF"/>
                 </a:solidFill>
@@ -2752,7 +2644,7 @@
     </p:spTree>
     <p:extLst>
       <p:ext uri="{BB962C8B-B14F-4D97-AF65-F5344CB8AC3E}">
-        <p14:creationId xmlns:p14="http://schemas.microsoft.com/office/powerpoint/2010/main" val="2892463142"/>
+        <p14:creationId xmlns:p14="http://schemas.microsoft.com/office/powerpoint/2010/main" xmlns="" val="2892463142"/>
       </p:ext>
     </p:extLst>
   </p:cSld>
@@ -3738,10 +3630,10 @@
           <p:nvPr userDrawn="1"/>
         </p:nvPicPr>
         <p:blipFill>
-          <a:blip r:embed="rId7" cstate="print">
+          <a:blip r:embed="rId5" cstate="print">
             <a:extLst>
               <a:ext uri="{28A0092B-C50C-407E-A947-70E740481C1C}">
-                <a14:useLocalDpi xmlns:a14="http://schemas.microsoft.com/office/drawing/2010/main" val="0"/>
+                <a14:useLocalDpi xmlns:a14="http://schemas.microsoft.com/office/drawing/2010/main" xmlns="" val="0"/>
               </a:ext>
             </a:extLst>
           </a:blip>
@@ -3765,11 +3657,7 @@
           <p:cNvGraphicFramePr>
             <a:graphicFrameLocks noChangeAspect="1"/>
           </p:cNvGraphicFramePr>
-          <p:nvPr>
-            <p:custDataLst>
-              <p:tags r:id="rId2"/>
-            </p:custDataLst>
-          </p:nvPr>
+          <p:nvPr/>
         </p:nvGraphicFramePr>
         <p:xfrm>
           <a:off x="0" y="0"/>
@@ -3777,59 +3665,9 @@
         </p:xfrm>
         <a:graphic>
           <a:graphicData uri="http://schemas.openxmlformats.org/presentationml/2006/ole">
-            <mc:AlternateContent xmlns:mc="http://schemas.openxmlformats.org/markup-compatibility/2006">
-              <mc:Choice xmlns:v="urn:schemas-microsoft-com:vml" Requires="v">
-                <p:oleObj spid="_x0000_s1192" name="think-cell Slide" r:id="rId8" imgW="0" imgH="0" progId="">
-                  <p:embed/>
-                </p:oleObj>
-              </mc:Choice>
-              <mc:Fallback>
-                <p:oleObj name="think-cell Slide" r:id="rId8" imgW="0" imgH="0" progId="">
-                  <p:embed/>
-                  <p:pic>
-                    <p:nvPicPr>
-                      <p:cNvPr id="0" name="AutoShape 144"/>
-                      <p:cNvPicPr>
-                        <a:picLocks noChangeAspect="1" noChangeArrowheads="1"/>
-                      </p:cNvPicPr>
-                      <p:nvPr/>
-                    </p:nvPicPr>
-                    <p:blipFill>
-                      <a:blip>
-                        <a:extLst>
-                          <a:ext uri="{28A0092B-C50C-407E-A947-70E740481C1C}">
-                            <a14:useLocalDpi xmlns:a14="http://schemas.microsoft.com/office/drawing/2010/main" val="0"/>
-                          </a:ext>
-                        </a:extLst>
-                      </a:blip>
-                      <a:srcRect/>
-                      <a:stretch>
-                        <a:fillRect/>
-                      </a:stretch>
-                    </p:blipFill>
-                    <p:spPr bwMode="auto">
-                      <a:xfrm>
-                        <a:off x="0" y="0"/>
-                        <a:ext cx="208410" cy="225778"/>
-                      </a:xfrm>
-                      <a:prstGeom prst="rect">
-                        <a:avLst/>
-                      </a:prstGeom>
-                      <a:noFill/>
-                      <a:extLst>
-                        <a:ext uri="{909E8E84-426E-40DD-AFC4-6F175D3DCCD1}">
-                          <a14:hiddenFill xmlns:a14="http://schemas.microsoft.com/office/drawing/2010/main">
-                            <a:solidFill>
-                              <a:srgbClr val="FFFFFF"/>
-                            </a:solidFill>
-                          </a14:hiddenFill>
-                        </a:ext>
-                      </a:extLst>
-                    </p:spPr>
-                  </p:pic>
-                </p:oleObj>
-              </mc:Fallback>
-            </mc:AlternateContent>
+            <p:oleObj spid="_x0000_s1192" name="think-cell Slide" r:id="rId6" imgW="0" imgH="0" progId="">
+              <p:embed/>
+            </p:oleObj>
           </a:graphicData>
         </a:graphic>
       </p:graphicFrame>
@@ -3841,7 +3679,7 @@
           </p:cNvSpPr>
           <p:nvPr>
             <p:custDataLst>
-              <p:tags r:id="rId3"/>
+              <p:tags r:id="rId2"/>
             </p:custDataLst>
           </p:nvPr>
         </p:nvSpPr>
@@ -3904,7 +3742,7 @@
           </p:cNvSpPr>
           <p:nvPr>
             <p:custDataLst>
-              <p:tags r:id="rId4"/>
+              <p:tags r:id="rId3"/>
             </p:custDataLst>
           </p:nvPr>
         </p:nvSpPr>
@@ -3948,11 +3786,7 @@
           <p:cNvGraphicFramePr>
             <a:graphicFrameLocks noChangeAspect="1"/>
           </p:cNvGraphicFramePr>
-          <p:nvPr>
-            <p:custDataLst>
-              <p:tags r:id="rId5"/>
-            </p:custDataLst>
-          </p:nvPr>
+          <p:nvPr/>
         </p:nvGraphicFramePr>
         <p:xfrm>
           <a:off x="0" y="0"/>
@@ -3960,59 +3794,9 @@
         </p:xfrm>
         <a:graphic>
           <a:graphicData uri="http://schemas.openxmlformats.org/presentationml/2006/ole">
-            <mc:AlternateContent xmlns:mc="http://schemas.openxmlformats.org/markup-compatibility/2006">
-              <mc:Choice xmlns:v="urn:schemas-microsoft-com:vml" Requires="v">
-                <p:oleObj spid="_x0000_s1193" r:id="rId9" imgW="0" imgH="0" progId="">
-                  <p:embed/>
-                </p:oleObj>
-              </mc:Choice>
-              <mc:Fallback>
-                <p:oleObj r:id="rId9" imgW="0" imgH="0" progId="">
-                  <p:embed/>
-                  <p:pic>
-                    <p:nvPicPr>
-                      <p:cNvPr id="0" name="AutoShape 145"/>
-                      <p:cNvPicPr>
-                        <a:picLocks noChangeAspect="1" noChangeArrowheads="1"/>
-                      </p:cNvPicPr>
-                      <p:nvPr/>
-                    </p:nvPicPr>
-                    <p:blipFill>
-                      <a:blip>
-                        <a:extLst>
-                          <a:ext uri="{28A0092B-C50C-407E-A947-70E740481C1C}">
-                            <a14:useLocalDpi xmlns:a14="http://schemas.microsoft.com/office/drawing/2010/main" val="0"/>
-                          </a:ext>
-                        </a:extLst>
-                      </a:blip>
-                      <a:srcRect/>
-                      <a:stretch>
-                        <a:fillRect/>
-                      </a:stretch>
-                    </p:blipFill>
-                    <p:spPr bwMode="auto">
-                      <a:xfrm>
-                        <a:off x="0" y="0"/>
-                        <a:ext cx="208410" cy="225778"/>
-                      </a:xfrm>
-                      <a:prstGeom prst="rect">
-                        <a:avLst/>
-                      </a:prstGeom>
-                      <a:noFill/>
-                      <a:extLst>
-                        <a:ext uri="{909E8E84-426E-40DD-AFC4-6F175D3DCCD1}">
-                          <a14:hiddenFill xmlns:a14="http://schemas.microsoft.com/office/drawing/2010/main">
-                            <a:solidFill>
-                              <a:srgbClr val="FFFFFF"/>
-                            </a:solidFill>
-                          </a14:hiddenFill>
-                        </a:ext>
-                      </a:extLst>
-                    </p:spPr>
-                  </p:pic>
-                </p:oleObj>
-              </mc:Fallback>
-            </mc:AlternateContent>
+            <p:oleObj spid="_x0000_s1193" r:id="rId7" imgW="0" imgH="0" progId="">
+              <p:embed/>
+            </p:oleObj>
           </a:graphicData>
         </a:graphic>
       </p:graphicFrame>
@@ -4203,10 +3987,10 @@
           <p:nvPr userDrawn="1"/>
         </p:nvPicPr>
         <p:blipFill>
-          <a:blip r:embed="rId10" cstate="print">
+          <a:blip r:embed="rId8" cstate="print">
             <a:extLst>
               <a:ext uri="{28A0092B-C50C-407E-A947-70E740481C1C}">
-                <a14:useLocalDpi xmlns:a14="http://schemas.microsoft.com/office/drawing/2010/main" val="0"/>
+                <a14:useLocalDpi xmlns:a14="http://schemas.microsoft.com/office/drawing/2010/main" xmlns="" val="0"/>
               </a:ext>
             </a:extLst>
           </a:blip>
@@ -4226,7 +4010,7 @@
           <a:noFill/>
           <a:extLst>
             <a:ext uri="{909E8E84-426E-40DD-AFC4-6F175D3DCCD1}">
-              <a14:hiddenFill xmlns:a14="http://schemas.microsoft.com/office/drawing/2010/main">
+              <a14:hiddenFill xmlns:a14="http://schemas.microsoft.com/office/drawing/2010/main" xmlns="">
                 <a:solidFill>
                   <a:srgbClr val="FFFFFF"/>
                 </a:solidFill>
@@ -4238,7 +4022,7 @@
     </p:spTree>
     <p:extLst>
       <p:ext uri="{BB962C8B-B14F-4D97-AF65-F5344CB8AC3E}">
-        <p14:creationId xmlns:p14="http://schemas.microsoft.com/office/powerpoint/2010/main" val="4173704845"/>
+        <p14:creationId xmlns:p14="http://schemas.microsoft.com/office/powerpoint/2010/main" xmlns="" val="4173704845"/>
       </p:ext>
     </p:extLst>
   </p:cSld>
@@ -4296,7 +4080,7 @@
           </a:ln>
           <a:extLst>
             <a:ext uri="{C572A759-6A51-4108-AA02-DFA0A04FC94B}">
-              <ma14:wrappingTextBoxFlag xmlns="" xmlns:ma14="http://schemas.microsoft.com/office/mac/drawingml/2011/main" val="1"/>
+              <ma14:wrappingTextBoxFlag xmlns:ma14="http://schemas.microsoft.com/office/mac/drawingml/2011/main" xmlns="" val="1"/>
             </a:ext>
           </a:extLst>
         </p:spPr>
@@ -4335,7 +4119,7 @@
           </a:ln>
           <a:extLst>
             <a:ext uri="{C572A759-6A51-4108-AA02-DFA0A04FC94B}">
-              <ma14:wrappingTextBoxFlag xmlns="" xmlns:ma14="http://schemas.microsoft.com/office/mac/drawingml/2011/main" val="1"/>
+              <ma14:wrappingTextBoxFlag xmlns:ma14="http://schemas.microsoft.com/office/mac/drawingml/2011/main" xmlns="" val="1"/>
             </a:ext>
           </a:extLst>
         </p:spPr>
@@ -5474,7 +5258,7 @@
           <a:blip r:embed="rId9" cstate="print">
             <a:extLst>
               <a:ext uri="{28A0092B-C50C-407E-A947-70E740481C1C}">
-                <a14:useLocalDpi xmlns:a14="http://schemas.microsoft.com/office/drawing/2010/main" val="0"/>
+                <a14:useLocalDpi xmlns:a14="http://schemas.microsoft.com/office/drawing/2010/main" xmlns="" val="0"/>
               </a:ext>
             </a:extLst>
           </a:blip>
@@ -5494,7 +5278,7 @@
           <a:noFill/>
           <a:extLst>
             <a:ext uri="{909E8E84-426E-40DD-AFC4-6F175D3DCCD1}">
-              <a14:hiddenFill xmlns:a14="http://schemas.microsoft.com/office/drawing/2010/main">
+              <a14:hiddenFill xmlns:a14="http://schemas.microsoft.com/office/drawing/2010/main" xmlns="">
                 <a:solidFill>
                   <a:srgbClr val="FFFFFF"/>
                 </a:solidFill>
@@ -5506,7 +5290,7 @@
     </p:spTree>
     <p:extLst>
       <p:ext uri="{BB962C8B-B14F-4D97-AF65-F5344CB8AC3E}">
-        <p14:creationId xmlns:p14="http://schemas.microsoft.com/office/powerpoint/2010/main" val="344449526"/>
+        <p14:creationId xmlns:p14="http://schemas.microsoft.com/office/powerpoint/2010/main" xmlns="" val="344449526"/>
       </p:ext>
     </p:extLst>
   </p:cSld>
@@ -6046,14 +5830,14 @@
           </a:ln>
           <a:extLst>
             <a:ext uri="{909E8E84-426E-40DD-AFC4-6F175D3DCCD1}">
-              <a14:hiddenFill xmlns:a14="http://schemas.microsoft.com/office/drawing/2010/main">
+              <a14:hiddenFill xmlns:a14="http://schemas.microsoft.com/office/drawing/2010/main" xmlns="">
                 <a:solidFill>
                   <a:srgbClr val="FFFFFF"/>
                 </a:solidFill>
               </a14:hiddenFill>
             </a:ext>
             <a:ext uri="{91240B29-F687-4F45-9708-019B960494DF}">
-              <a14:hiddenLine xmlns:a14="http://schemas.microsoft.com/office/drawing/2010/main" w="9525">
+              <a14:hiddenLine xmlns:a14="http://schemas.microsoft.com/office/drawing/2010/main" xmlns="" w="9525">
                 <a:solidFill>
                   <a:srgbClr val="000000"/>
                 </a:solidFill>
@@ -6293,7 +6077,7 @@
     </p:custDataLst>
     <p:extLst>
       <p:ext uri="{BB962C8B-B14F-4D97-AF65-F5344CB8AC3E}">
-        <p14:creationId xmlns:p14="http://schemas.microsoft.com/office/powerpoint/2010/main" val="3643795278"/>
+        <p14:creationId xmlns:p14="http://schemas.microsoft.com/office/powerpoint/2010/main" xmlns="" val="3643795278"/>
       </p:ext>
     </p:extLst>
   </p:cSld>
@@ -6576,7 +6360,7 @@
     </p:spTree>
     <p:extLst>
       <p:ext uri="{BB962C8B-B14F-4D97-AF65-F5344CB8AC3E}">
-        <p14:creationId xmlns:p14="http://schemas.microsoft.com/office/powerpoint/2010/main" val="3067653696"/>
+        <p14:creationId xmlns:p14="http://schemas.microsoft.com/office/powerpoint/2010/main" xmlns="" val="3067653696"/>
       </p:ext>
     </p:extLst>
   </p:cSld>
@@ -6853,7 +6637,7 @@
     </p:spTree>
     <p:extLst>
       <p:ext uri="{BB962C8B-B14F-4D97-AF65-F5344CB8AC3E}">
-        <p14:creationId xmlns:p14="http://schemas.microsoft.com/office/powerpoint/2010/main" val="457675403"/>
+        <p14:creationId xmlns:p14="http://schemas.microsoft.com/office/powerpoint/2010/main" xmlns="" val="457675403"/>
       </p:ext>
     </p:extLst>
   </p:cSld>
@@ -6918,7 +6702,7 @@
     </p:spTree>
     <p:extLst>
       <p:ext uri="{BB962C8B-B14F-4D97-AF65-F5344CB8AC3E}">
-        <p14:creationId xmlns:p14="http://schemas.microsoft.com/office/powerpoint/2010/main" val="2085222240"/>
+        <p14:creationId xmlns:p14="http://schemas.microsoft.com/office/powerpoint/2010/main" xmlns="" val="2085222240"/>
       </p:ext>
     </p:extLst>
   </p:cSld>
@@ -7125,7 +6909,7 @@
     </p:spTree>
     <p:extLst>
       <p:ext uri="{BB962C8B-B14F-4D97-AF65-F5344CB8AC3E}">
-        <p14:creationId xmlns:p14="http://schemas.microsoft.com/office/powerpoint/2010/main" val="1106279166"/>
+        <p14:creationId xmlns:p14="http://schemas.microsoft.com/office/powerpoint/2010/main" xmlns="" val="1106279166"/>
       </p:ext>
     </p:extLst>
   </p:cSld>
@@ -7359,7 +7143,7 @@
     </p:spTree>
     <p:extLst>
       <p:ext uri="{BB962C8B-B14F-4D97-AF65-F5344CB8AC3E}">
-        <p14:creationId xmlns:p14="http://schemas.microsoft.com/office/powerpoint/2010/main" val="3832689773"/>
+        <p14:creationId xmlns:p14="http://schemas.microsoft.com/office/powerpoint/2010/main" xmlns="" val="3832689773"/>
       </p:ext>
     </p:extLst>
   </p:cSld>
@@ -7512,23 +7296,62 @@
             </a:r>
             <a:r>
               <a:rPr lang="en-US" altLang="zh-CN" sz="3200" dirty="0" smtClean="0"/>
-              <a:t>——</a:t>
+              <a:t>——viewport</a:t>
+            </a:r>
+          </a:p>
+          <a:p>
+            <a:pPr algn="l"/>
+            <a:r>
+              <a:rPr lang="en-US" altLang="zh-CN" sz="3200" dirty="0" smtClean="0"/>
+              <a:t>3.</a:t>
+            </a:r>
+            <a:r>
+              <a:rPr lang="zh-CN" altLang="en-US" sz="3200" dirty="0" smtClean="0"/>
+              <a:t>二者之间的关系</a:t>
+            </a:r>
+            <a:endParaRPr lang="en-US" altLang="zh-CN" sz="3200" dirty="0" smtClean="0"/>
+          </a:p>
+          <a:p>
+            <a:pPr algn="l"/>
+            <a:r>
+              <a:rPr lang="en-US" altLang="zh-CN" sz="3200" dirty="0" smtClean="0"/>
+              <a:t>	</a:t>
+            </a:r>
+            <a:r>
+              <a:rPr lang="zh-CN" altLang="en-US" sz="3200" dirty="0" smtClean="0"/>
+              <a:t>（</a:t>
+            </a:r>
+            <a:r>
+              <a:rPr lang="en-US" altLang="zh-CN" sz="3200" dirty="0" smtClean="0"/>
+              <a:t>1</a:t>
+            </a:r>
+            <a:r>
+              <a:rPr lang="zh-CN" altLang="en-US" sz="3200" dirty="0" smtClean="0"/>
+              <a:t>）</a:t>
             </a:r>
             <a:r>
               <a:rPr lang="en-US" altLang="zh-CN" sz="3200" dirty="0" smtClean="0"/>
               <a:t>viewport</a:t>
             </a:r>
-            <a:endParaRPr lang="en-US" altLang="zh-CN" sz="3200" dirty="0" smtClean="0"/>
-          </a:p>
-          <a:p>
-            <a:pPr algn="l"/>
-            <a:r>
-              <a:rPr lang="en-US" altLang="zh-CN" sz="3200" dirty="0" smtClean="0"/>
-              <a:t>3.</a:t>
-            </a:r>
             <a:r>
               <a:rPr lang="zh-CN" altLang="en-US" sz="3200" dirty="0" smtClean="0"/>
-              <a:t>二者之间的关系</a:t>
+              <a:t>代理浏览器窗口，桥接物</a:t>
+            </a:r>
+            <a:r>
+              <a:rPr lang="zh-CN" altLang="en-US" sz="3200" dirty="0" smtClean="0"/>
+              <a:t>理</a:t>
+            </a:r>
+            <a:r>
+              <a:rPr lang="zh-CN" altLang="en-US" sz="3200" dirty="0" smtClean="0"/>
+              <a:t>像</a:t>
+            </a:r>
+            <a:r>
+              <a:rPr lang="zh-CN" altLang="en-US" sz="3200" dirty="0" smtClean="0"/>
+              <a:t>素，并永远</a:t>
+            </a:r>
+            <a:r>
+              <a:rPr lang="zh-CN" altLang="en-US" sz="3200" dirty="0" smtClean="0"/>
+              <a:t>依附于物理像素</a:t>
             </a:r>
             <a:endParaRPr lang="en-US" altLang="zh-CN" sz="3200" dirty="0" smtClean="0"/>
           </a:p>
@@ -7544,7 +7367,7 @@
             </a:r>
             <a:r>
               <a:rPr lang="en-US" altLang="zh-CN" sz="3200" dirty="0" smtClean="0"/>
-              <a:t>1</a:t>
+              <a:t>2</a:t>
             </a:r>
             <a:r>
               <a:rPr lang="zh-CN" altLang="en-US" sz="3200" dirty="0" smtClean="0"/>
@@ -7552,15 +7375,39 @@
             </a:r>
             <a:r>
               <a:rPr lang="en-US" altLang="zh-CN" sz="3200" dirty="0" smtClean="0"/>
+              <a:t>html</a:t>
+            </a:r>
+            <a:r>
+              <a:rPr lang="zh-CN" altLang="en-US" sz="3200" dirty="0" smtClean="0"/>
+              <a:t>的</a:t>
+            </a:r>
+            <a:r>
+              <a:rPr lang="en-US" altLang="zh-CN" sz="3200" dirty="0" err="1" smtClean="0"/>
+              <a:t>css</a:t>
+            </a:r>
+            <a:r>
+              <a:rPr lang="zh-CN" altLang="en-US" sz="3200" dirty="0" smtClean="0"/>
+              <a:t>属性是以</a:t>
+            </a:r>
+            <a:r>
+              <a:rPr lang="en-US" altLang="zh-CN" sz="3200" dirty="0" smtClean="0"/>
               <a:t>viewport</a:t>
             </a:r>
             <a:r>
               <a:rPr lang="zh-CN" altLang="en-US" sz="3200" dirty="0" smtClean="0"/>
-              <a:t>代理浏览器</a:t>
+              <a:t>为基准（如</a:t>
+            </a:r>
+            <a:r>
+              <a:rPr lang="en-US" altLang="zh-CN" sz="3200" dirty="0"/>
+              <a:t>8</a:t>
+            </a:r>
+            <a:r>
+              <a:rPr lang="en-US" altLang="zh-CN" sz="3200" dirty="0" smtClean="0"/>
+              <a:t>0%</a:t>
             </a:r>
             <a:r>
               <a:rPr lang="zh-CN" altLang="en-US" sz="3200" dirty="0" smtClean="0"/>
-              <a:t>窗口，桥接物理像素（页面初始化即固定）</a:t>
+              <a:t>）</a:t>
             </a:r>
             <a:endParaRPr lang="en-US" altLang="zh-CN" sz="3200" dirty="0" smtClean="0"/>
           </a:p>
@@ -7576,75 +7423,11 @@
             </a:r>
             <a:r>
               <a:rPr lang="en-US" altLang="zh-CN" sz="3200" dirty="0" smtClean="0"/>
-              <a:t>2</a:t>
+              <a:t>3</a:t>
             </a:r>
             <a:r>
               <a:rPr lang="zh-CN" altLang="en-US" sz="3200" dirty="0" smtClean="0"/>
-              <a:t>）</a:t>
-            </a:r>
-            <a:r>
-              <a:rPr lang="en-US" altLang="zh-CN" sz="3200" dirty="0" smtClean="0"/>
-              <a:t>html</a:t>
-            </a:r>
-            <a:r>
-              <a:rPr lang="zh-CN" altLang="en-US" sz="3200" dirty="0" smtClean="0"/>
-              <a:t>的</a:t>
-            </a:r>
-            <a:r>
-              <a:rPr lang="en-US" altLang="zh-CN" sz="3200" dirty="0" err="1" smtClean="0"/>
-              <a:t>css</a:t>
-            </a:r>
-            <a:r>
-              <a:rPr lang="zh-CN" altLang="en-US" sz="3200" dirty="0" smtClean="0"/>
-              <a:t>属性是以</a:t>
-            </a:r>
-            <a:r>
-              <a:rPr lang="en-US" altLang="zh-CN" sz="3200" dirty="0" smtClean="0"/>
-              <a:t>viewport</a:t>
-            </a:r>
-            <a:r>
-              <a:rPr lang="zh-CN" altLang="en-US" sz="3200" dirty="0" smtClean="0"/>
-              <a:t>为</a:t>
-            </a:r>
-            <a:r>
-              <a:rPr lang="zh-CN" altLang="en-US" sz="3200" dirty="0" smtClean="0"/>
-              <a:t>基准（如</a:t>
-            </a:r>
-            <a:r>
-              <a:rPr lang="en-US" altLang="zh-CN" sz="3200" dirty="0"/>
-              <a:t>8</a:t>
-            </a:r>
-            <a:r>
-              <a:rPr lang="en-US" altLang="zh-CN" sz="3200" dirty="0" smtClean="0"/>
-              <a:t>0%</a:t>
-            </a:r>
-            <a:r>
-              <a:rPr lang="zh-CN" altLang="en-US" sz="3200" dirty="0" smtClean="0"/>
-              <a:t>）</a:t>
-            </a:r>
-            <a:endParaRPr lang="en-US" altLang="zh-CN" sz="3200" dirty="0" smtClean="0"/>
-          </a:p>
-          <a:p>
-            <a:pPr algn="l"/>
-            <a:r>
-              <a:rPr lang="en-US" altLang="zh-CN" sz="3200" dirty="0" smtClean="0"/>
-              <a:t>	</a:t>
-            </a:r>
-            <a:r>
-              <a:rPr lang="zh-CN" altLang="en-US" sz="3200" dirty="0" smtClean="0"/>
-              <a:t>（</a:t>
-            </a:r>
-            <a:r>
-              <a:rPr lang="en-US" altLang="zh-CN" sz="3200" dirty="0" smtClean="0"/>
-              <a:t>3</a:t>
-            </a:r>
-            <a:r>
-              <a:rPr lang="zh-CN" altLang="en-US" sz="3200" dirty="0" smtClean="0"/>
-              <a:t>）映射在同一个对象上造成的</a:t>
-            </a:r>
-            <a:r>
-              <a:rPr lang="zh-CN" altLang="en-US" sz="3200" dirty="0" smtClean="0"/>
-              <a:t>困扰（度量与事件）</a:t>
+              <a:t>）映射在同一个对象上造成的困扰（度量与事件）</a:t>
             </a:r>
             <a:endParaRPr lang="en-US" altLang="zh-CN" sz="3200" dirty="0" smtClean="0"/>
           </a:p>
@@ -7741,7 +7524,7 @@
     </p:spTree>
     <p:extLst>
       <p:ext uri="{BB962C8B-B14F-4D97-AF65-F5344CB8AC3E}">
-        <p14:creationId xmlns:p14="http://schemas.microsoft.com/office/powerpoint/2010/main" val="2332996957"/>
+        <p14:creationId xmlns:p14="http://schemas.microsoft.com/office/powerpoint/2010/main" xmlns="" val="2332996957"/>
       </p:ext>
     </p:extLst>
   </p:cSld>
@@ -7944,7 +7727,7 @@
     </p:spTree>
     <p:extLst>
       <p:ext uri="{BB962C8B-B14F-4D97-AF65-F5344CB8AC3E}">
-        <p14:creationId xmlns:p14="http://schemas.microsoft.com/office/powerpoint/2010/main" val="1002833389"/>
+        <p14:creationId xmlns:p14="http://schemas.microsoft.com/office/powerpoint/2010/main" xmlns="" val="1002833389"/>
       </p:ext>
     </p:extLst>
   </p:cSld>
@@ -8217,7 +8000,7 @@
     </p:spTree>
     <p:extLst>
       <p:ext uri="{BB962C8B-B14F-4D97-AF65-F5344CB8AC3E}">
-        <p14:creationId xmlns:p14="http://schemas.microsoft.com/office/powerpoint/2010/main" val="1002833389"/>
+        <p14:creationId xmlns:p14="http://schemas.microsoft.com/office/powerpoint/2010/main" xmlns="" val="1002833389"/>
       </p:ext>
     </p:extLst>
   </p:cSld>
@@ -8549,7 +8332,7 @@
     </p:spTree>
     <p:extLst>
       <p:ext uri="{BB962C8B-B14F-4D97-AF65-F5344CB8AC3E}">
-        <p14:creationId xmlns:p14="http://schemas.microsoft.com/office/powerpoint/2010/main" val="1002833389"/>
+        <p14:creationId xmlns:p14="http://schemas.microsoft.com/office/powerpoint/2010/main" xmlns="" val="1002833389"/>
       </p:ext>
     </p:extLst>
   </p:cSld>
@@ -8668,64 +8451,73 @@
           </a:bodyPr>
           <a:lstStyle/>
           <a:p>
-            <a:pPr marL="742950" indent="-742950" algn="l">
-              <a:buAutoNum type="arabicPeriod"/>
-            </a:pPr>
+            <a:pPr marL="742950" indent="-742950" algn="l"/>
+            <a:r>
+              <a:rPr lang="en-US" altLang="zh-CN" sz="4000" dirty="0" smtClean="0"/>
+              <a:t>1.</a:t>
+            </a:r>
             <a:r>
               <a:rPr lang="en-US" altLang="zh-CN" sz="4000" dirty="0" smtClean="0"/>
               <a:t>320</a:t>
             </a:r>
             <a:r>
               <a:rPr lang="zh-CN" altLang="en-US" sz="4000" dirty="0" smtClean="0"/>
-              <a:t>的掣肘</a:t>
-            </a:r>
-            <a:endParaRPr lang="en-US" altLang="zh-CN" sz="4000" dirty="0" smtClean="0"/>
-          </a:p>
-          <a:p>
-            <a:pPr lvl="2" indent="0" algn="l"/>
-            <a:r>
-              <a:rPr lang="en-US" altLang="zh-CN" sz="4000" dirty="0"/>
-              <a:t>	</a:t>
+              <a:t>的掣</a:t>
             </a:r>
             <a:r>
               <a:rPr lang="zh-CN" altLang="en-US" sz="4000" dirty="0" smtClean="0"/>
-              <a:t>（</a:t>
+              <a:t>肘</a:t>
             </a:r>
             <a:r>
               <a:rPr lang="en-US" altLang="zh-CN" sz="4000" dirty="0" smtClean="0"/>
-              <a:t>1</a:t>
+              <a:t>——</a:t>
             </a:r>
             <a:r>
               <a:rPr lang="zh-CN" altLang="en-US" sz="4000" dirty="0" smtClean="0"/>
-              <a:t>）各家浏览器屏幕像素不一</a:t>
-            </a:r>
-            <a:endParaRPr lang="en-US" altLang="zh-CN" sz="4000" dirty="0" smtClean="0"/>
-          </a:p>
-          <a:p>
-            <a:pPr lvl="2" indent="0" algn="l"/>
-            <a:r>
-              <a:rPr lang="en-US" altLang="zh-CN" sz="4000" dirty="0"/>
-              <a:t>	</a:t>
+              <a:t>各</a:t>
             </a:r>
             <a:r>
               <a:rPr lang="zh-CN" altLang="en-US" sz="4000" dirty="0" smtClean="0"/>
-              <a:t>（</a:t>
+              <a:t>家浏览器屏幕像素不</a:t>
+            </a:r>
+            <a:r>
+              <a:rPr lang="zh-CN" altLang="en-US" sz="4000" dirty="0" smtClean="0"/>
+              <a:t>一，设备屏幕像素发展不可能限制在</a:t>
             </a:r>
             <a:r>
               <a:rPr lang="en-US" altLang="zh-CN" sz="4000" dirty="0" smtClean="0"/>
-              <a:t>2</a:t>
-            </a:r>
-            <a:r>
-              <a:rPr lang="zh-CN" altLang="en-US" sz="4000" dirty="0" smtClean="0"/>
-              <a:t>）高分屏出现</a:t>
-            </a:r>
-            <a:endParaRPr lang="en-US" altLang="zh-CN" sz="4000" dirty="0" smtClean="0"/>
+              <a:t>320</a:t>
+            </a:r>
           </a:p>
           <a:p>
             <a:pPr lvl="2" indent="0" algn="l"/>
             <a:r>
               <a:rPr lang="en-US" altLang="zh-CN" sz="4000" dirty="0" smtClean="0"/>
               <a:t>2.</a:t>
+            </a:r>
+            <a:r>
+              <a:rPr lang="zh-CN" altLang="en-US" sz="4000" dirty="0" smtClean="0"/>
+              <a:t>解决方案出现了</a:t>
+            </a:r>
+            <a:r>
+              <a:rPr lang="en-US" altLang="zh-CN" sz="4000" dirty="0" smtClean="0"/>
+              <a:t>——</a:t>
+            </a:r>
+            <a:r>
+              <a:rPr lang="en-US" altLang="zh-CN" sz="4000" dirty="0" err="1" smtClean="0"/>
+              <a:t>rem</a:t>
+            </a:r>
+            <a:endParaRPr lang="en-US" altLang="zh-CN" sz="4000" dirty="0" smtClean="0"/>
+          </a:p>
+          <a:p>
+            <a:pPr lvl="2" indent="0" algn="l"/>
+            <a:r>
+              <a:rPr lang="en-US" altLang="zh-CN" sz="4000" dirty="0" smtClean="0"/>
+              <a:t>3</a:t>
+            </a:r>
+            <a:r>
+              <a:rPr lang="en-US" altLang="zh-CN" sz="4000" dirty="0" smtClean="0"/>
+              <a:t>.</a:t>
             </a:r>
             <a:r>
               <a:rPr lang="zh-CN" altLang="en-US" sz="4000" dirty="0" smtClean="0"/>
@@ -8824,7 +8616,7 @@
     </p:spTree>
     <p:extLst>
       <p:ext uri="{BB962C8B-B14F-4D97-AF65-F5344CB8AC3E}">
-        <p14:creationId xmlns:p14="http://schemas.microsoft.com/office/powerpoint/2010/main" val="1002833389"/>
+        <p14:creationId xmlns:p14="http://schemas.microsoft.com/office/powerpoint/2010/main" xmlns="" val="1002833389"/>
       </p:ext>
     </p:extLst>
   </p:cSld>
@@ -9069,7 +8861,7 @@
     </p:spTree>
     <p:extLst>
       <p:ext uri="{BB962C8B-B14F-4D97-AF65-F5344CB8AC3E}">
-        <p14:creationId xmlns:p14="http://schemas.microsoft.com/office/powerpoint/2010/main" val="3951628596"/>
+        <p14:creationId xmlns:p14="http://schemas.microsoft.com/office/powerpoint/2010/main" xmlns="" val="3951628596"/>
       </p:ext>
     </p:extLst>
   </p:cSld>
@@ -9088,53 +8880,29 @@
 
 <file path=ppt/tags/tag1.xml><?xml version="1.0" encoding="utf-8"?>
 <p:tagLst xmlns:a="http://schemas.openxmlformats.org/drawingml/2006/main" xmlns:r="http://schemas.openxmlformats.org/officeDocument/2006/relationships" xmlns:p="http://schemas.openxmlformats.org/presentationml/2006/main">
-  <p:tag name="THINKCELLSHAPEDONOTDELETE" val="thinkcellActiveDocDoNotDelete"/>
+  <p:tag name="THINKCELLSHAPEDONOTDELETE" val="ppgHlKQhu8kq4JnUQtbedXg"/>
 </p:tagLst>
 </file>
 
 <file path=ppt/tags/tag2.xml><?xml version="1.0" encoding="utf-8"?>
 <p:tagLst xmlns:a="http://schemas.openxmlformats.org/drawingml/2006/main" xmlns:r="http://schemas.openxmlformats.org/officeDocument/2006/relationships" xmlns:p="http://schemas.openxmlformats.org/presentationml/2006/main">
-  <p:tag name="THINKCELLSHAPEDONOTDELETE" val="ppgHlKQhu8kq4JnUQtbedXg"/>
+  <p:tag name="THINKCELLSHAPEDONOTDELETE" val="p.pXiFu2Mhk2IoSGcOPcHDA"/>
 </p:tagLst>
 </file>
 
 <file path=ppt/tags/tag3.xml><?xml version="1.0" encoding="utf-8"?>
 <p:tagLst xmlns:a="http://schemas.openxmlformats.org/drawingml/2006/main" xmlns:r="http://schemas.openxmlformats.org/officeDocument/2006/relationships" xmlns:p="http://schemas.openxmlformats.org/presentationml/2006/main">
-  <p:tag name="THINKCELLSHAPEDONOTDELETE" val="p.pXiFu2Mhk2IoSGcOPcHDA"/>
+  <p:tag name="THINKCELLSHAPEDONOTDELETE" val="ppgHlKQhu8kq4JnUQtbedXg"/>
 </p:tagLst>
 </file>
 
 <file path=ppt/tags/tag4.xml><?xml version="1.0" encoding="utf-8"?>
 <p:tagLst xmlns:a="http://schemas.openxmlformats.org/drawingml/2006/main" xmlns:r="http://schemas.openxmlformats.org/officeDocument/2006/relationships" xmlns:p="http://schemas.openxmlformats.org/presentationml/2006/main">
-  <p:tag name="THINKCELLSHAPEDONOTDELETE" val="thinkcellActiveDocDoNotDelete"/>
+  <p:tag name="THINKCELLSHAPEDONOTDELETE" val="p.pXiFu2Mhk2IoSGcOPcHDA"/>
 </p:tagLst>
 </file>
 
 <file path=ppt/tags/tag5.xml><?xml version="1.0" encoding="utf-8"?>
-<p:tagLst xmlns:a="http://schemas.openxmlformats.org/drawingml/2006/main" xmlns:r="http://schemas.openxmlformats.org/officeDocument/2006/relationships" xmlns:p="http://schemas.openxmlformats.org/presentationml/2006/main">
-  <p:tag name="THINKCELLSHAPEDONOTDELETE" val="thinkcellActiveDocDoNotDelete"/>
-</p:tagLst>
-</file>
-
-<file path=ppt/tags/tag6.xml><?xml version="1.0" encoding="utf-8"?>
-<p:tagLst xmlns:a="http://schemas.openxmlformats.org/drawingml/2006/main" xmlns:r="http://schemas.openxmlformats.org/officeDocument/2006/relationships" xmlns:p="http://schemas.openxmlformats.org/presentationml/2006/main">
-  <p:tag name="THINKCELLSHAPEDONOTDELETE" val="ppgHlKQhu8kq4JnUQtbedXg"/>
-</p:tagLst>
-</file>
-
-<file path=ppt/tags/tag7.xml><?xml version="1.0" encoding="utf-8"?>
-<p:tagLst xmlns:a="http://schemas.openxmlformats.org/drawingml/2006/main" xmlns:r="http://schemas.openxmlformats.org/officeDocument/2006/relationships" xmlns:p="http://schemas.openxmlformats.org/presentationml/2006/main">
-  <p:tag name="THINKCELLSHAPEDONOTDELETE" val="p.pXiFu2Mhk2IoSGcOPcHDA"/>
-</p:tagLst>
-</file>
-
-<file path=ppt/tags/tag8.xml><?xml version="1.0" encoding="utf-8"?>
-<p:tagLst xmlns:a="http://schemas.openxmlformats.org/drawingml/2006/main" xmlns:r="http://schemas.openxmlformats.org/officeDocument/2006/relationships" xmlns:p="http://schemas.openxmlformats.org/presentationml/2006/main">
-  <p:tag name="THINKCELLSHAPEDONOTDELETE" val="thinkcellActiveDocDoNotDelete"/>
-</p:tagLst>
-</file>
-
-<file path=ppt/tags/tag9.xml><?xml version="1.0" encoding="utf-8"?>
 <p:tagLst xmlns:a="http://schemas.openxmlformats.org/drawingml/2006/main" xmlns:r="http://schemas.openxmlformats.org/officeDocument/2006/relationships" xmlns:p="http://schemas.openxmlformats.org/presentationml/2006/main">
   <p:tag name="KSO_WM_TEMPLATE_TOPIC_ID" val="2806177"/>
   <p:tag name="KSO_WM_TEMPLATE_OUTLINE_ID" val="15"/>
@@ -11163,7 +10931,7 @@
   </a:extraClrSchemeLst>
   <a:extLst>
     <a:ext uri="{05A4C25C-085E-4340-85A3-A5531E510DB2}">
-      <thm15:themeFamily xmlns:thm15="http://schemas.microsoft.com/office/thememl/2012/main" name="PAAS平台-技术交流.pptx" id="{216FF340-FE6A-4128-8316-EDBC1F0D4B95}" vid="{C97931BA-9053-482D-8F4A-EFE7791E08C7}"/>
+      <thm15:themeFamily xmlns:thm15="http://schemas.microsoft.com/office/thememl/2012/main" xmlns="" name="PAAS平台-技术交流.pptx" id="{216FF340-FE6A-4128-8316-EDBC1F0D4B95}" vid="{C97931BA-9053-482D-8F4A-EFE7791E08C7}"/>
     </a:ext>
   </a:extLst>
 </a:theme>

--- a/技术分享/跨平台屏幕适配原理.pptx
+++ b/技术分享/跨平台屏幕适配原理.pptx
@@ -324,7 +324,7 @@
   </p:defaultTextStyle>
   <p:extLst>
     <p:ext uri="{EFAFB233-063F-42B5-8137-9DF3F51BA10A}">
-      <p15:sldGuideLst xmlns:p15="http://schemas.microsoft.com/office/powerpoint/2012/main" xmlns="">
+      <p15:sldGuideLst xmlns:p15="http://schemas.microsoft.com/office/powerpoint/2012/main">
         <p15:guide id="1" orient="horz" pos="3072">
           <p15:clr>
             <a:srgbClr val="A4A3A4"/>
@@ -420,7 +420,7 @@
     </p:spTree>
     <p:extLst>
       <p:ext uri="{BB962C8B-B14F-4D97-AF65-F5344CB8AC3E}">
-        <p14:creationId xmlns:p14="http://schemas.microsoft.com/office/powerpoint/2010/main" xmlns="" val="277936240"/>
+        <p14:creationId xmlns:p14="http://schemas.microsoft.com/office/powerpoint/2010/main" val="277936240"/>
       </p:ext>
     </p:extLst>
   </p:cSld>
@@ -617,7 +617,7 @@
     </p:spTree>
     <p:extLst>
       <p:ext uri="{BB962C8B-B14F-4D97-AF65-F5344CB8AC3E}">
-        <p14:creationId xmlns:p14="http://schemas.microsoft.com/office/powerpoint/2010/main" xmlns="" val="4288124623"/>
+        <p14:creationId xmlns:p14="http://schemas.microsoft.com/office/powerpoint/2010/main" val="4288124623"/>
       </p:ext>
     </p:extLst>
   </p:cSld>
@@ -678,7 +678,7 @@
     </p:spTree>
     <p:extLst>
       <p:ext uri="{BB962C8B-B14F-4D97-AF65-F5344CB8AC3E}">
-        <p14:creationId xmlns:p14="http://schemas.microsoft.com/office/powerpoint/2010/main" xmlns="" val="163468324"/>
+        <p14:creationId xmlns:p14="http://schemas.microsoft.com/office/powerpoint/2010/main" val="163468324"/>
       </p:ext>
     </p:extLst>
   </p:cSld>
@@ -739,7 +739,7 @@
     </p:spTree>
     <p:extLst>
       <p:ext uri="{BB962C8B-B14F-4D97-AF65-F5344CB8AC3E}">
-        <p14:creationId xmlns:p14="http://schemas.microsoft.com/office/powerpoint/2010/main" xmlns="" val="2622602460"/>
+        <p14:creationId xmlns:p14="http://schemas.microsoft.com/office/powerpoint/2010/main" val="2622602460"/>
       </p:ext>
     </p:extLst>
   </p:cSld>
@@ -800,7 +800,7 @@
     </p:spTree>
     <p:extLst>
       <p:ext uri="{BB962C8B-B14F-4D97-AF65-F5344CB8AC3E}">
-        <p14:creationId xmlns:p14="http://schemas.microsoft.com/office/powerpoint/2010/main" xmlns="" val="2969063705"/>
+        <p14:creationId xmlns:p14="http://schemas.microsoft.com/office/powerpoint/2010/main" val="2969063705"/>
       </p:ext>
     </p:extLst>
   </p:cSld>
@@ -861,7 +861,7 @@
     </p:spTree>
     <p:extLst>
       <p:ext uri="{BB962C8B-B14F-4D97-AF65-F5344CB8AC3E}">
-        <p14:creationId xmlns:p14="http://schemas.microsoft.com/office/powerpoint/2010/main" xmlns="" val="4126790553"/>
+        <p14:creationId xmlns:p14="http://schemas.microsoft.com/office/powerpoint/2010/main" val="4126790553"/>
       </p:ext>
     </p:extLst>
   </p:cSld>
@@ -959,7 +959,7 @@
     </p:spTree>
     <p:extLst>
       <p:ext uri="{BB962C8B-B14F-4D97-AF65-F5344CB8AC3E}">
-        <p14:creationId xmlns:p14="http://schemas.microsoft.com/office/powerpoint/2010/main" xmlns="" val="30291408"/>
+        <p14:creationId xmlns:p14="http://schemas.microsoft.com/office/powerpoint/2010/main" val="30291408"/>
       </p:ext>
     </p:extLst>
   </p:cSld>
@@ -1327,7 +1327,7 @@
     </p:spTree>
     <p:extLst>
       <p:ext uri="{BB962C8B-B14F-4D97-AF65-F5344CB8AC3E}">
-        <p14:creationId xmlns:p14="http://schemas.microsoft.com/office/powerpoint/2010/main" xmlns="" val="3316485102"/>
+        <p14:creationId xmlns:p14="http://schemas.microsoft.com/office/powerpoint/2010/main" val="3316485102"/>
       </p:ext>
     </p:extLst>
   </p:cSld>
@@ -1475,7 +1475,7 @@
     </p:spTree>
     <p:extLst>
       <p:ext uri="{BB962C8B-B14F-4D97-AF65-F5344CB8AC3E}">
-        <p14:creationId xmlns:p14="http://schemas.microsoft.com/office/powerpoint/2010/main" xmlns="" val="3137951634"/>
+        <p14:creationId xmlns:p14="http://schemas.microsoft.com/office/powerpoint/2010/main" val="3137951634"/>
       </p:ext>
     </p:extLst>
   </p:cSld>
@@ -1637,7 +1637,7 @@
     </p:spTree>
     <p:extLst>
       <p:ext uri="{BB962C8B-B14F-4D97-AF65-F5344CB8AC3E}">
-        <p14:creationId xmlns:p14="http://schemas.microsoft.com/office/powerpoint/2010/main" xmlns="" val="1007209188"/>
+        <p14:creationId xmlns:p14="http://schemas.microsoft.com/office/powerpoint/2010/main" val="1007209188"/>
       </p:ext>
     </p:extLst>
   </p:cSld>
@@ -2032,7 +2032,7 @@
     </p:spTree>
     <p:extLst>
       <p:ext uri="{BB962C8B-B14F-4D97-AF65-F5344CB8AC3E}">
-        <p14:creationId xmlns:p14="http://schemas.microsoft.com/office/powerpoint/2010/main" xmlns="" val="2188742053"/>
+        <p14:creationId xmlns:p14="http://schemas.microsoft.com/office/powerpoint/2010/main" val="2188742053"/>
       </p:ext>
     </p:extLst>
   </p:cSld>
@@ -2124,7 +2124,7 @@
     </p:spTree>
     <p:extLst>
       <p:ext uri="{BB962C8B-B14F-4D97-AF65-F5344CB8AC3E}">
-        <p14:creationId xmlns:p14="http://schemas.microsoft.com/office/powerpoint/2010/main" xmlns="" val="2507043630"/>
+        <p14:creationId xmlns:p14="http://schemas.microsoft.com/office/powerpoint/2010/main" val="2507043630"/>
       </p:ext>
     </p:extLst>
   </p:cSld>
@@ -2216,7 +2216,7 @@
     </p:spTree>
     <p:extLst>
       <p:ext uri="{BB962C8B-B14F-4D97-AF65-F5344CB8AC3E}">
-        <p14:creationId xmlns:p14="http://schemas.microsoft.com/office/powerpoint/2010/main" xmlns="" val="120920598"/>
+        <p14:creationId xmlns:p14="http://schemas.microsoft.com/office/powerpoint/2010/main" val="120920598"/>
       </p:ext>
     </p:extLst>
   </p:cSld>
@@ -2252,10 +2252,10 @@
           <p:nvPr userDrawn="1"/>
         </p:nvPicPr>
         <p:blipFill>
-          <a:blip r:embed="rId5" cstate="print">
+          <a:blip r:embed="rId7" cstate="print">
             <a:extLst>
               <a:ext uri="{28A0092B-C50C-407E-A947-70E740481C1C}">
-                <a14:useLocalDpi xmlns:a14="http://schemas.microsoft.com/office/drawing/2010/main" xmlns="" val="0"/>
+                <a14:useLocalDpi xmlns:a14="http://schemas.microsoft.com/office/drawing/2010/main" val="0"/>
               </a:ext>
             </a:extLst>
           </a:blip>
@@ -2279,7 +2279,11 @@
           <p:cNvGraphicFramePr>
             <a:graphicFrameLocks noChangeAspect="1"/>
           </p:cNvGraphicFramePr>
-          <p:nvPr/>
+          <p:nvPr>
+            <p:custDataLst>
+              <p:tags r:id="rId2"/>
+            </p:custDataLst>
+          </p:nvPr>
         </p:nvGraphicFramePr>
         <p:xfrm>
           <a:off x="0" y="0"/>
@@ -2287,9 +2291,59 @@
         </p:xfrm>
         <a:graphic>
           <a:graphicData uri="http://schemas.openxmlformats.org/presentationml/2006/ole">
-            <p:oleObj spid="_x0000_s2298" name="think-cell Slide" r:id="rId6" imgW="0" imgH="0" progId="">
-              <p:embed/>
-            </p:oleObj>
+            <mc:AlternateContent xmlns:mc="http://schemas.openxmlformats.org/markup-compatibility/2006">
+              <mc:Choice xmlns:v="urn:schemas-microsoft-com:vml" Requires="v">
+                <p:oleObj spid="_x0000_s2300" name="think-cell Slide" r:id="rId8" imgW="0" imgH="0" progId="">
+                  <p:embed/>
+                </p:oleObj>
+              </mc:Choice>
+              <mc:Fallback>
+                <p:oleObj name="think-cell Slide" r:id="rId8" imgW="0" imgH="0" progId="">
+                  <p:embed/>
+                  <p:pic>
+                    <p:nvPicPr>
+                      <p:cNvPr id="0" name="AutoShape 250"/>
+                      <p:cNvPicPr>
+                        <a:picLocks noChangeAspect="1" noChangeArrowheads="1"/>
+                      </p:cNvPicPr>
+                      <p:nvPr/>
+                    </p:nvPicPr>
+                    <p:blipFill>
+                      <a:blip>
+                        <a:extLst>
+                          <a:ext uri="{28A0092B-C50C-407E-A947-70E740481C1C}">
+                            <a14:useLocalDpi xmlns:a14="http://schemas.microsoft.com/office/drawing/2010/main" val="0"/>
+                          </a:ext>
+                        </a:extLst>
+                      </a:blip>
+                      <a:srcRect/>
+                      <a:stretch>
+                        <a:fillRect/>
+                      </a:stretch>
+                    </p:blipFill>
+                    <p:spPr bwMode="auto">
+                      <a:xfrm>
+                        <a:off x="0" y="0"/>
+                        <a:ext cx="208410" cy="225778"/>
+                      </a:xfrm>
+                      <a:prstGeom prst="rect">
+                        <a:avLst/>
+                      </a:prstGeom>
+                      <a:noFill/>
+                      <a:extLst>
+                        <a:ext uri="{909E8E84-426E-40DD-AFC4-6F175D3DCCD1}">
+                          <a14:hiddenFill xmlns:a14="http://schemas.microsoft.com/office/drawing/2010/main">
+                            <a:solidFill>
+                              <a:srgbClr val="FFFFFF"/>
+                            </a:solidFill>
+                          </a14:hiddenFill>
+                        </a:ext>
+                      </a:extLst>
+                    </p:spPr>
+                  </p:pic>
+                </p:oleObj>
+              </mc:Fallback>
+            </mc:AlternateContent>
           </a:graphicData>
         </a:graphic>
       </p:graphicFrame>
@@ -2301,7 +2355,7 @@
           </p:cNvSpPr>
           <p:nvPr>
             <p:custDataLst>
-              <p:tags r:id="rId2"/>
+              <p:tags r:id="rId3"/>
             </p:custDataLst>
           </p:nvPr>
         </p:nvSpPr>
@@ -2364,7 +2418,7 @@
           </p:cNvSpPr>
           <p:nvPr>
             <p:custDataLst>
-              <p:tags r:id="rId3"/>
+              <p:tags r:id="rId4"/>
             </p:custDataLst>
           </p:nvPr>
         </p:nvSpPr>
@@ -2408,7 +2462,11 @@
           <p:cNvGraphicFramePr>
             <a:graphicFrameLocks noChangeAspect="1"/>
           </p:cNvGraphicFramePr>
-          <p:nvPr/>
+          <p:nvPr>
+            <p:custDataLst>
+              <p:tags r:id="rId5"/>
+            </p:custDataLst>
+          </p:nvPr>
         </p:nvGraphicFramePr>
         <p:xfrm>
           <a:off x="0" y="0"/>
@@ -2416,9 +2474,59 @@
         </p:xfrm>
         <a:graphic>
           <a:graphicData uri="http://schemas.openxmlformats.org/presentationml/2006/ole">
-            <p:oleObj spid="_x0000_s2299" r:id="rId7" imgW="0" imgH="0" progId="">
-              <p:embed/>
-            </p:oleObj>
+            <mc:AlternateContent xmlns:mc="http://schemas.openxmlformats.org/markup-compatibility/2006">
+              <mc:Choice xmlns:v="urn:schemas-microsoft-com:vml" Requires="v">
+                <p:oleObj spid="_x0000_s2301" r:id="rId9" imgW="0" imgH="0" progId="">
+                  <p:embed/>
+                </p:oleObj>
+              </mc:Choice>
+              <mc:Fallback>
+                <p:oleObj r:id="rId9" imgW="0" imgH="0" progId="">
+                  <p:embed/>
+                  <p:pic>
+                    <p:nvPicPr>
+                      <p:cNvPr id="0" name="AutoShape 251"/>
+                      <p:cNvPicPr>
+                        <a:picLocks noChangeAspect="1" noChangeArrowheads="1"/>
+                      </p:cNvPicPr>
+                      <p:nvPr/>
+                    </p:nvPicPr>
+                    <p:blipFill>
+                      <a:blip>
+                        <a:extLst>
+                          <a:ext uri="{28A0092B-C50C-407E-A947-70E740481C1C}">
+                            <a14:useLocalDpi xmlns:a14="http://schemas.microsoft.com/office/drawing/2010/main" val="0"/>
+                          </a:ext>
+                        </a:extLst>
+                      </a:blip>
+                      <a:srcRect/>
+                      <a:stretch>
+                        <a:fillRect/>
+                      </a:stretch>
+                    </p:blipFill>
+                    <p:spPr bwMode="auto">
+                      <a:xfrm>
+                        <a:off x="0" y="0"/>
+                        <a:ext cx="208410" cy="225778"/>
+                      </a:xfrm>
+                      <a:prstGeom prst="rect">
+                        <a:avLst/>
+                      </a:prstGeom>
+                      <a:noFill/>
+                      <a:extLst>
+                        <a:ext uri="{909E8E84-426E-40DD-AFC4-6F175D3DCCD1}">
+                          <a14:hiddenFill xmlns:a14="http://schemas.microsoft.com/office/drawing/2010/main">
+                            <a:solidFill>
+                              <a:srgbClr val="FFFFFF"/>
+                            </a:solidFill>
+                          </a14:hiddenFill>
+                        </a:ext>
+                      </a:extLst>
+                    </p:spPr>
+                  </p:pic>
+                </p:oleObj>
+              </mc:Fallback>
+            </mc:AlternateContent>
           </a:graphicData>
         </a:graphic>
       </p:graphicFrame>
@@ -2609,10 +2717,10 @@
           <p:nvPr userDrawn="1"/>
         </p:nvPicPr>
         <p:blipFill>
-          <a:blip r:embed="rId8" cstate="print">
+          <a:blip r:embed="rId10" cstate="print">
             <a:extLst>
               <a:ext uri="{28A0092B-C50C-407E-A947-70E740481C1C}">
-                <a14:useLocalDpi xmlns:a14="http://schemas.microsoft.com/office/drawing/2010/main" xmlns="" val="0"/>
+                <a14:useLocalDpi xmlns:a14="http://schemas.microsoft.com/office/drawing/2010/main" val="0"/>
               </a:ext>
             </a:extLst>
           </a:blip>
@@ -2632,7 +2740,7 @@
           <a:noFill/>
           <a:extLst>
             <a:ext uri="{909E8E84-426E-40DD-AFC4-6F175D3DCCD1}">
-              <a14:hiddenFill xmlns:a14="http://schemas.microsoft.com/office/drawing/2010/main" xmlns="">
+              <a14:hiddenFill xmlns:a14="http://schemas.microsoft.com/office/drawing/2010/main">
                 <a:solidFill>
                   <a:srgbClr val="FFFFFF"/>
                 </a:solidFill>
@@ -2644,7 +2752,7 @@
     </p:spTree>
     <p:extLst>
       <p:ext uri="{BB962C8B-B14F-4D97-AF65-F5344CB8AC3E}">
-        <p14:creationId xmlns:p14="http://schemas.microsoft.com/office/powerpoint/2010/main" xmlns="" val="2892463142"/>
+        <p14:creationId xmlns:p14="http://schemas.microsoft.com/office/powerpoint/2010/main" val="2892463142"/>
       </p:ext>
     </p:extLst>
   </p:cSld>
@@ -3630,10 +3738,10 @@
           <p:nvPr userDrawn="1"/>
         </p:nvPicPr>
         <p:blipFill>
-          <a:blip r:embed="rId5" cstate="print">
+          <a:blip r:embed="rId7" cstate="print">
             <a:extLst>
               <a:ext uri="{28A0092B-C50C-407E-A947-70E740481C1C}">
-                <a14:useLocalDpi xmlns:a14="http://schemas.microsoft.com/office/drawing/2010/main" xmlns="" val="0"/>
+                <a14:useLocalDpi xmlns:a14="http://schemas.microsoft.com/office/drawing/2010/main" val="0"/>
               </a:ext>
             </a:extLst>
           </a:blip>
@@ -3657,7 +3765,11 @@
           <p:cNvGraphicFramePr>
             <a:graphicFrameLocks noChangeAspect="1"/>
           </p:cNvGraphicFramePr>
-          <p:nvPr/>
+          <p:nvPr>
+            <p:custDataLst>
+              <p:tags r:id="rId2"/>
+            </p:custDataLst>
+          </p:nvPr>
         </p:nvGraphicFramePr>
         <p:xfrm>
           <a:off x="0" y="0"/>
@@ -3665,9 +3777,59 @@
         </p:xfrm>
         <a:graphic>
           <a:graphicData uri="http://schemas.openxmlformats.org/presentationml/2006/ole">
-            <p:oleObj spid="_x0000_s1192" name="think-cell Slide" r:id="rId6" imgW="0" imgH="0" progId="">
-              <p:embed/>
-            </p:oleObj>
+            <mc:AlternateContent xmlns:mc="http://schemas.openxmlformats.org/markup-compatibility/2006">
+              <mc:Choice xmlns:v="urn:schemas-microsoft-com:vml" Requires="v">
+                <p:oleObj spid="_x0000_s1194" name="think-cell Slide" r:id="rId8" imgW="0" imgH="0" progId="">
+                  <p:embed/>
+                </p:oleObj>
+              </mc:Choice>
+              <mc:Fallback>
+                <p:oleObj name="think-cell Slide" r:id="rId8" imgW="0" imgH="0" progId="">
+                  <p:embed/>
+                  <p:pic>
+                    <p:nvPicPr>
+                      <p:cNvPr id="0" name="AutoShape 168"/>
+                      <p:cNvPicPr>
+                        <a:picLocks noChangeAspect="1" noChangeArrowheads="1"/>
+                      </p:cNvPicPr>
+                      <p:nvPr/>
+                    </p:nvPicPr>
+                    <p:blipFill>
+                      <a:blip>
+                        <a:extLst>
+                          <a:ext uri="{28A0092B-C50C-407E-A947-70E740481C1C}">
+                            <a14:useLocalDpi xmlns:a14="http://schemas.microsoft.com/office/drawing/2010/main" val="0"/>
+                          </a:ext>
+                        </a:extLst>
+                      </a:blip>
+                      <a:srcRect/>
+                      <a:stretch>
+                        <a:fillRect/>
+                      </a:stretch>
+                    </p:blipFill>
+                    <p:spPr bwMode="auto">
+                      <a:xfrm>
+                        <a:off x="0" y="0"/>
+                        <a:ext cx="208410" cy="225778"/>
+                      </a:xfrm>
+                      <a:prstGeom prst="rect">
+                        <a:avLst/>
+                      </a:prstGeom>
+                      <a:noFill/>
+                      <a:extLst>
+                        <a:ext uri="{909E8E84-426E-40DD-AFC4-6F175D3DCCD1}">
+                          <a14:hiddenFill xmlns:a14="http://schemas.microsoft.com/office/drawing/2010/main">
+                            <a:solidFill>
+                              <a:srgbClr val="FFFFFF"/>
+                            </a:solidFill>
+                          </a14:hiddenFill>
+                        </a:ext>
+                      </a:extLst>
+                    </p:spPr>
+                  </p:pic>
+                </p:oleObj>
+              </mc:Fallback>
+            </mc:AlternateContent>
           </a:graphicData>
         </a:graphic>
       </p:graphicFrame>
@@ -3679,7 +3841,7 @@
           </p:cNvSpPr>
           <p:nvPr>
             <p:custDataLst>
-              <p:tags r:id="rId2"/>
+              <p:tags r:id="rId3"/>
             </p:custDataLst>
           </p:nvPr>
         </p:nvSpPr>
@@ -3742,7 +3904,7 @@
           </p:cNvSpPr>
           <p:nvPr>
             <p:custDataLst>
-              <p:tags r:id="rId3"/>
+              <p:tags r:id="rId4"/>
             </p:custDataLst>
           </p:nvPr>
         </p:nvSpPr>
@@ -3786,7 +3948,11 @@
           <p:cNvGraphicFramePr>
             <a:graphicFrameLocks noChangeAspect="1"/>
           </p:cNvGraphicFramePr>
-          <p:nvPr/>
+          <p:nvPr>
+            <p:custDataLst>
+              <p:tags r:id="rId5"/>
+            </p:custDataLst>
+          </p:nvPr>
         </p:nvGraphicFramePr>
         <p:xfrm>
           <a:off x="0" y="0"/>
@@ -3794,9 +3960,59 @@
         </p:xfrm>
         <a:graphic>
           <a:graphicData uri="http://schemas.openxmlformats.org/presentationml/2006/ole">
-            <p:oleObj spid="_x0000_s1193" r:id="rId7" imgW="0" imgH="0" progId="">
-              <p:embed/>
-            </p:oleObj>
+            <mc:AlternateContent xmlns:mc="http://schemas.openxmlformats.org/markup-compatibility/2006">
+              <mc:Choice xmlns:v="urn:schemas-microsoft-com:vml" Requires="v">
+                <p:oleObj spid="_x0000_s1195" r:id="rId9" imgW="0" imgH="0" progId="">
+                  <p:embed/>
+                </p:oleObj>
+              </mc:Choice>
+              <mc:Fallback>
+                <p:oleObj r:id="rId9" imgW="0" imgH="0" progId="">
+                  <p:embed/>
+                  <p:pic>
+                    <p:nvPicPr>
+                      <p:cNvPr id="0" name="AutoShape 169"/>
+                      <p:cNvPicPr>
+                        <a:picLocks noChangeAspect="1" noChangeArrowheads="1"/>
+                      </p:cNvPicPr>
+                      <p:nvPr/>
+                    </p:nvPicPr>
+                    <p:blipFill>
+                      <a:blip>
+                        <a:extLst>
+                          <a:ext uri="{28A0092B-C50C-407E-A947-70E740481C1C}">
+                            <a14:useLocalDpi xmlns:a14="http://schemas.microsoft.com/office/drawing/2010/main" val="0"/>
+                          </a:ext>
+                        </a:extLst>
+                      </a:blip>
+                      <a:srcRect/>
+                      <a:stretch>
+                        <a:fillRect/>
+                      </a:stretch>
+                    </p:blipFill>
+                    <p:spPr bwMode="auto">
+                      <a:xfrm>
+                        <a:off x="0" y="0"/>
+                        <a:ext cx="208410" cy="225778"/>
+                      </a:xfrm>
+                      <a:prstGeom prst="rect">
+                        <a:avLst/>
+                      </a:prstGeom>
+                      <a:noFill/>
+                      <a:extLst>
+                        <a:ext uri="{909E8E84-426E-40DD-AFC4-6F175D3DCCD1}">
+                          <a14:hiddenFill xmlns:a14="http://schemas.microsoft.com/office/drawing/2010/main">
+                            <a:solidFill>
+                              <a:srgbClr val="FFFFFF"/>
+                            </a:solidFill>
+                          </a14:hiddenFill>
+                        </a:ext>
+                      </a:extLst>
+                    </p:spPr>
+                  </p:pic>
+                </p:oleObj>
+              </mc:Fallback>
+            </mc:AlternateContent>
           </a:graphicData>
         </a:graphic>
       </p:graphicFrame>
@@ -3987,10 +4203,10 @@
           <p:nvPr userDrawn="1"/>
         </p:nvPicPr>
         <p:blipFill>
-          <a:blip r:embed="rId8" cstate="print">
+          <a:blip r:embed="rId10" cstate="print">
             <a:extLst>
               <a:ext uri="{28A0092B-C50C-407E-A947-70E740481C1C}">
-                <a14:useLocalDpi xmlns:a14="http://schemas.microsoft.com/office/drawing/2010/main" xmlns="" val="0"/>
+                <a14:useLocalDpi xmlns:a14="http://schemas.microsoft.com/office/drawing/2010/main" val="0"/>
               </a:ext>
             </a:extLst>
           </a:blip>
@@ -4010,7 +4226,7 @@
           <a:noFill/>
           <a:extLst>
             <a:ext uri="{909E8E84-426E-40DD-AFC4-6F175D3DCCD1}">
-              <a14:hiddenFill xmlns:a14="http://schemas.microsoft.com/office/drawing/2010/main" xmlns="">
+              <a14:hiddenFill xmlns:a14="http://schemas.microsoft.com/office/drawing/2010/main">
                 <a:solidFill>
                   <a:srgbClr val="FFFFFF"/>
                 </a:solidFill>
@@ -4022,7 +4238,7 @@
     </p:spTree>
     <p:extLst>
       <p:ext uri="{BB962C8B-B14F-4D97-AF65-F5344CB8AC3E}">
-        <p14:creationId xmlns:p14="http://schemas.microsoft.com/office/powerpoint/2010/main" xmlns="" val="4173704845"/>
+        <p14:creationId xmlns:p14="http://schemas.microsoft.com/office/powerpoint/2010/main" val="4173704845"/>
       </p:ext>
     </p:extLst>
   </p:cSld>
@@ -4080,7 +4296,7 @@
           </a:ln>
           <a:extLst>
             <a:ext uri="{C572A759-6A51-4108-AA02-DFA0A04FC94B}">
-              <ma14:wrappingTextBoxFlag xmlns:ma14="http://schemas.microsoft.com/office/mac/drawingml/2011/main" xmlns="" val="1"/>
+              <ma14:wrappingTextBoxFlag xmlns="" xmlns:ma14="http://schemas.microsoft.com/office/mac/drawingml/2011/main" val="1"/>
             </a:ext>
           </a:extLst>
         </p:spPr>
@@ -4119,7 +4335,7 @@
           </a:ln>
           <a:extLst>
             <a:ext uri="{C572A759-6A51-4108-AA02-DFA0A04FC94B}">
-              <ma14:wrappingTextBoxFlag xmlns:ma14="http://schemas.microsoft.com/office/mac/drawingml/2011/main" xmlns="" val="1"/>
+              <ma14:wrappingTextBoxFlag xmlns="" xmlns:ma14="http://schemas.microsoft.com/office/mac/drawingml/2011/main" val="1"/>
             </a:ext>
           </a:extLst>
         </p:spPr>
@@ -5258,7 +5474,7 @@
           <a:blip r:embed="rId9" cstate="print">
             <a:extLst>
               <a:ext uri="{28A0092B-C50C-407E-A947-70E740481C1C}">
-                <a14:useLocalDpi xmlns:a14="http://schemas.microsoft.com/office/drawing/2010/main" xmlns="" val="0"/>
+                <a14:useLocalDpi xmlns:a14="http://schemas.microsoft.com/office/drawing/2010/main" val="0"/>
               </a:ext>
             </a:extLst>
           </a:blip>
@@ -5278,7 +5494,7 @@
           <a:noFill/>
           <a:extLst>
             <a:ext uri="{909E8E84-426E-40DD-AFC4-6F175D3DCCD1}">
-              <a14:hiddenFill xmlns:a14="http://schemas.microsoft.com/office/drawing/2010/main" xmlns="">
+              <a14:hiddenFill xmlns:a14="http://schemas.microsoft.com/office/drawing/2010/main">
                 <a:solidFill>
                   <a:srgbClr val="FFFFFF"/>
                 </a:solidFill>
@@ -5290,7 +5506,7 @@
     </p:spTree>
     <p:extLst>
       <p:ext uri="{BB962C8B-B14F-4D97-AF65-F5344CB8AC3E}">
-        <p14:creationId xmlns:p14="http://schemas.microsoft.com/office/powerpoint/2010/main" xmlns="" val="344449526"/>
+        <p14:creationId xmlns:p14="http://schemas.microsoft.com/office/powerpoint/2010/main" val="344449526"/>
       </p:ext>
     </p:extLst>
   </p:cSld>
@@ -5830,14 +6046,14 @@
           </a:ln>
           <a:extLst>
             <a:ext uri="{909E8E84-426E-40DD-AFC4-6F175D3DCCD1}">
-              <a14:hiddenFill xmlns:a14="http://schemas.microsoft.com/office/drawing/2010/main" xmlns="">
+              <a14:hiddenFill xmlns:a14="http://schemas.microsoft.com/office/drawing/2010/main">
                 <a:solidFill>
                   <a:srgbClr val="FFFFFF"/>
                 </a:solidFill>
               </a14:hiddenFill>
             </a:ext>
             <a:ext uri="{91240B29-F687-4F45-9708-019B960494DF}">
-              <a14:hiddenLine xmlns:a14="http://schemas.microsoft.com/office/drawing/2010/main" xmlns="" w="9525">
+              <a14:hiddenLine xmlns:a14="http://schemas.microsoft.com/office/drawing/2010/main" w="9525">
                 <a:solidFill>
                   <a:srgbClr val="000000"/>
                 </a:solidFill>
@@ -6077,7 +6293,7 @@
     </p:custDataLst>
     <p:extLst>
       <p:ext uri="{BB962C8B-B14F-4D97-AF65-F5344CB8AC3E}">
-        <p14:creationId xmlns:p14="http://schemas.microsoft.com/office/powerpoint/2010/main" xmlns="" val="3643795278"/>
+        <p14:creationId xmlns:p14="http://schemas.microsoft.com/office/powerpoint/2010/main" val="3643795278"/>
       </p:ext>
     </p:extLst>
   </p:cSld>
@@ -6360,7 +6576,7 @@
     </p:spTree>
     <p:extLst>
       <p:ext uri="{BB962C8B-B14F-4D97-AF65-F5344CB8AC3E}">
-        <p14:creationId xmlns:p14="http://schemas.microsoft.com/office/powerpoint/2010/main" xmlns="" val="3067653696"/>
+        <p14:creationId xmlns:p14="http://schemas.microsoft.com/office/powerpoint/2010/main" val="3067653696"/>
       </p:ext>
     </p:extLst>
   </p:cSld>
@@ -6637,7 +6853,7 @@
     </p:spTree>
     <p:extLst>
       <p:ext uri="{BB962C8B-B14F-4D97-AF65-F5344CB8AC3E}">
-        <p14:creationId xmlns:p14="http://schemas.microsoft.com/office/powerpoint/2010/main" xmlns="" val="457675403"/>
+        <p14:creationId xmlns:p14="http://schemas.microsoft.com/office/powerpoint/2010/main" val="457675403"/>
       </p:ext>
     </p:extLst>
   </p:cSld>
@@ -6702,7 +6918,7 @@
     </p:spTree>
     <p:extLst>
       <p:ext uri="{BB962C8B-B14F-4D97-AF65-F5344CB8AC3E}">
-        <p14:creationId xmlns:p14="http://schemas.microsoft.com/office/powerpoint/2010/main" xmlns="" val="2085222240"/>
+        <p14:creationId xmlns:p14="http://schemas.microsoft.com/office/powerpoint/2010/main" val="2085222240"/>
       </p:ext>
     </p:extLst>
   </p:cSld>
@@ -6909,7 +7125,7 @@
     </p:spTree>
     <p:extLst>
       <p:ext uri="{BB962C8B-B14F-4D97-AF65-F5344CB8AC3E}">
-        <p14:creationId xmlns:p14="http://schemas.microsoft.com/office/powerpoint/2010/main" xmlns="" val="1106279166"/>
+        <p14:creationId xmlns:p14="http://schemas.microsoft.com/office/powerpoint/2010/main" val="1106279166"/>
       </p:ext>
     </p:extLst>
   </p:cSld>
@@ -7143,7 +7359,7 @@
     </p:spTree>
     <p:extLst>
       <p:ext uri="{BB962C8B-B14F-4D97-AF65-F5344CB8AC3E}">
-        <p14:creationId xmlns:p14="http://schemas.microsoft.com/office/powerpoint/2010/main" xmlns="" val="3832689773"/>
+        <p14:creationId xmlns:p14="http://schemas.microsoft.com/office/powerpoint/2010/main" val="3832689773"/>
       </p:ext>
     </p:extLst>
   </p:cSld>
@@ -7335,23 +7551,7 @@
             </a:r>
             <a:r>
               <a:rPr lang="zh-CN" altLang="en-US" sz="3200" dirty="0" smtClean="0"/>
-              <a:t>代理浏览器窗口，桥接物</a:t>
-            </a:r>
-            <a:r>
-              <a:rPr lang="zh-CN" altLang="en-US" sz="3200" dirty="0" smtClean="0"/>
-              <a:t>理</a:t>
-            </a:r>
-            <a:r>
-              <a:rPr lang="zh-CN" altLang="en-US" sz="3200" dirty="0" smtClean="0"/>
-              <a:t>像</a:t>
-            </a:r>
-            <a:r>
-              <a:rPr lang="zh-CN" altLang="en-US" sz="3200" dirty="0" smtClean="0"/>
-              <a:t>素，并永远</a:t>
-            </a:r>
-            <a:r>
-              <a:rPr lang="zh-CN" altLang="en-US" sz="3200" dirty="0" smtClean="0"/>
-              <a:t>依附于物理像素</a:t>
+              <a:t>代理浏览器窗口，桥接物理像素，并永远依附于物理像素</a:t>
             </a:r>
             <a:endParaRPr lang="en-US" altLang="zh-CN" sz="3200" dirty="0" smtClean="0"/>
           </a:p>
@@ -7524,7 +7724,7 @@
     </p:spTree>
     <p:extLst>
       <p:ext uri="{BB962C8B-B14F-4D97-AF65-F5344CB8AC3E}">
-        <p14:creationId xmlns:p14="http://schemas.microsoft.com/office/powerpoint/2010/main" xmlns="" val="2332996957"/>
+        <p14:creationId xmlns:p14="http://schemas.microsoft.com/office/powerpoint/2010/main" val="2332996957"/>
       </p:ext>
     </p:extLst>
   </p:cSld>
@@ -7727,7 +7927,7 @@
     </p:spTree>
     <p:extLst>
       <p:ext uri="{BB962C8B-B14F-4D97-AF65-F5344CB8AC3E}">
-        <p14:creationId xmlns:p14="http://schemas.microsoft.com/office/powerpoint/2010/main" xmlns="" val="1002833389"/>
+        <p14:creationId xmlns:p14="http://schemas.microsoft.com/office/powerpoint/2010/main" val="1002833389"/>
       </p:ext>
     </p:extLst>
   </p:cSld>
@@ -8000,7 +8200,7 @@
     </p:spTree>
     <p:extLst>
       <p:ext uri="{BB962C8B-B14F-4D97-AF65-F5344CB8AC3E}">
-        <p14:creationId xmlns:p14="http://schemas.microsoft.com/office/powerpoint/2010/main" xmlns="" val="1002833389"/>
+        <p14:creationId xmlns:p14="http://schemas.microsoft.com/office/powerpoint/2010/main" val="1002833389"/>
       </p:ext>
     </p:extLst>
   </p:cSld>
@@ -8292,7 +8492,11 @@
             </a:r>
             <a:r>
               <a:rPr lang="zh-CN" altLang="en-US" sz="4000" dirty="0" smtClean="0"/>
-              <a:t>映射可视视口</a:t>
+              <a:t>映射</a:t>
+            </a:r>
+            <a:r>
+              <a:rPr lang="zh-CN" altLang="en-US" sz="4000" dirty="0"/>
+              <a:t>物理像素</a:t>
             </a:r>
             <a:endParaRPr lang="en-US" altLang="zh-CN" sz="4000" dirty="0" smtClean="0"/>
           </a:p>
@@ -8332,7 +8536,7 @@
     </p:spTree>
     <p:extLst>
       <p:ext uri="{BB962C8B-B14F-4D97-AF65-F5344CB8AC3E}">
-        <p14:creationId xmlns:p14="http://schemas.microsoft.com/office/powerpoint/2010/main" xmlns="" val="1002833389"/>
+        <p14:creationId xmlns:p14="http://schemas.microsoft.com/office/powerpoint/2010/main" val="1002833389"/>
       </p:ext>
     </p:extLst>
   </p:cSld>
@@ -8454,56 +8658,40 @@
             <a:pPr marL="742950" indent="-742950" algn="l"/>
             <a:r>
               <a:rPr lang="en-US" altLang="zh-CN" sz="4000" dirty="0" smtClean="0"/>
-              <a:t>1.</a:t>
+              <a:t>1.320</a:t>
+            </a:r>
+            <a:r>
+              <a:rPr lang="zh-CN" altLang="en-US" sz="4000" dirty="0" smtClean="0"/>
+              <a:t>的掣肘</a:t>
+            </a:r>
+            <a:r>
+              <a:rPr lang="en-US" altLang="zh-CN" sz="4000" dirty="0" smtClean="0"/>
+              <a:t>——</a:t>
+            </a:r>
+            <a:r>
+              <a:rPr lang="zh-CN" altLang="en-US" sz="4000" dirty="0" smtClean="0"/>
+              <a:t>各家浏览器屏幕像素不一，设备屏幕像素发展不可能限制在</a:t>
             </a:r>
             <a:r>
               <a:rPr lang="en-US" altLang="zh-CN" sz="4000" dirty="0" smtClean="0"/>
               <a:t>320</a:t>
             </a:r>
+          </a:p>
+          <a:p>
+            <a:pPr lvl="2" indent="0" algn="l"/>
+            <a:r>
+              <a:rPr lang="en-US" altLang="zh-CN" sz="4000" dirty="0" smtClean="0"/>
+              <a:t>2.</a:t>
+            </a:r>
             <a:r>
               <a:rPr lang="zh-CN" altLang="en-US" sz="4000" dirty="0" smtClean="0"/>
-              <a:t>的掣</a:t>
-            </a:r>
-            <a:r>
-              <a:rPr lang="zh-CN" altLang="en-US" sz="4000" dirty="0" smtClean="0"/>
-              <a:t>肘</a:t>
+              <a:t>解决方案出现了</a:t>
             </a:r>
             <a:r>
               <a:rPr lang="en-US" altLang="zh-CN" sz="4000" dirty="0" smtClean="0"/>
               <a:t>——</a:t>
             </a:r>
             <a:r>
-              <a:rPr lang="zh-CN" altLang="en-US" sz="4000" dirty="0" smtClean="0"/>
-              <a:t>各</a:t>
-            </a:r>
-            <a:r>
-              <a:rPr lang="zh-CN" altLang="en-US" sz="4000" dirty="0" smtClean="0"/>
-              <a:t>家浏览器屏幕像素不</a:t>
-            </a:r>
-            <a:r>
-              <a:rPr lang="zh-CN" altLang="en-US" sz="4000" dirty="0" smtClean="0"/>
-              <a:t>一，设备屏幕像素发展不可能限制在</a:t>
-            </a:r>
-            <a:r>
-              <a:rPr lang="en-US" altLang="zh-CN" sz="4000" dirty="0" smtClean="0"/>
-              <a:t>320</a:t>
-            </a:r>
-          </a:p>
-          <a:p>
-            <a:pPr lvl="2" indent="0" algn="l"/>
-            <a:r>
-              <a:rPr lang="en-US" altLang="zh-CN" sz="4000" dirty="0" smtClean="0"/>
-              <a:t>2.</a:t>
-            </a:r>
-            <a:r>
-              <a:rPr lang="zh-CN" altLang="en-US" sz="4000" dirty="0" smtClean="0"/>
-              <a:t>解决方案出现了</a:t>
-            </a:r>
-            <a:r>
-              <a:rPr lang="en-US" altLang="zh-CN" sz="4000" dirty="0" smtClean="0"/>
-              <a:t>——</a:t>
-            </a:r>
-            <a:r>
               <a:rPr lang="en-US" altLang="zh-CN" sz="4000" dirty="0" err="1" smtClean="0"/>
               <a:t>rem</a:t>
             </a:r>
@@ -8513,11 +8701,7 @@
             <a:pPr lvl="2" indent="0" algn="l"/>
             <a:r>
               <a:rPr lang="en-US" altLang="zh-CN" sz="4000" dirty="0" smtClean="0"/>
-              <a:t>3</a:t>
-            </a:r>
-            <a:r>
-              <a:rPr lang="en-US" altLang="zh-CN" sz="4000" dirty="0" smtClean="0"/>
-              <a:t>.</a:t>
+              <a:t>3.</a:t>
             </a:r>
             <a:r>
               <a:rPr lang="zh-CN" altLang="en-US" sz="4000" dirty="0" smtClean="0"/>
@@ -8616,7 +8800,7 @@
     </p:spTree>
     <p:extLst>
       <p:ext uri="{BB962C8B-B14F-4D97-AF65-F5344CB8AC3E}">
-        <p14:creationId xmlns:p14="http://schemas.microsoft.com/office/powerpoint/2010/main" xmlns="" val="1002833389"/>
+        <p14:creationId xmlns:p14="http://schemas.microsoft.com/office/powerpoint/2010/main" val="1002833389"/>
       </p:ext>
     </p:extLst>
   </p:cSld>
@@ -8861,7 +9045,7 @@
     </p:spTree>
     <p:extLst>
       <p:ext uri="{BB962C8B-B14F-4D97-AF65-F5344CB8AC3E}">
-        <p14:creationId xmlns:p14="http://schemas.microsoft.com/office/powerpoint/2010/main" xmlns="" val="3951628596"/>
+        <p14:creationId xmlns:p14="http://schemas.microsoft.com/office/powerpoint/2010/main" val="3951628596"/>
       </p:ext>
     </p:extLst>
   </p:cSld>
@@ -8880,29 +9064,53 @@
 
 <file path=ppt/tags/tag1.xml><?xml version="1.0" encoding="utf-8"?>
 <p:tagLst xmlns:a="http://schemas.openxmlformats.org/drawingml/2006/main" xmlns:r="http://schemas.openxmlformats.org/officeDocument/2006/relationships" xmlns:p="http://schemas.openxmlformats.org/presentationml/2006/main">
-  <p:tag name="THINKCELLSHAPEDONOTDELETE" val="ppgHlKQhu8kq4JnUQtbedXg"/>
+  <p:tag name="THINKCELLSHAPEDONOTDELETE" val="thinkcellActiveDocDoNotDelete"/>
 </p:tagLst>
 </file>
 
 <file path=ppt/tags/tag2.xml><?xml version="1.0" encoding="utf-8"?>
 <p:tagLst xmlns:a="http://schemas.openxmlformats.org/drawingml/2006/main" xmlns:r="http://schemas.openxmlformats.org/officeDocument/2006/relationships" xmlns:p="http://schemas.openxmlformats.org/presentationml/2006/main">
-  <p:tag name="THINKCELLSHAPEDONOTDELETE" val="p.pXiFu2Mhk2IoSGcOPcHDA"/>
+  <p:tag name="THINKCELLSHAPEDONOTDELETE" val="ppgHlKQhu8kq4JnUQtbedXg"/>
 </p:tagLst>
 </file>
 
 <file path=ppt/tags/tag3.xml><?xml version="1.0" encoding="utf-8"?>
 <p:tagLst xmlns:a="http://schemas.openxmlformats.org/drawingml/2006/main" xmlns:r="http://schemas.openxmlformats.org/officeDocument/2006/relationships" xmlns:p="http://schemas.openxmlformats.org/presentationml/2006/main">
-  <p:tag name="THINKCELLSHAPEDONOTDELETE" val="ppgHlKQhu8kq4JnUQtbedXg"/>
+  <p:tag name="THINKCELLSHAPEDONOTDELETE" val="p.pXiFu2Mhk2IoSGcOPcHDA"/>
 </p:tagLst>
 </file>
 
 <file path=ppt/tags/tag4.xml><?xml version="1.0" encoding="utf-8"?>
 <p:tagLst xmlns:a="http://schemas.openxmlformats.org/drawingml/2006/main" xmlns:r="http://schemas.openxmlformats.org/officeDocument/2006/relationships" xmlns:p="http://schemas.openxmlformats.org/presentationml/2006/main">
+  <p:tag name="THINKCELLSHAPEDONOTDELETE" val="thinkcellActiveDocDoNotDelete"/>
+</p:tagLst>
+</file>
+
+<file path=ppt/tags/tag5.xml><?xml version="1.0" encoding="utf-8"?>
+<p:tagLst xmlns:a="http://schemas.openxmlformats.org/drawingml/2006/main" xmlns:r="http://schemas.openxmlformats.org/officeDocument/2006/relationships" xmlns:p="http://schemas.openxmlformats.org/presentationml/2006/main">
+  <p:tag name="THINKCELLSHAPEDONOTDELETE" val="thinkcellActiveDocDoNotDelete"/>
+</p:tagLst>
+</file>
+
+<file path=ppt/tags/tag6.xml><?xml version="1.0" encoding="utf-8"?>
+<p:tagLst xmlns:a="http://schemas.openxmlformats.org/drawingml/2006/main" xmlns:r="http://schemas.openxmlformats.org/officeDocument/2006/relationships" xmlns:p="http://schemas.openxmlformats.org/presentationml/2006/main">
+  <p:tag name="THINKCELLSHAPEDONOTDELETE" val="ppgHlKQhu8kq4JnUQtbedXg"/>
+</p:tagLst>
+</file>
+
+<file path=ppt/tags/tag7.xml><?xml version="1.0" encoding="utf-8"?>
+<p:tagLst xmlns:a="http://schemas.openxmlformats.org/drawingml/2006/main" xmlns:r="http://schemas.openxmlformats.org/officeDocument/2006/relationships" xmlns:p="http://schemas.openxmlformats.org/presentationml/2006/main">
   <p:tag name="THINKCELLSHAPEDONOTDELETE" val="p.pXiFu2Mhk2IoSGcOPcHDA"/>
 </p:tagLst>
 </file>
 
-<file path=ppt/tags/tag5.xml><?xml version="1.0" encoding="utf-8"?>
+<file path=ppt/tags/tag8.xml><?xml version="1.0" encoding="utf-8"?>
+<p:tagLst xmlns:a="http://schemas.openxmlformats.org/drawingml/2006/main" xmlns:r="http://schemas.openxmlformats.org/officeDocument/2006/relationships" xmlns:p="http://schemas.openxmlformats.org/presentationml/2006/main">
+  <p:tag name="THINKCELLSHAPEDONOTDELETE" val="thinkcellActiveDocDoNotDelete"/>
+</p:tagLst>
+</file>
+
+<file path=ppt/tags/tag9.xml><?xml version="1.0" encoding="utf-8"?>
 <p:tagLst xmlns:a="http://schemas.openxmlformats.org/drawingml/2006/main" xmlns:r="http://schemas.openxmlformats.org/officeDocument/2006/relationships" xmlns:p="http://schemas.openxmlformats.org/presentationml/2006/main">
   <p:tag name="KSO_WM_TEMPLATE_TOPIC_ID" val="2806177"/>
   <p:tag name="KSO_WM_TEMPLATE_OUTLINE_ID" val="15"/>
@@ -10931,7 +11139,7 @@
   </a:extraClrSchemeLst>
   <a:extLst>
     <a:ext uri="{05A4C25C-085E-4340-85A3-A5531E510DB2}">
-      <thm15:themeFamily xmlns:thm15="http://schemas.microsoft.com/office/thememl/2012/main" xmlns="" name="PAAS平台-技术交流.pptx" id="{216FF340-FE6A-4128-8316-EDBC1F0D4B95}" vid="{C97931BA-9053-482D-8F4A-EFE7791E08C7}"/>
+      <thm15:themeFamily xmlns:thm15="http://schemas.microsoft.com/office/thememl/2012/main" name="PAAS平台-技术交流.pptx" id="{216FF340-FE6A-4128-8316-EDBC1F0D4B95}" vid="{C97931BA-9053-482D-8F4A-EFE7791E08C7}"/>
     </a:ext>
   </a:extLst>
 </a:theme>

--- a/技术分享/跨平台屏幕适配原理.pptx
+++ b/技术分享/跨平台屏幕适配原理.pptx
@@ -324,7 +324,7 @@
   </p:defaultTextStyle>
   <p:extLst>
     <p:ext uri="{EFAFB233-063F-42B5-8137-9DF3F51BA10A}">
-      <p15:sldGuideLst xmlns:p15="http://schemas.microsoft.com/office/powerpoint/2012/main">
+      <p15:sldGuideLst xmlns:p15="http://schemas.microsoft.com/office/powerpoint/2012/main" xmlns="">
         <p15:guide id="1" orient="horz" pos="3072">
           <p15:clr>
             <a:srgbClr val="A4A3A4"/>
@@ -420,7 +420,7 @@
     </p:spTree>
     <p:extLst>
       <p:ext uri="{BB962C8B-B14F-4D97-AF65-F5344CB8AC3E}">
-        <p14:creationId xmlns:p14="http://schemas.microsoft.com/office/powerpoint/2010/main" val="277936240"/>
+        <p14:creationId xmlns:p14="http://schemas.microsoft.com/office/powerpoint/2010/main" xmlns="" val="277936240"/>
       </p:ext>
     </p:extLst>
   </p:cSld>
@@ -617,7 +617,7 @@
     </p:spTree>
     <p:extLst>
       <p:ext uri="{BB962C8B-B14F-4D97-AF65-F5344CB8AC3E}">
-        <p14:creationId xmlns:p14="http://schemas.microsoft.com/office/powerpoint/2010/main" val="4288124623"/>
+        <p14:creationId xmlns:p14="http://schemas.microsoft.com/office/powerpoint/2010/main" xmlns="" val="4288124623"/>
       </p:ext>
     </p:extLst>
   </p:cSld>
@@ -678,7 +678,7 @@
     </p:spTree>
     <p:extLst>
       <p:ext uri="{BB962C8B-B14F-4D97-AF65-F5344CB8AC3E}">
-        <p14:creationId xmlns:p14="http://schemas.microsoft.com/office/powerpoint/2010/main" val="163468324"/>
+        <p14:creationId xmlns:p14="http://schemas.microsoft.com/office/powerpoint/2010/main" xmlns="" val="163468324"/>
       </p:ext>
     </p:extLst>
   </p:cSld>
@@ -739,7 +739,7 @@
     </p:spTree>
     <p:extLst>
       <p:ext uri="{BB962C8B-B14F-4D97-AF65-F5344CB8AC3E}">
-        <p14:creationId xmlns:p14="http://schemas.microsoft.com/office/powerpoint/2010/main" val="2622602460"/>
+        <p14:creationId xmlns:p14="http://schemas.microsoft.com/office/powerpoint/2010/main" xmlns="" val="2622602460"/>
       </p:ext>
     </p:extLst>
   </p:cSld>
@@ -800,7 +800,7 @@
     </p:spTree>
     <p:extLst>
       <p:ext uri="{BB962C8B-B14F-4D97-AF65-F5344CB8AC3E}">
-        <p14:creationId xmlns:p14="http://schemas.microsoft.com/office/powerpoint/2010/main" val="2969063705"/>
+        <p14:creationId xmlns:p14="http://schemas.microsoft.com/office/powerpoint/2010/main" xmlns="" val="2969063705"/>
       </p:ext>
     </p:extLst>
   </p:cSld>
@@ -861,7 +861,7 @@
     </p:spTree>
     <p:extLst>
       <p:ext uri="{BB962C8B-B14F-4D97-AF65-F5344CB8AC3E}">
-        <p14:creationId xmlns:p14="http://schemas.microsoft.com/office/powerpoint/2010/main" val="4126790553"/>
+        <p14:creationId xmlns:p14="http://schemas.microsoft.com/office/powerpoint/2010/main" xmlns="" val="4126790553"/>
       </p:ext>
     </p:extLst>
   </p:cSld>
@@ -959,7 +959,7 @@
     </p:spTree>
     <p:extLst>
       <p:ext uri="{BB962C8B-B14F-4D97-AF65-F5344CB8AC3E}">
-        <p14:creationId xmlns:p14="http://schemas.microsoft.com/office/powerpoint/2010/main" val="30291408"/>
+        <p14:creationId xmlns:p14="http://schemas.microsoft.com/office/powerpoint/2010/main" xmlns="" val="30291408"/>
       </p:ext>
     </p:extLst>
   </p:cSld>
@@ -1327,7 +1327,7 @@
     </p:spTree>
     <p:extLst>
       <p:ext uri="{BB962C8B-B14F-4D97-AF65-F5344CB8AC3E}">
-        <p14:creationId xmlns:p14="http://schemas.microsoft.com/office/powerpoint/2010/main" val="3316485102"/>
+        <p14:creationId xmlns:p14="http://schemas.microsoft.com/office/powerpoint/2010/main" xmlns="" val="3316485102"/>
       </p:ext>
     </p:extLst>
   </p:cSld>
@@ -1475,7 +1475,7 @@
     </p:spTree>
     <p:extLst>
       <p:ext uri="{BB962C8B-B14F-4D97-AF65-F5344CB8AC3E}">
-        <p14:creationId xmlns:p14="http://schemas.microsoft.com/office/powerpoint/2010/main" val="3137951634"/>
+        <p14:creationId xmlns:p14="http://schemas.microsoft.com/office/powerpoint/2010/main" xmlns="" val="3137951634"/>
       </p:ext>
     </p:extLst>
   </p:cSld>
@@ -1637,7 +1637,7 @@
     </p:spTree>
     <p:extLst>
       <p:ext uri="{BB962C8B-B14F-4D97-AF65-F5344CB8AC3E}">
-        <p14:creationId xmlns:p14="http://schemas.microsoft.com/office/powerpoint/2010/main" val="1007209188"/>
+        <p14:creationId xmlns:p14="http://schemas.microsoft.com/office/powerpoint/2010/main" xmlns="" val="1007209188"/>
       </p:ext>
     </p:extLst>
   </p:cSld>
@@ -2032,7 +2032,7 @@
     </p:spTree>
     <p:extLst>
       <p:ext uri="{BB962C8B-B14F-4D97-AF65-F5344CB8AC3E}">
-        <p14:creationId xmlns:p14="http://schemas.microsoft.com/office/powerpoint/2010/main" val="2188742053"/>
+        <p14:creationId xmlns:p14="http://schemas.microsoft.com/office/powerpoint/2010/main" xmlns="" val="2188742053"/>
       </p:ext>
     </p:extLst>
   </p:cSld>
@@ -2124,7 +2124,7 @@
     </p:spTree>
     <p:extLst>
       <p:ext uri="{BB962C8B-B14F-4D97-AF65-F5344CB8AC3E}">
-        <p14:creationId xmlns:p14="http://schemas.microsoft.com/office/powerpoint/2010/main" val="2507043630"/>
+        <p14:creationId xmlns:p14="http://schemas.microsoft.com/office/powerpoint/2010/main" xmlns="" val="2507043630"/>
       </p:ext>
     </p:extLst>
   </p:cSld>
@@ -2216,7 +2216,7 @@
     </p:spTree>
     <p:extLst>
       <p:ext uri="{BB962C8B-B14F-4D97-AF65-F5344CB8AC3E}">
-        <p14:creationId xmlns:p14="http://schemas.microsoft.com/office/powerpoint/2010/main" val="120920598"/>
+        <p14:creationId xmlns:p14="http://schemas.microsoft.com/office/powerpoint/2010/main" xmlns="" val="120920598"/>
       </p:ext>
     </p:extLst>
   </p:cSld>
@@ -2252,10 +2252,10 @@
           <p:nvPr userDrawn="1"/>
         </p:nvPicPr>
         <p:blipFill>
-          <a:blip r:embed="rId7" cstate="print">
+          <a:blip r:embed="rId5" cstate="print">
             <a:extLst>
               <a:ext uri="{28A0092B-C50C-407E-A947-70E740481C1C}">
-                <a14:useLocalDpi xmlns:a14="http://schemas.microsoft.com/office/drawing/2010/main" val="0"/>
+                <a14:useLocalDpi xmlns:a14="http://schemas.microsoft.com/office/drawing/2010/main" xmlns="" val="0"/>
               </a:ext>
             </a:extLst>
           </a:blip>
@@ -2279,11 +2279,7 @@
           <p:cNvGraphicFramePr>
             <a:graphicFrameLocks noChangeAspect="1"/>
           </p:cNvGraphicFramePr>
-          <p:nvPr>
-            <p:custDataLst>
-              <p:tags r:id="rId2"/>
-            </p:custDataLst>
-          </p:nvPr>
+          <p:nvPr/>
         </p:nvGraphicFramePr>
         <p:xfrm>
           <a:off x="0" y="0"/>
@@ -2291,59 +2287,9 @@
         </p:xfrm>
         <a:graphic>
           <a:graphicData uri="http://schemas.openxmlformats.org/presentationml/2006/ole">
-            <mc:AlternateContent xmlns:mc="http://schemas.openxmlformats.org/markup-compatibility/2006">
-              <mc:Choice xmlns:v="urn:schemas-microsoft-com:vml" Requires="v">
-                <p:oleObj spid="_x0000_s2300" name="think-cell Slide" r:id="rId8" imgW="0" imgH="0" progId="">
-                  <p:embed/>
-                </p:oleObj>
-              </mc:Choice>
-              <mc:Fallback>
-                <p:oleObj name="think-cell Slide" r:id="rId8" imgW="0" imgH="0" progId="">
-                  <p:embed/>
-                  <p:pic>
-                    <p:nvPicPr>
-                      <p:cNvPr id="0" name="AutoShape 250"/>
-                      <p:cNvPicPr>
-                        <a:picLocks noChangeAspect="1" noChangeArrowheads="1"/>
-                      </p:cNvPicPr>
-                      <p:nvPr/>
-                    </p:nvPicPr>
-                    <p:blipFill>
-                      <a:blip>
-                        <a:extLst>
-                          <a:ext uri="{28A0092B-C50C-407E-A947-70E740481C1C}">
-                            <a14:useLocalDpi xmlns:a14="http://schemas.microsoft.com/office/drawing/2010/main" val="0"/>
-                          </a:ext>
-                        </a:extLst>
-                      </a:blip>
-                      <a:srcRect/>
-                      <a:stretch>
-                        <a:fillRect/>
-                      </a:stretch>
-                    </p:blipFill>
-                    <p:spPr bwMode="auto">
-                      <a:xfrm>
-                        <a:off x="0" y="0"/>
-                        <a:ext cx="208410" cy="225778"/>
-                      </a:xfrm>
-                      <a:prstGeom prst="rect">
-                        <a:avLst/>
-                      </a:prstGeom>
-                      <a:noFill/>
-                      <a:extLst>
-                        <a:ext uri="{909E8E84-426E-40DD-AFC4-6F175D3DCCD1}">
-                          <a14:hiddenFill xmlns:a14="http://schemas.microsoft.com/office/drawing/2010/main">
-                            <a:solidFill>
-                              <a:srgbClr val="FFFFFF"/>
-                            </a:solidFill>
-                          </a14:hiddenFill>
-                        </a:ext>
-                      </a:extLst>
-                    </p:spPr>
-                  </p:pic>
-                </p:oleObj>
-              </mc:Fallback>
-            </mc:AlternateContent>
+            <p:oleObj spid="_x0000_s2300" name="think-cell Slide" r:id="rId6" imgW="0" imgH="0" progId="">
+              <p:embed/>
+            </p:oleObj>
           </a:graphicData>
         </a:graphic>
       </p:graphicFrame>
@@ -2355,7 +2301,7 @@
           </p:cNvSpPr>
           <p:nvPr>
             <p:custDataLst>
-              <p:tags r:id="rId3"/>
+              <p:tags r:id="rId2"/>
             </p:custDataLst>
           </p:nvPr>
         </p:nvSpPr>
@@ -2418,7 +2364,7 @@
           </p:cNvSpPr>
           <p:nvPr>
             <p:custDataLst>
-              <p:tags r:id="rId4"/>
+              <p:tags r:id="rId3"/>
             </p:custDataLst>
           </p:nvPr>
         </p:nvSpPr>
@@ -2462,11 +2408,7 @@
           <p:cNvGraphicFramePr>
             <a:graphicFrameLocks noChangeAspect="1"/>
           </p:cNvGraphicFramePr>
-          <p:nvPr>
-            <p:custDataLst>
-              <p:tags r:id="rId5"/>
-            </p:custDataLst>
-          </p:nvPr>
+          <p:nvPr/>
         </p:nvGraphicFramePr>
         <p:xfrm>
           <a:off x="0" y="0"/>
@@ -2474,59 +2416,9 @@
         </p:xfrm>
         <a:graphic>
           <a:graphicData uri="http://schemas.openxmlformats.org/presentationml/2006/ole">
-            <mc:AlternateContent xmlns:mc="http://schemas.openxmlformats.org/markup-compatibility/2006">
-              <mc:Choice xmlns:v="urn:schemas-microsoft-com:vml" Requires="v">
-                <p:oleObj spid="_x0000_s2301" r:id="rId9" imgW="0" imgH="0" progId="">
-                  <p:embed/>
-                </p:oleObj>
-              </mc:Choice>
-              <mc:Fallback>
-                <p:oleObj r:id="rId9" imgW="0" imgH="0" progId="">
-                  <p:embed/>
-                  <p:pic>
-                    <p:nvPicPr>
-                      <p:cNvPr id="0" name="AutoShape 251"/>
-                      <p:cNvPicPr>
-                        <a:picLocks noChangeAspect="1" noChangeArrowheads="1"/>
-                      </p:cNvPicPr>
-                      <p:nvPr/>
-                    </p:nvPicPr>
-                    <p:blipFill>
-                      <a:blip>
-                        <a:extLst>
-                          <a:ext uri="{28A0092B-C50C-407E-A947-70E740481C1C}">
-                            <a14:useLocalDpi xmlns:a14="http://schemas.microsoft.com/office/drawing/2010/main" val="0"/>
-                          </a:ext>
-                        </a:extLst>
-                      </a:blip>
-                      <a:srcRect/>
-                      <a:stretch>
-                        <a:fillRect/>
-                      </a:stretch>
-                    </p:blipFill>
-                    <p:spPr bwMode="auto">
-                      <a:xfrm>
-                        <a:off x="0" y="0"/>
-                        <a:ext cx="208410" cy="225778"/>
-                      </a:xfrm>
-                      <a:prstGeom prst="rect">
-                        <a:avLst/>
-                      </a:prstGeom>
-                      <a:noFill/>
-                      <a:extLst>
-                        <a:ext uri="{909E8E84-426E-40DD-AFC4-6F175D3DCCD1}">
-                          <a14:hiddenFill xmlns:a14="http://schemas.microsoft.com/office/drawing/2010/main">
-                            <a:solidFill>
-                              <a:srgbClr val="FFFFFF"/>
-                            </a:solidFill>
-                          </a14:hiddenFill>
-                        </a:ext>
-                      </a:extLst>
-                    </p:spPr>
-                  </p:pic>
-                </p:oleObj>
-              </mc:Fallback>
-            </mc:AlternateContent>
+            <p:oleObj spid="_x0000_s2301" r:id="rId7" imgW="0" imgH="0" progId="">
+              <p:embed/>
+            </p:oleObj>
           </a:graphicData>
         </a:graphic>
       </p:graphicFrame>
@@ -2717,10 +2609,10 @@
           <p:nvPr userDrawn="1"/>
         </p:nvPicPr>
         <p:blipFill>
-          <a:blip r:embed="rId10" cstate="print">
+          <a:blip r:embed="rId8" cstate="print">
             <a:extLst>
               <a:ext uri="{28A0092B-C50C-407E-A947-70E740481C1C}">
-                <a14:useLocalDpi xmlns:a14="http://schemas.microsoft.com/office/drawing/2010/main" val="0"/>
+                <a14:useLocalDpi xmlns:a14="http://schemas.microsoft.com/office/drawing/2010/main" xmlns="" val="0"/>
               </a:ext>
             </a:extLst>
           </a:blip>
@@ -2740,7 +2632,7 @@
           <a:noFill/>
           <a:extLst>
             <a:ext uri="{909E8E84-426E-40DD-AFC4-6F175D3DCCD1}">
-              <a14:hiddenFill xmlns:a14="http://schemas.microsoft.com/office/drawing/2010/main">
+              <a14:hiddenFill xmlns:a14="http://schemas.microsoft.com/office/drawing/2010/main" xmlns="">
                 <a:solidFill>
                   <a:srgbClr val="FFFFFF"/>
                 </a:solidFill>
@@ -2752,7 +2644,7 @@
     </p:spTree>
     <p:extLst>
       <p:ext uri="{BB962C8B-B14F-4D97-AF65-F5344CB8AC3E}">
-        <p14:creationId xmlns:p14="http://schemas.microsoft.com/office/powerpoint/2010/main" val="2892463142"/>
+        <p14:creationId xmlns:p14="http://schemas.microsoft.com/office/powerpoint/2010/main" xmlns="" val="2892463142"/>
       </p:ext>
     </p:extLst>
   </p:cSld>
@@ -3738,10 +3630,10 @@
           <p:nvPr userDrawn="1"/>
         </p:nvPicPr>
         <p:blipFill>
-          <a:blip r:embed="rId7" cstate="print">
+          <a:blip r:embed="rId5" cstate="print">
             <a:extLst>
               <a:ext uri="{28A0092B-C50C-407E-A947-70E740481C1C}">
-                <a14:useLocalDpi xmlns:a14="http://schemas.microsoft.com/office/drawing/2010/main" val="0"/>
+                <a14:useLocalDpi xmlns:a14="http://schemas.microsoft.com/office/drawing/2010/main" xmlns="" val="0"/>
               </a:ext>
             </a:extLst>
           </a:blip>
@@ -3765,11 +3657,7 @@
           <p:cNvGraphicFramePr>
             <a:graphicFrameLocks noChangeAspect="1"/>
           </p:cNvGraphicFramePr>
-          <p:nvPr>
-            <p:custDataLst>
-              <p:tags r:id="rId2"/>
-            </p:custDataLst>
-          </p:nvPr>
+          <p:nvPr/>
         </p:nvGraphicFramePr>
         <p:xfrm>
           <a:off x="0" y="0"/>
@@ -3777,59 +3665,9 @@
         </p:xfrm>
         <a:graphic>
           <a:graphicData uri="http://schemas.openxmlformats.org/presentationml/2006/ole">
-            <mc:AlternateContent xmlns:mc="http://schemas.openxmlformats.org/markup-compatibility/2006">
-              <mc:Choice xmlns:v="urn:schemas-microsoft-com:vml" Requires="v">
-                <p:oleObj spid="_x0000_s1194" name="think-cell Slide" r:id="rId8" imgW="0" imgH="0" progId="">
-                  <p:embed/>
-                </p:oleObj>
-              </mc:Choice>
-              <mc:Fallback>
-                <p:oleObj name="think-cell Slide" r:id="rId8" imgW="0" imgH="0" progId="">
-                  <p:embed/>
-                  <p:pic>
-                    <p:nvPicPr>
-                      <p:cNvPr id="0" name="AutoShape 168"/>
-                      <p:cNvPicPr>
-                        <a:picLocks noChangeAspect="1" noChangeArrowheads="1"/>
-                      </p:cNvPicPr>
-                      <p:nvPr/>
-                    </p:nvPicPr>
-                    <p:blipFill>
-                      <a:blip>
-                        <a:extLst>
-                          <a:ext uri="{28A0092B-C50C-407E-A947-70E740481C1C}">
-                            <a14:useLocalDpi xmlns:a14="http://schemas.microsoft.com/office/drawing/2010/main" val="0"/>
-                          </a:ext>
-                        </a:extLst>
-                      </a:blip>
-                      <a:srcRect/>
-                      <a:stretch>
-                        <a:fillRect/>
-                      </a:stretch>
-                    </p:blipFill>
-                    <p:spPr bwMode="auto">
-                      <a:xfrm>
-                        <a:off x="0" y="0"/>
-                        <a:ext cx="208410" cy="225778"/>
-                      </a:xfrm>
-                      <a:prstGeom prst="rect">
-                        <a:avLst/>
-                      </a:prstGeom>
-                      <a:noFill/>
-                      <a:extLst>
-                        <a:ext uri="{909E8E84-426E-40DD-AFC4-6F175D3DCCD1}">
-                          <a14:hiddenFill xmlns:a14="http://schemas.microsoft.com/office/drawing/2010/main">
-                            <a:solidFill>
-                              <a:srgbClr val="FFFFFF"/>
-                            </a:solidFill>
-                          </a14:hiddenFill>
-                        </a:ext>
-                      </a:extLst>
-                    </p:spPr>
-                  </p:pic>
-                </p:oleObj>
-              </mc:Fallback>
-            </mc:AlternateContent>
+            <p:oleObj spid="_x0000_s1194" name="think-cell Slide" r:id="rId6" imgW="0" imgH="0" progId="">
+              <p:embed/>
+            </p:oleObj>
           </a:graphicData>
         </a:graphic>
       </p:graphicFrame>
@@ -3841,7 +3679,7 @@
           </p:cNvSpPr>
           <p:nvPr>
             <p:custDataLst>
-              <p:tags r:id="rId3"/>
+              <p:tags r:id="rId2"/>
             </p:custDataLst>
           </p:nvPr>
         </p:nvSpPr>
@@ -3904,7 +3742,7 @@
           </p:cNvSpPr>
           <p:nvPr>
             <p:custDataLst>
-              <p:tags r:id="rId4"/>
+              <p:tags r:id="rId3"/>
             </p:custDataLst>
           </p:nvPr>
         </p:nvSpPr>
@@ -3948,11 +3786,7 @@
           <p:cNvGraphicFramePr>
             <a:graphicFrameLocks noChangeAspect="1"/>
           </p:cNvGraphicFramePr>
-          <p:nvPr>
-            <p:custDataLst>
-              <p:tags r:id="rId5"/>
-            </p:custDataLst>
-          </p:nvPr>
+          <p:nvPr/>
         </p:nvGraphicFramePr>
         <p:xfrm>
           <a:off x="0" y="0"/>
@@ -3960,59 +3794,9 @@
         </p:xfrm>
         <a:graphic>
           <a:graphicData uri="http://schemas.openxmlformats.org/presentationml/2006/ole">
-            <mc:AlternateContent xmlns:mc="http://schemas.openxmlformats.org/markup-compatibility/2006">
-              <mc:Choice xmlns:v="urn:schemas-microsoft-com:vml" Requires="v">
-                <p:oleObj spid="_x0000_s1195" r:id="rId9" imgW="0" imgH="0" progId="">
-                  <p:embed/>
-                </p:oleObj>
-              </mc:Choice>
-              <mc:Fallback>
-                <p:oleObj r:id="rId9" imgW="0" imgH="0" progId="">
-                  <p:embed/>
-                  <p:pic>
-                    <p:nvPicPr>
-                      <p:cNvPr id="0" name="AutoShape 169"/>
-                      <p:cNvPicPr>
-                        <a:picLocks noChangeAspect="1" noChangeArrowheads="1"/>
-                      </p:cNvPicPr>
-                      <p:nvPr/>
-                    </p:nvPicPr>
-                    <p:blipFill>
-                      <a:blip>
-                        <a:extLst>
-                          <a:ext uri="{28A0092B-C50C-407E-A947-70E740481C1C}">
-                            <a14:useLocalDpi xmlns:a14="http://schemas.microsoft.com/office/drawing/2010/main" val="0"/>
-                          </a:ext>
-                        </a:extLst>
-                      </a:blip>
-                      <a:srcRect/>
-                      <a:stretch>
-                        <a:fillRect/>
-                      </a:stretch>
-                    </p:blipFill>
-                    <p:spPr bwMode="auto">
-                      <a:xfrm>
-                        <a:off x="0" y="0"/>
-                        <a:ext cx="208410" cy="225778"/>
-                      </a:xfrm>
-                      <a:prstGeom prst="rect">
-                        <a:avLst/>
-                      </a:prstGeom>
-                      <a:noFill/>
-                      <a:extLst>
-                        <a:ext uri="{909E8E84-426E-40DD-AFC4-6F175D3DCCD1}">
-                          <a14:hiddenFill xmlns:a14="http://schemas.microsoft.com/office/drawing/2010/main">
-                            <a:solidFill>
-                              <a:srgbClr val="FFFFFF"/>
-                            </a:solidFill>
-                          </a14:hiddenFill>
-                        </a:ext>
-                      </a:extLst>
-                    </p:spPr>
-                  </p:pic>
-                </p:oleObj>
-              </mc:Fallback>
-            </mc:AlternateContent>
+            <p:oleObj spid="_x0000_s1195" r:id="rId7" imgW="0" imgH="0" progId="">
+              <p:embed/>
+            </p:oleObj>
           </a:graphicData>
         </a:graphic>
       </p:graphicFrame>
@@ -4203,10 +3987,10 @@
           <p:nvPr userDrawn="1"/>
         </p:nvPicPr>
         <p:blipFill>
-          <a:blip r:embed="rId10" cstate="print">
+          <a:blip r:embed="rId8" cstate="print">
             <a:extLst>
               <a:ext uri="{28A0092B-C50C-407E-A947-70E740481C1C}">
-                <a14:useLocalDpi xmlns:a14="http://schemas.microsoft.com/office/drawing/2010/main" val="0"/>
+                <a14:useLocalDpi xmlns:a14="http://schemas.microsoft.com/office/drawing/2010/main" xmlns="" val="0"/>
               </a:ext>
             </a:extLst>
           </a:blip>
@@ -4226,7 +4010,7 @@
           <a:noFill/>
           <a:extLst>
             <a:ext uri="{909E8E84-426E-40DD-AFC4-6F175D3DCCD1}">
-              <a14:hiddenFill xmlns:a14="http://schemas.microsoft.com/office/drawing/2010/main">
+              <a14:hiddenFill xmlns:a14="http://schemas.microsoft.com/office/drawing/2010/main" xmlns="">
                 <a:solidFill>
                   <a:srgbClr val="FFFFFF"/>
                 </a:solidFill>
@@ -4238,7 +4022,7 @@
     </p:spTree>
     <p:extLst>
       <p:ext uri="{BB962C8B-B14F-4D97-AF65-F5344CB8AC3E}">
-        <p14:creationId xmlns:p14="http://schemas.microsoft.com/office/powerpoint/2010/main" val="4173704845"/>
+        <p14:creationId xmlns:p14="http://schemas.microsoft.com/office/powerpoint/2010/main" xmlns="" val="4173704845"/>
       </p:ext>
     </p:extLst>
   </p:cSld>
@@ -4296,7 +4080,7 @@
           </a:ln>
           <a:extLst>
             <a:ext uri="{C572A759-6A51-4108-AA02-DFA0A04FC94B}">
-              <ma14:wrappingTextBoxFlag xmlns="" xmlns:ma14="http://schemas.microsoft.com/office/mac/drawingml/2011/main" val="1"/>
+              <ma14:wrappingTextBoxFlag xmlns:ma14="http://schemas.microsoft.com/office/mac/drawingml/2011/main" xmlns="" val="1"/>
             </a:ext>
           </a:extLst>
         </p:spPr>
@@ -4335,7 +4119,7 @@
           </a:ln>
           <a:extLst>
             <a:ext uri="{C572A759-6A51-4108-AA02-DFA0A04FC94B}">
-              <ma14:wrappingTextBoxFlag xmlns="" xmlns:ma14="http://schemas.microsoft.com/office/mac/drawingml/2011/main" val="1"/>
+              <ma14:wrappingTextBoxFlag xmlns:ma14="http://schemas.microsoft.com/office/mac/drawingml/2011/main" xmlns="" val="1"/>
             </a:ext>
           </a:extLst>
         </p:spPr>
@@ -5474,7 +5258,7 @@
           <a:blip r:embed="rId9" cstate="print">
             <a:extLst>
               <a:ext uri="{28A0092B-C50C-407E-A947-70E740481C1C}">
-                <a14:useLocalDpi xmlns:a14="http://schemas.microsoft.com/office/drawing/2010/main" val="0"/>
+                <a14:useLocalDpi xmlns:a14="http://schemas.microsoft.com/office/drawing/2010/main" xmlns="" val="0"/>
               </a:ext>
             </a:extLst>
           </a:blip>
@@ -5494,7 +5278,7 @@
           <a:noFill/>
           <a:extLst>
             <a:ext uri="{909E8E84-426E-40DD-AFC4-6F175D3DCCD1}">
-              <a14:hiddenFill xmlns:a14="http://schemas.microsoft.com/office/drawing/2010/main">
+              <a14:hiddenFill xmlns:a14="http://schemas.microsoft.com/office/drawing/2010/main" xmlns="">
                 <a:solidFill>
                   <a:srgbClr val="FFFFFF"/>
                 </a:solidFill>
@@ -5506,7 +5290,7 @@
     </p:spTree>
     <p:extLst>
       <p:ext uri="{BB962C8B-B14F-4D97-AF65-F5344CB8AC3E}">
-        <p14:creationId xmlns:p14="http://schemas.microsoft.com/office/powerpoint/2010/main" val="344449526"/>
+        <p14:creationId xmlns:p14="http://schemas.microsoft.com/office/powerpoint/2010/main" xmlns="" val="344449526"/>
       </p:ext>
     </p:extLst>
   </p:cSld>
@@ -6005,7 +5789,7 @@
             <a:pPr algn="r"/>
             <a:r>
               <a:rPr lang="zh-CN" altLang="en-US" sz="6600" dirty="0" smtClean="0"/>
-              <a:t>移动端适配的前世今生</a:t>
+              <a:t>跨平台屏幕适配</a:t>
             </a:r>
             <a:r>
               <a:rPr lang="en-US" altLang="zh-CN" sz="6600" dirty="0"/>
@@ -6046,14 +5830,14 @@
           </a:ln>
           <a:extLst>
             <a:ext uri="{909E8E84-426E-40DD-AFC4-6F175D3DCCD1}">
-              <a14:hiddenFill xmlns:a14="http://schemas.microsoft.com/office/drawing/2010/main">
+              <a14:hiddenFill xmlns:a14="http://schemas.microsoft.com/office/drawing/2010/main" xmlns="">
                 <a:solidFill>
                   <a:srgbClr val="FFFFFF"/>
                 </a:solidFill>
               </a14:hiddenFill>
             </a:ext>
             <a:ext uri="{91240B29-F687-4F45-9708-019B960494DF}">
-              <a14:hiddenLine xmlns:a14="http://schemas.microsoft.com/office/drawing/2010/main" w="9525">
+              <a14:hiddenLine xmlns:a14="http://schemas.microsoft.com/office/drawing/2010/main" xmlns="" w="9525">
                 <a:solidFill>
                   <a:srgbClr val="000000"/>
                 </a:solidFill>
@@ -6293,7 +6077,7 @@
     </p:custDataLst>
     <p:extLst>
       <p:ext uri="{BB962C8B-B14F-4D97-AF65-F5344CB8AC3E}">
-        <p14:creationId xmlns:p14="http://schemas.microsoft.com/office/powerpoint/2010/main" val="3643795278"/>
+        <p14:creationId xmlns:p14="http://schemas.microsoft.com/office/powerpoint/2010/main" xmlns="" val="3643795278"/>
       </p:ext>
     </p:extLst>
   </p:cSld>
@@ -6576,7 +6360,7 @@
     </p:spTree>
     <p:extLst>
       <p:ext uri="{BB962C8B-B14F-4D97-AF65-F5344CB8AC3E}">
-        <p14:creationId xmlns:p14="http://schemas.microsoft.com/office/powerpoint/2010/main" val="3067653696"/>
+        <p14:creationId xmlns:p14="http://schemas.microsoft.com/office/powerpoint/2010/main" xmlns="" val="3067653696"/>
       </p:ext>
     </p:extLst>
   </p:cSld>
@@ -6853,7 +6637,7 @@
     </p:spTree>
     <p:extLst>
       <p:ext uri="{BB962C8B-B14F-4D97-AF65-F5344CB8AC3E}">
-        <p14:creationId xmlns:p14="http://schemas.microsoft.com/office/powerpoint/2010/main" val="457675403"/>
+        <p14:creationId xmlns:p14="http://schemas.microsoft.com/office/powerpoint/2010/main" xmlns="" val="457675403"/>
       </p:ext>
     </p:extLst>
   </p:cSld>
@@ -6918,7 +6702,7 @@
     </p:spTree>
     <p:extLst>
       <p:ext uri="{BB962C8B-B14F-4D97-AF65-F5344CB8AC3E}">
-        <p14:creationId xmlns:p14="http://schemas.microsoft.com/office/powerpoint/2010/main" val="2085222240"/>
+        <p14:creationId xmlns:p14="http://schemas.microsoft.com/office/powerpoint/2010/main" xmlns="" val="2085222240"/>
       </p:ext>
     </p:extLst>
   </p:cSld>
@@ -7125,7 +6909,7 @@
     </p:spTree>
     <p:extLst>
       <p:ext uri="{BB962C8B-B14F-4D97-AF65-F5344CB8AC3E}">
-        <p14:creationId xmlns:p14="http://schemas.microsoft.com/office/powerpoint/2010/main" val="1106279166"/>
+        <p14:creationId xmlns:p14="http://schemas.microsoft.com/office/powerpoint/2010/main" xmlns="" val="1106279166"/>
       </p:ext>
     </p:extLst>
   </p:cSld>
@@ -7359,7 +7143,7 @@
     </p:spTree>
     <p:extLst>
       <p:ext uri="{BB962C8B-B14F-4D97-AF65-F5344CB8AC3E}">
-        <p14:creationId xmlns:p14="http://schemas.microsoft.com/office/powerpoint/2010/main" val="3832689773"/>
+        <p14:creationId xmlns:p14="http://schemas.microsoft.com/office/powerpoint/2010/main" xmlns="" val="3832689773"/>
       </p:ext>
     </p:extLst>
   </p:cSld>
@@ -7724,7 +7508,7 @@
     </p:spTree>
     <p:extLst>
       <p:ext uri="{BB962C8B-B14F-4D97-AF65-F5344CB8AC3E}">
-        <p14:creationId xmlns:p14="http://schemas.microsoft.com/office/powerpoint/2010/main" val="2332996957"/>
+        <p14:creationId xmlns:p14="http://schemas.microsoft.com/office/powerpoint/2010/main" xmlns="" val="2332996957"/>
       </p:ext>
     </p:extLst>
   </p:cSld>
@@ -7927,7 +7711,7 @@
     </p:spTree>
     <p:extLst>
       <p:ext uri="{BB962C8B-B14F-4D97-AF65-F5344CB8AC3E}">
-        <p14:creationId xmlns:p14="http://schemas.microsoft.com/office/powerpoint/2010/main" val="1002833389"/>
+        <p14:creationId xmlns:p14="http://schemas.microsoft.com/office/powerpoint/2010/main" xmlns="" val="1002833389"/>
       </p:ext>
     </p:extLst>
   </p:cSld>
@@ -8200,7 +7984,7 @@
     </p:spTree>
     <p:extLst>
       <p:ext uri="{BB962C8B-B14F-4D97-AF65-F5344CB8AC3E}">
-        <p14:creationId xmlns:p14="http://schemas.microsoft.com/office/powerpoint/2010/main" val="1002833389"/>
+        <p14:creationId xmlns:p14="http://schemas.microsoft.com/office/powerpoint/2010/main" xmlns="" val="1002833389"/>
       </p:ext>
     </p:extLst>
   </p:cSld>
@@ -8536,7 +8320,7 @@
     </p:spTree>
     <p:extLst>
       <p:ext uri="{BB962C8B-B14F-4D97-AF65-F5344CB8AC3E}">
-        <p14:creationId xmlns:p14="http://schemas.microsoft.com/office/powerpoint/2010/main" val="1002833389"/>
+        <p14:creationId xmlns:p14="http://schemas.microsoft.com/office/powerpoint/2010/main" xmlns="" val="1002833389"/>
       </p:ext>
     </p:extLst>
   </p:cSld>
@@ -8800,7 +8584,7 @@
     </p:spTree>
     <p:extLst>
       <p:ext uri="{BB962C8B-B14F-4D97-AF65-F5344CB8AC3E}">
-        <p14:creationId xmlns:p14="http://schemas.microsoft.com/office/powerpoint/2010/main" val="1002833389"/>
+        <p14:creationId xmlns:p14="http://schemas.microsoft.com/office/powerpoint/2010/main" xmlns="" val="1002833389"/>
       </p:ext>
     </p:extLst>
   </p:cSld>
@@ -9045,7 +8829,7 @@
     </p:spTree>
     <p:extLst>
       <p:ext uri="{BB962C8B-B14F-4D97-AF65-F5344CB8AC3E}">
-        <p14:creationId xmlns:p14="http://schemas.microsoft.com/office/powerpoint/2010/main" val="3951628596"/>
+        <p14:creationId xmlns:p14="http://schemas.microsoft.com/office/powerpoint/2010/main" xmlns="" val="3951628596"/>
       </p:ext>
     </p:extLst>
   </p:cSld>
@@ -9064,53 +8848,29 @@
 
 <file path=ppt/tags/tag1.xml><?xml version="1.0" encoding="utf-8"?>
 <p:tagLst xmlns:a="http://schemas.openxmlformats.org/drawingml/2006/main" xmlns:r="http://schemas.openxmlformats.org/officeDocument/2006/relationships" xmlns:p="http://schemas.openxmlformats.org/presentationml/2006/main">
-  <p:tag name="THINKCELLSHAPEDONOTDELETE" val="thinkcellActiveDocDoNotDelete"/>
+  <p:tag name="THINKCELLSHAPEDONOTDELETE" val="ppgHlKQhu8kq4JnUQtbedXg"/>
 </p:tagLst>
 </file>
 
 <file path=ppt/tags/tag2.xml><?xml version="1.0" encoding="utf-8"?>
 <p:tagLst xmlns:a="http://schemas.openxmlformats.org/drawingml/2006/main" xmlns:r="http://schemas.openxmlformats.org/officeDocument/2006/relationships" xmlns:p="http://schemas.openxmlformats.org/presentationml/2006/main">
-  <p:tag name="THINKCELLSHAPEDONOTDELETE" val="ppgHlKQhu8kq4JnUQtbedXg"/>
+  <p:tag name="THINKCELLSHAPEDONOTDELETE" val="p.pXiFu2Mhk2IoSGcOPcHDA"/>
 </p:tagLst>
 </file>
 
 <file path=ppt/tags/tag3.xml><?xml version="1.0" encoding="utf-8"?>
 <p:tagLst xmlns:a="http://schemas.openxmlformats.org/drawingml/2006/main" xmlns:r="http://schemas.openxmlformats.org/officeDocument/2006/relationships" xmlns:p="http://schemas.openxmlformats.org/presentationml/2006/main">
-  <p:tag name="THINKCELLSHAPEDONOTDELETE" val="p.pXiFu2Mhk2IoSGcOPcHDA"/>
+  <p:tag name="THINKCELLSHAPEDONOTDELETE" val="ppgHlKQhu8kq4JnUQtbedXg"/>
 </p:tagLst>
 </file>
 
 <file path=ppt/tags/tag4.xml><?xml version="1.0" encoding="utf-8"?>
 <p:tagLst xmlns:a="http://schemas.openxmlformats.org/drawingml/2006/main" xmlns:r="http://schemas.openxmlformats.org/officeDocument/2006/relationships" xmlns:p="http://schemas.openxmlformats.org/presentationml/2006/main">
-  <p:tag name="THINKCELLSHAPEDONOTDELETE" val="thinkcellActiveDocDoNotDelete"/>
+  <p:tag name="THINKCELLSHAPEDONOTDELETE" val="p.pXiFu2Mhk2IoSGcOPcHDA"/>
 </p:tagLst>
 </file>
 
 <file path=ppt/tags/tag5.xml><?xml version="1.0" encoding="utf-8"?>
-<p:tagLst xmlns:a="http://schemas.openxmlformats.org/drawingml/2006/main" xmlns:r="http://schemas.openxmlformats.org/officeDocument/2006/relationships" xmlns:p="http://schemas.openxmlformats.org/presentationml/2006/main">
-  <p:tag name="THINKCELLSHAPEDONOTDELETE" val="thinkcellActiveDocDoNotDelete"/>
-</p:tagLst>
-</file>
-
-<file path=ppt/tags/tag6.xml><?xml version="1.0" encoding="utf-8"?>
-<p:tagLst xmlns:a="http://schemas.openxmlformats.org/drawingml/2006/main" xmlns:r="http://schemas.openxmlformats.org/officeDocument/2006/relationships" xmlns:p="http://schemas.openxmlformats.org/presentationml/2006/main">
-  <p:tag name="THINKCELLSHAPEDONOTDELETE" val="ppgHlKQhu8kq4JnUQtbedXg"/>
-</p:tagLst>
-</file>
-
-<file path=ppt/tags/tag7.xml><?xml version="1.0" encoding="utf-8"?>
-<p:tagLst xmlns:a="http://schemas.openxmlformats.org/drawingml/2006/main" xmlns:r="http://schemas.openxmlformats.org/officeDocument/2006/relationships" xmlns:p="http://schemas.openxmlformats.org/presentationml/2006/main">
-  <p:tag name="THINKCELLSHAPEDONOTDELETE" val="p.pXiFu2Mhk2IoSGcOPcHDA"/>
-</p:tagLst>
-</file>
-
-<file path=ppt/tags/tag8.xml><?xml version="1.0" encoding="utf-8"?>
-<p:tagLst xmlns:a="http://schemas.openxmlformats.org/drawingml/2006/main" xmlns:r="http://schemas.openxmlformats.org/officeDocument/2006/relationships" xmlns:p="http://schemas.openxmlformats.org/presentationml/2006/main">
-  <p:tag name="THINKCELLSHAPEDONOTDELETE" val="thinkcellActiveDocDoNotDelete"/>
-</p:tagLst>
-</file>
-
-<file path=ppt/tags/tag9.xml><?xml version="1.0" encoding="utf-8"?>
 <p:tagLst xmlns:a="http://schemas.openxmlformats.org/drawingml/2006/main" xmlns:r="http://schemas.openxmlformats.org/officeDocument/2006/relationships" xmlns:p="http://schemas.openxmlformats.org/presentationml/2006/main">
   <p:tag name="KSO_WM_TEMPLATE_TOPIC_ID" val="2806177"/>
   <p:tag name="KSO_WM_TEMPLATE_OUTLINE_ID" val="15"/>
@@ -11139,7 +10899,7 @@
   </a:extraClrSchemeLst>
   <a:extLst>
     <a:ext uri="{05A4C25C-085E-4340-85A3-A5531E510DB2}">
-      <thm15:themeFamily xmlns:thm15="http://schemas.microsoft.com/office/thememl/2012/main" name="PAAS平台-技术交流.pptx" id="{216FF340-FE6A-4128-8316-EDBC1F0D4B95}" vid="{C97931BA-9053-482D-8F4A-EFE7791E08C7}"/>
+      <thm15:themeFamily xmlns:thm15="http://schemas.microsoft.com/office/thememl/2012/main" xmlns="" name="PAAS平台-技术交流.pptx" id="{216FF340-FE6A-4128-8316-EDBC1F0D4B95}" vid="{C97931BA-9053-482D-8F4A-EFE7791E08C7}"/>
     </a:ext>
   </a:extLst>
 </a:theme>
